--- a/data-raw/playoff structure  12 team.pptx
+++ b/data-raw/playoff structure  12 team.pptx
@@ -7,6 +7,8 @@
   <p:sldIdLst>
     <p:sldId id="257" r:id="rId2"/>
     <p:sldId id="258" r:id="rId3"/>
+    <p:sldId id="260" r:id="rId4"/>
+    <p:sldId id="259" r:id="rId5"/>
   </p:sldIdLst>
   <p:sldSz cx="6858000" cy="9144000" type="screen4x3"/>
   <p:notesSz cx="6858000" cy="9144000"/>
@@ -303,7 +305,7 @@
           <a:p>
             <a:fld id="{66733C65-0025-401B-95AF-8C7DD5A44203}" type="datetimeFigureOut">
               <a:rPr lang="en-US" smtClean="0"/>
-              <a:t>8/23/2021</a:t>
+              <a:t>7/22/2022</a:t>
             </a:fld>
             <a:endParaRPr lang="en-US"/>
           </a:p>
@@ -471,7 +473,7 @@
           <a:p>
             <a:fld id="{66733C65-0025-401B-95AF-8C7DD5A44203}" type="datetimeFigureOut">
               <a:rPr lang="en-US" smtClean="0"/>
-              <a:t>8/23/2021</a:t>
+              <a:t>7/22/2022</a:t>
             </a:fld>
             <a:endParaRPr lang="en-US"/>
           </a:p>
@@ -649,7 +651,7 @@
           <a:p>
             <a:fld id="{66733C65-0025-401B-95AF-8C7DD5A44203}" type="datetimeFigureOut">
               <a:rPr lang="en-US" smtClean="0"/>
-              <a:t>8/23/2021</a:t>
+              <a:t>7/22/2022</a:t>
             </a:fld>
             <a:endParaRPr lang="en-US"/>
           </a:p>
@@ -817,7 +819,7 @@
           <a:p>
             <a:fld id="{66733C65-0025-401B-95AF-8C7DD5A44203}" type="datetimeFigureOut">
               <a:rPr lang="en-US" smtClean="0"/>
-              <a:t>8/23/2021</a:t>
+              <a:t>7/22/2022</a:t>
             </a:fld>
             <a:endParaRPr lang="en-US"/>
           </a:p>
@@ -1062,7 +1064,7 @@
           <a:p>
             <a:fld id="{66733C65-0025-401B-95AF-8C7DD5A44203}" type="datetimeFigureOut">
               <a:rPr lang="en-US" smtClean="0"/>
-              <a:t>8/23/2021</a:t>
+              <a:t>7/22/2022</a:t>
             </a:fld>
             <a:endParaRPr lang="en-US"/>
           </a:p>
@@ -1347,7 +1349,7 @@
           <a:p>
             <a:fld id="{66733C65-0025-401B-95AF-8C7DD5A44203}" type="datetimeFigureOut">
               <a:rPr lang="en-US" smtClean="0"/>
-              <a:t>8/23/2021</a:t>
+              <a:t>7/22/2022</a:t>
             </a:fld>
             <a:endParaRPr lang="en-US"/>
           </a:p>
@@ -1766,7 +1768,7 @@
           <a:p>
             <a:fld id="{66733C65-0025-401B-95AF-8C7DD5A44203}" type="datetimeFigureOut">
               <a:rPr lang="en-US" smtClean="0"/>
-              <a:t>8/23/2021</a:t>
+              <a:t>7/22/2022</a:t>
             </a:fld>
             <a:endParaRPr lang="en-US"/>
           </a:p>
@@ -1883,7 +1885,7 @@
           <a:p>
             <a:fld id="{66733C65-0025-401B-95AF-8C7DD5A44203}" type="datetimeFigureOut">
               <a:rPr lang="en-US" smtClean="0"/>
-              <a:t>8/23/2021</a:t>
+              <a:t>7/22/2022</a:t>
             </a:fld>
             <a:endParaRPr lang="en-US"/>
           </a:p>
@@ -1978,7 +1980,7 @@
           <a:p>
             <a:fld id="{66733C65-0025-401B-95AF-8C7DD5A44203}" type="datetimeFigureOut">
               <a:rPr lang="en-US" smtClean="0"/>
-              <a:t>8/23/2021</a:t>
+              <a:t>7/22/2022</a:t>
             </a:fld>
             <a:endParaRPr lang="en-US"/>
           </a:p>
@@ -2253,7 +2255,7 @@
           <a:p>
             <a:fld id="{66733C65-0025-401B-95AF-8C7DD5A44203}" type="datetimeFigureOut">
               <a:rPr lang="en-US" smtClean="0"/>
-              <a:t>8/23/2021</a:t>
+              <a:t>7/22/2022</a:t>
             </a:fld>
             <a:endParaRPr lang="en-US"/>
           </a:p>
@@ -2505,7 +2507,7 @@
           <a:p>
             <a:fld id="{66733C65-0025-401B-95AF-8C7DD5A44203}" type="datetimeFigureOut">
               <a:rPr lang="en-US" smtClean="0"/>
-              <a:t>8/23/2021</a:t>
+              <a:t>7/22/2022</a:t>
             </a:fld>
             <a:endParaRPr lang="en-US"/>
           </a:p>
@@ -2716,7 +2718,7 @@
           <a:p>
             <a:fld id="{66733C65-0025-401B-95AF-8C7DD5A44203}" type="datetimeFigureOut">
               <a:rPr lang="en-US" smtClean="0"/>
-              <a:t>8/23/2021</a:t>
+              <a:t>7/22/2022</a:t>
             </a:fld>
             <a:endParaRPr lang="en-US"/>
           </a:p>
@@ -9752,6 +9754,3526 @@
 </p:sld>
 </file>
 
+<file path=ppt/slides/slide3.xml><?xml version="1.0" encoding="utf-8"?>
+<p:sld xmlns:a="http://schemas.openxmlformats.org/drawingml/2006/main" xmlns:r="http://schemas.openxmlformats.org/officeDocument/2006/relationships" xmlns:p="http://schemas.openxmlformats.org/presentationml/2006/main">
+  <p:cSld>
+    <p:spTree>
+      <p:nvGrpSpPr>
+        <p:cNvPr id="1" name=""/>
+        <p:cNvGrpSpPr/>
+        <p:nvPr/>
+      </p:nvGrpSpPr>
+      <p:grpSpPr>
+        <a:xfrm>
+          <a:off x="0" y="0"/>
+          <a:ext cx="0" cy="0"/>
+          <a:chOff x="0" y="0"/>
+          <a:chExt cx="0" cy="0"/>
+        </a:xfrm>
+      </p:grpSpPr>
+      <p:sp>
+        <p:nvSpPr>
+          <p:cNvPr id="2" name="Title 1">
+            <a:extLst>
+              <a:ext uri="{FF2B5EF4-FFF2-40B4-BE49-F238E27FC236}">
+                <a16:creationId xmlns:a16="http://schemas.microsoft.com/office/drawing/2014/main" id="{00357572-5695-48C8-B945-8FCDB45C8A2A}"/>
+              </a:ext>
+            </a:extLst>
+          </p:cNvPr>
+          <p:cNvSpPr>
+            <a:spLocks noGrp="1"/>
+          </p:cNvSpPr>
+          <p:nvPr>
+            <p:ph type="title"/>
+          </p:nvPr>
+        </p:nvSpPr>
+        <p:spPr/>
+        <p:txBody>
+          <a:bodyPr/>
+          <a:lstStyle/>
+          <a:p>
+            <a:r>
+              <a:rPr lang="en-US" dirty="0"/>
+              <a:t>2022 Season edits</a:t>
+            </a:r>
+          </a:p>
+        </p:txBody>
+      </p:sp>
+      <p:sp>
+        <p:nvSpPr>
+          <p:cNvPr id="3" name="Content Placeholder 2">
+            <a:extLst>
+              <a:ext uri="{FF2B5EF4-FFF2-40B4-BE49-F238E27FC236}">
+                <a16:creationId xmlns:a16="http://schemas.microsoft.com/office/drawing/2014/main" id="{4DB8E8E2-3E64-421F-95D6-7F938366F248}"/>
+              </a:ext>
+            </a:extLst>
+          </p:cNvPr>
+          <p:cNvSpPr>
+            <a:spLocks noGrp="1"/>
+          </p:cNvSpPr>
+          <p:nvPr>
+            <p:ph idx="1"/>
+          </p:nvPr>
+        </p:nvSpPr>
+        <p:spPr/>
+        <p:txBody>
+          <a:bodyPr/>
+          <a:lstStyle/>
+          <a:p>
+            <a:r>
+              <a:rPr lang="en-US" dirty="0"/>
+              <a:t>Separate winners and losers bracket</a:t>
+            </a:r>
+          </a:p>
+          <a:p>
+            <a:pPr marL="0" indent="0">
+              <a:buNone/>
+            </a:pPr>
+            <a:endParaRPr lang="en-US" dirty="0"/>
+          </a:p>
+        </p:txBody>
+      </p:sp>
+    </p:spTree>
+    <p:extLst>
+      <p:ext uri="{BB962C8B-B14F-4D97-AF65-F5344CB8AC3E}">
+        <p14:creationId xmlns:p14="http://schemas.microsoft.com/office/powerpoint/2010/main" val="3457324949"/>
+      </p:ext>
+    </p:extLst>
+  </p:cSld>
+  <p:clrMapOvr>
+    <a:masterClrMapping/>
+  </p:clrMapOvr>
+</p:sld>
+</file>
+
+<file path=ppt/slides/slide4.xml><?xml version="1.0" encoding="utf-8"?>
+<p:sld xmlns:a="http://schemas.openxmlformats.org/drawingml/2006/main" xmlns:r="http://schemas.openxmlformats.org/officeDocument/2006/relationships" xmlns:p="http://schemas.openxmlformats.org/presentationml/2006/main">
+  <p:cSld>
+    <p:spTree>
+      <p:nvGrpSpPr>
+        <p:cNvPr id="1" name=""/>
+        <p:cNvGrpSpPr/>
+        <p:nvPr/>
+      </p:nvGrpSpPr>
+      <p:grpSpPr>
+        <a:xfrm>
+          <a:off x="0" y="0"/>
+          <a:ext cx="0" cy="0"/>
+          <a:chOff x="0" y="0"/>
+          <a:chExt cx="0" cy="0"/>
+        </a:xfrm>
+      </p:grpSpPr>
+      <p:sp>
+        <p:nvSpPr>
+          <p:cNvPr id="270" name="Rectangle 269">
+            <a:extLst>
+              <a:ext uri="{FF2B5EF4-FFF2-40B4-BE49-F238E27FC236}">
+                <a16:creationId xmlns:a16="http://schemas.microsoft.com/office/drawing/2014/main" id="{8E36A90C-3FC0-4915-8E97-36AAD00288C3}"/>
+              </a:ext>
+            </a:extLst>
+          </p:cNvPr>
+          <p:cNvSpPr/>
+          <p:nvPr/>
+        </p:nvSpPr>
+        <p:spPr>
+          <a:xfrm>
+            <a:off x="0" y="0"/>
+            <a:ext cx="6858000" cy="9160609"/>
+          </a:xfrm>
+          <a:prstGeom prst="rect">
+            <a:avLst/>
+          </a:prstGeom>
+          <a:solidFill>
+            <a:schemeClr val="bg1"/>
+          </a:solidFill>
+          <a:ln>
+            <a:noFill/>
+          </a:ln>
+        </p:spPr>
+        <p:style>
+          <a:lnRef idx="2">
+            <a:schemeClr val="accent1">
+              <a:shade val="50000"/>
+            </a:schemeClr>
+          </a:lnRef>
+          <a:fillRef idx="1">
+            <a:schemeClr val="accent1"/>
+          </a:fillRef>
+          <a:effectRef idx="0">
+            <a:schemeClr val="accent1"/>
+          </a:effectRef>
+          <a:fontRef idx="minor">
+            <a:schemeClr val="lt1"/>
+          </a:fontRef>
+        </p:style>
+        <p:txBody>
+          <a:bodyPr rtlCol="0" anchor="ctr"/>
+          <a:lstStyle/>
+          <a:p>
+            <a:pPr algn="ctr"/>
+            <a:endParaRPr lang="en-US"/>
+          </a:p>
+        </p:txBody>
+      </p:sp>
+      <p:sp>
+        <p:nvSpPr>
+          <p:cNvPr id="2" name="Title 1"/>
+          <p:cNvSpPr>
+            <a:spLocks noGrp="1"/>
+          </p:cNvSpPr>
+          <p:nvPr>
+            <p:ph type="title"/>
+          </p:nvPr>
+        </p:nvSpPr>
+        <p:spPr>
+          <a:xfrm>
+            <a:off x="342900" y="76200"/>
+            <a:ext cx="6172200" cy="762000"/>
+          </a:xfrm>
+        </p:spPr>
+        <p:txBody>
+          <a:bodyPr/>
+          <a:lstStyle/>
+          <a:p>
+            <a:r>
+              <a:rPr lang="en-US" dirty="0"/>
+              <a:t>TSU Playoffs</a:t>
+            </a:r>
+          </a:p>
+        </p:txBody>
+      </p:sp>
+      <p:cxnSp>
+        <p:nvCxnSpPr>
+          <p:cNvPr id="74" name="Straight Connector 73"/>
+          <p:cNvCxnSpPr/>
+          <p:nvPr/>
+        </p:nvCxnSpPr>
+        <p:spPr>
+          <a:xfrm>
+            <a:off x="1676400" y="1219200"/>
+            <a:ext cx="0" cy="7239000"/>
+          </a:xfrm>
+          <a:prstGeom prst="line">
+            <a:avLst/>
+          </a:prstGeom>
+          <a:ln>
+            <a:solidFill>
+              <a:schemeClr val="bg1">
+                <a:lumMod val="50000"/>
+              </a:schemeClr>
+            </a:solidFill>
+          </a:ln>
+        </p:spPr>
+        <p:style>
+          <a:lnRef idx="1">
+            <a:schemeClr val="accent1"/>
+          </a:lnRef>
+          <a:fillRef idx="0">
+            <a:schemeClr val="accent1"/>
+          </a:fillRef>
+          <a:effectRef idx="0">
+            <a:schemeClr val="accent1"/>
+          </a:effectRef>
+          <a:fontRef idx="minor">
+            <a:schemeClr val="tx1"/>
+          </a:fontRef>
+        </p:style>
+      </p:cxnSp>
+      <p:cxnSp>
+        <p:nvCxnSpPr>
+          <p:cNvPr id="76" name="Straight Connector 75"/>
+          <p:cNvCxnSpPr/>
+          <p:nvPr/>
+        </p:nvCxnSpPr>
+        <p:spPr>
+          <a:xfrm>
+            <a:off x="3352800" y="1219200"/>
+            <a:ext cx="0" cy="7239000"/>
+          </a:xfrm>
+          <a:prstGeom prst="line">
+            <a:avLst/>
+          </a:prstGeom>
+          <a:ln>
+            <a:solidFill>
+              <a:schemeClr val="bg1">
+                <a:lumMod val="50000"/>
+              </a:schemeClr>
+            </a:solidFill>
+          </a:ln>
+        </p:spPr>
+        <p:style>
+          <a:lnRef idx="1">
+            <a:schemeClr val="accent1"/>
+          </a:lnRef>
+          <a:fillRef idx="0">
+            <a:schemeClr val="accent1"/>
+          </a:fillRef>
+          <a:effectRef idx="0">
+            <a:schemeClr val="accent1"/>
+          </a:effectRef>
+          <a:fontRef idx="minor">
+            <a:schemeClr val="tx1"/>
+          </a:fontRef>
+        </p:style>
+      </p:cxnSp>
+      <p:cxnSp>
+        <p:nvCxnSpPr>
+          <p:cNvPr id="77" name="Straight Connector 76"/>
+          <p:cNvCxnSpPr/>
+          <p:nvPr/>
+        </p:nvCxnSpPr>
+        <p:spPr>
+          <a:xfrm>
+            <a:off x="5600700" y="1219200"/>
+            <a:ext cx="0" cy="7239000"/>
+          </a:xfrm>
+          <a:prstGeom prst="line">
+            <a:avLst/>
+          </a:prstGeom>
+          <a:ln>
+            <a:solidFill>
+              <a:schemeClr val="bg1">
+                <a:lumMod val="50000"/>
+              </a:schemeClr>
+            </a:solidFill>
+          </a:ln>
+        </p:spPr>
+        <p:style>
+          <a:lnRef idx="1">
+            <a:schemeClr val="accent1"/>
+          </a:lnRef>
+          <a:fillRef idx="0">
+            <a:schemeClr val="accent1"/>
+          </a:fillRef>
+          <a:effectRef idx="0">
+            <a:schemeClr val="accent1"/>
+          </a:effectRef>
+          <a:fontRef idx="minor">
+            <a:schemeClr val="tx1"/>
+          </a:fontRef>
+        </p:style>
+      </p:cxnSp>
+      <p:cxnSp>
+        <p:nvCxnSpPr>
+          <p:cNvPr id="83" name="Straight Connector 82"/>
+          <p:cNvCxnSpPr/>
+          <p:nvPr/>
+        </p:nvCxnSpPr>
+        <p:spPr>
+          <a:xfrm>
+            <a:off x="0" y="5867400"/>
+            <a:ext cx="5600700" cy="0"/>
+          </a:xfrm>
+          <a:prstGeom prst="line">
+            <a:avLst/>
+          </a:prstGeom>
+          <a:ln w="19050">
+            <a:solidFill>
+              <a:srgbClr val="FF0000"/>
+            </a:solidFill>
+          </a:ln>
+        </p:spPr>
+        <p:style>
+          <a:lnRef idx="1">
+            <a:schemeClr val="accent1"/>
+          </a:lnRef>
+          <a:fillRef idx="0">
+            <a:schemeClr val="accent1"/>
+          </a:fillRef>
+          <a:effectRef idx="0">
+            <a:schemeClr val="accent1"/>
+          </a:effectRef>
+          <a:fontRef idx="minor">
+            <a:schemeClr val="tx1"/>
+          </a:fontRef>
+        </p:style>
+      </p:cxnSp>
+      <p:sp>
+        <p:nvSpPr>
+          <p:cNvPr id="85" name="TextBox 84"/>
+          <p:cNvSpPr txBox="1"/>
+          <p:nvPr/>
+        </p:nvSpPr>
+        <p:spPr>
+          <a:xfrm>
+            <a:off x="0" y="858947"/>
+            <a:ext cx="1676400" cy="338554"/>
+          </a:xfrm>
+          <a:prstGeom prst="rect">
+            <a:avLst/>
+          </a:prstGeom>
+          <a:noFill/>
+        </p:spPr>
+        <p:txBody>
+          <a:bodyPr wrap="square" rtlCol="0">
+            <a:spAutoFit/>
+          </a:bodyPr>
+          <a:lstStyle/>
+          <a:p>
+            <a:pPr algn="ctr"/>
+            <a:r>
+              <a:rPr lang="en-US" sz="1600" dirty="0">
+                <a:latin typeface="Arial" panose="020B0604020202020204" pitchFamily="34" charset="0"/>
+                <a:cs typeface="Arial" panose="020B0604020202020204" pitchFamily="34" charset="0"/>
+              </a:rPr>
+              <a:t>Week 14</a:t>
+            </a:r>
+          </a:p>
+        </p:txBody>
+      </p:sp>
+      <p:sp>
+        <p:nvSpPr>
+          <p:cNvPr id="86" name="TextBox 85"/>
+          <p:cNvSpPr txBox="1"/>
+          <p:nvPr/>
+        </p:nvSpPr>
+        <p:spPr>
+          <a:xfrm>
+            <a:off x="1676400" y="858947"/>
+            <a:ext cx="1676400" cy="338554"/>
+          </a:xfrm>
+          <a:prstGeom prst="rect">
+            <a:avLst/>
+          </a:prstGeom>
+          <a:noFill/>
+        </p:spPr>
+        <p:txBody>
+          <a:bodyPr wrap="square" rtlCol="0">
+            <a:spAutoFit/>
+          </a:bodyPr>
+          <a:lstStyle/>
+          <a:p>
+            <a:pPr algn="ctr"/>
+            <a:r>
+              <a:rPr lang="en-US" sz="1600" dirty="0">
+                <a:latin typeface="Arial" panose="020B0604020202020204" pitchFamily="34" charset="0"/>
+                <a:cs typeface="Arial" panose="020B0604020202020204" pitchFamily="34" charset="0"/>
+              </a:rPr>
+              <a:t>Week 15</a:t>
+            </a:r>
+          </a:p>
+        </p:txBody>
+      </p:sp>
+      <p:sp>
+        <p:nvSpPr>
+          <p:cNvPr id="87" name="TextBox 86"/>
+          <p:cNvSpPr txBox="1"/>
+          <p:nvPr/>
+        </p:nvSpPr>
+        <p:spPr>
+          <a:xfrm>
+            <a:off x="3352800" y="858947"/>
+            <a:ext cx="2438400" cy="338554"/>
+          </a:xfrm>
+          <a:prstGeom prst="rect">
+            <a:avLst/>
+          </a:prstGeom>
+          <a:noFill/>
+        </p:spPr>
+        <p:txBody>
+          <a:bodyPr wrap="square" rtlCol="0">
+            <a:spAutoFit/>
+          </a:bodyPr>
+          <a:lstStyle/>
+          <a:p>
+            <a:pPr algn="ctr"/>
+            <a:r>
+              <a:rPr lang="en-US" sz="1600" dirty="0">
+                <a:latin typeface="Arial" panose="020B0604020202020204" pitchFamily="34" charset="0"/>
+                <a:cs typeface="Arial" panose="020B0604020202020204" pitchFamily="34" charset="0"/>
+              </a:rPr>
+              <a:t>Weeks 16 &amp; 17</a:t>
+            </a:r>
+          </a:p>
+        </p:txBody>
+      </p:sp>
+      <p:sp>
+        <p:nvSpPr>
+          <p:cNvPr id="88" name="TextBox 87"/>
+          <p:cNvSpPr txBox="1"/>
+          <p:nvPr/>
+        </p:nvSpPr>
+        <p:spPr>
+          <a:xfrm>
+            <a:off x="5791200" y="858947"/>
+            <a:ext cx="1066800" cy="338554"/>
+          </a:xfrm>
+          <a:prstGeom prst="rect">
+            <a:avLst/>
+          </a:prstGeom>
+          <a:noFill/>
+        </p:spPr>
+        <p:txBody>
+          <a:bodyPr wrap="square" rtlCol="0">
+            <a:spAutoFit/>
+          </a:bodyPr>
+          <a:lstStyle/>
+          <a:p>
+            <a:pPr algn="ctr"/>
+            <a:r>
+              <a:rPr lang="en-US" sz="1600" dirty="0">
+                <a:latin typeface="Arial" panose="020B0604020202020204" pitchFamily="34" charset="0"/>
+                <a:cs typeface="Arial" panose="020B0604020202020204" pitchFamily="34" charset="0"/>
+              </a:rPr>
+              <a:t>Week 18</a:t>
+            </a:r>
+          </a:p>
+        </p:txBody>
+      </p:sp>
+      <p:grpSp>
+        <p:nvGrpSpPr>
+          <p:cNvPr id="109" name="Group 108"/>
+          <p:cNvGrpSpPr/>
+          <p:nvPr/>
+        </p:nvGrpSpPr>
+        <p:grpSpPr>
+          <a:xfrm>
+            <a:off x="419100" y="1676400"/>
+            <a:ext cx="609600" cy="688777"/>
+            <a:chOff x="76200" y="1292423"/>
+            <a:chExt cx="609600" cy="688777"/>
+          </a:xfrm>
+        </p:grpSpPr>
+        <p:cxnSp>
+          <p:nvCxnSpPr>
+            <p:cNvPr id="92" name="Straight Connector 91"/>
+            <p:cNvCxnSpPr/>
+            <p:nvPr/>
+          </p:nvCxnSpPr>
+          <p:spPr>
+            <a:xfrm>
+              <a:off x="76200" y="1600200"/>
+              <a:ext cx="609600" cy="0"/>
+            </a:xfrm>
+            <a:prstGeom prst="line">
+              <a:avLst/>
+            </a:prstGeom>
+            <a:ln w="19050">
+              <a:solidFill>
+                <a:schemeClr val="tx1"/>
+              </a:solidFill>
+            </a:ln>
+          </p:spPr>
+          <p:style>
+            <a:lnRef idx="1">
+              <a:schemeClr val="accent1"/>
+            </a:lnRef>
+            <a:fillRef idx="0">
+              <a:schemeClr val="accent1"/>
+            </a:fillRef>
+            <a:effectRef idx="0">
+              <a:schemeClr val="accent1"/>
+            </a:effectRef>
+            <a:fontRef idx="minor">
+              <a:schemeClr val="tx1"/>
+            </a:fontRef>
+          </p:style>
+        </p:cxnSp>
+        <p:cxnSp>
+          <p:nvCxnSpPr>
+            <p:cNvPr id="93" name="Straight Connector 92"/>
+            <p:cNvCxnSpPr/>
+            <p:nvPr/>
+          </p:nvCxnSpPr>
+          <p:spPr>
+            <a:xfrm>
+              <a:off x="76200" y="1981200"/>
+              <a:ext cx="609600" cy="0"/>
+            </a:xfrm>
+            <a:prstGeom prst="line">
+              <a:avLst/>
+            </a:prstGeom>
+            <a:ln w="19050">
+              <a:solidFill>
+                <a:schemeClr val="tx1"/>
+              </a:solidFill>
+            </a:ln>
+          </p:spPr>
+          <p:style>
+            <a:lnRef idx="1">
+              <a:schemeClr val="accent1"/>
+            </a:lnRef>
+            <a:fillRef idx="0">
+              <a:schemeClr val="accent1"/>
+            </a:fillRef>
+            <a:effectRef idx="0">
+              <a:schemeClr val="accent1"/>
+            </a:effectRef>
+            <a:fontRef idx="minor">
+              <a:schemeClr val="tx1"/>
+            </a:fontRef>
+          </p:style>
+        </p:cxnSp>
+        <p:sp>
+          <p:nvSpPr>
+            <p:cNvPr id="94" name="TextBox 93"/>
+            <p:cNvSpPr txBox="1"/>
+            <p:nvPr/>
+          </p:nvSpPr>
+          <p:spPr>
+            <a:xfrm>
+              <a:off x="76200" y="1292423"/>
+              <a:ext cx="571500" cy="307777"/>
+            </a:xfrm>
+            <a:prstGeom prst="rect">
+              <a:avLst/>
+            </a:prstGeom>
+            <a:noFill/>
+          </p:spPr>
+          <p:txBody>
+            <a:bodyPr wrap="square" rtlCol="0">
+              <a:spAutoFit/>
+            </a:bodyPr>
+            <a:lstStyle/>
+            <a:p>
+              <a:pPr algn="ctr"/>
+              <a:r>
+                <a:rPr lang="en-US" sz="1400" dirty="0">
+                  <a:latin typeface="Arial" panose="020B0604020202020204" pitchFamily="34" charset="0"/>
+                  <a:cs typeface="Arial" panose="020B0604020202020204" pitchFamily="34" charset="0"/>
+                </a:rPr>
+                <a:t>1</a:t>
+              </a:r>
+            </a:p>
+          </p:txBody>
+        </p:sp>
+        <p:sp>
+          <p:nvSpPr>
+            <p:cNvPr id="95" name="TextBox 94"/>
+            <p:cNvSpPr txBox="1"/>
+            <p:nvPr/>
+          </p:nvSpPr>
+          <p:spPr>
+            <a:xfrm>
+              <a:off x="76200" y="1673423"/>
+              <a:ext cx="571500" cy="307777"/>
+            </a:xfrm>
+            <a:prstGeom prst="rect">
+              <a:avLst/>
+            </a:prstGeom>
+            <a:noFill/>
+          </p:spPr>
+          <p:txBody>
+            <a:bodyPr wrap="square" rtlCol="0">
+              <a:spAutoFit/>
+            </a:bodyPr>
+            <a:lstStyle/>
+            <a:p>
+              <a:pPr algn="ctr"/>
+              <a:r>
+                <a:rPr lang="en-US" sz="1400" dirty="0">
+                  <a:latin typeface="Arial" panose="020B0604020202020204" pitchFamily="34" charset="0"/>
+                  <a:cs typeface="Arial" panose="020B0604020202020204" pitchFamily="34" charset="0"/>
+                </a:rPr>
+                <a:t>2</a:t>
+              </a:r>
+            </a:p>
+          </p:txBody>
+        </p:sp>
+        <p:cxnSp>
+          <p:nvCxnSpPr>
+            <p:cNvPr id="96" name="Straight Connector 95"/>
+            <p:cNvCxnSpPr/>
+            <p:nvPr/>
+          </p:nvCxnSpPr>
+          <p:spPr>
+            <a:xfrm flipV="1">
+              <a:off x="685800" y="1600200"/>
+              <a:ext cx="0" cy="381000"/>
+            </a:xfrm>
+            <a:prstGeom prst="line">
+              <a:avLst/>
+            </a:prstGeom>
+            <a:ln w="19050">
+              <a:solidFill>
+                <a:schemeClr val="tx1"/>
+              </a:solidFill>
+            </a:ln>
+          </p:spPr>
+          <p:style>
+            <a:lnRef idx="1">
+              <a:schemeClr val="accent1"/>
+            </a:lnRef>
+            <a:fillRef idx="0">
+              <a:schemeClr val="accent1"/>
+            </a:fillRef>
+            <a:effectRef idx="0">
+              <a:schemeClr val="accent1"/>
+            </a:effectRef>
+            <a:fontRef idx="minor">
+              <a:schemeClr val="tx1"/>
+            </a:fontRef>
+          </p:style>
+        </p:cxnSp>
+      </p:grpSp>
+      <p:grpSp>
+        <p:nvGrpSpPr>
+          <p:cNvPr id="110" name="Group 109"/>
+          <p:cNvGrpSpPr/>
+          <p:nvPr/>
+        </p:nvGrpSpPr>
+        <p:grpSpPr>
+          <a:xfrm>
+            <a:off x="419100" y="3048000"/>
+            <a:ext cx="609600" cy="688777"/>
+            <a:chOff x="114300" y="2438400"/>
+            <a:chExt cx="609600" cy="688777"/>
+          </a:xfrm>
+        </p:grpSpPr>
+        <p:cxnSp>
+          <p:nvCxnSpPr>
+            <p:cNvPr id="99" name="Straight Connector 98"/>
+            <p:cNvCxnSpPr/>
+            <p:nvPr/>
+          </p:nvCxnSpPr>
+          <p:spPr>
+            <a:xfrm>
+              <a:off x="114300" y="2746177"/>
+              <a:ext cx="609600" cy="0"/>
+            </a:xfrm>
+            <a:prstGeom prst="line">
+              <a:avLst/>
+            </a:prstGeom>
+            <a:ln w="19050">
+              <a:solidFill>
+                <a:schemeClr val="tx1"/>
+              </a:solidFill>
+            </a:ln>
+          </p:spPr>
+          <p:style>
+            <a:lnRef idx="1">
+              <a:schemeClr val="accent1"/>
+            </a:lnRef>
+            <a:fillRef idx="0">
+              <a:schemeClr val="accent1"/>
+            </a:fillRef>
+            <a:effectRef idx="0">
+              <a:schemeClr val="accent1"/>
+            </a:effectRef>
+            <a:fontRef idx="minor">
+              <a:schemeClr val="tx1"/>
+            </a:fontRef>
+          </p:style>
+        </p:cxnSp>
+        <p:cxnSp>
+          <p:nvCxnSpPr>
+            <p:cNvPr id="100" name="Straight Connector 99"/>
+            <p:cNvCxnSpPr/>
+            <p:nvPr/>
+          </p:nvCxnSpPr>
+          <p:spPr>
+            <a:xfrm>
+              <a:off x="114300" y="3127177"/>
+              <a:ext cx="609600" cy="0"/>
+            </a:xfrm>
+            <a:prstGeom prst="line">
+              <a:avLst/>
+            </a:prstGeom>
+            <a:ln w="19050">
+              <a:solidFill>
+                <a:schemeClr val="tx1"/>
+              </a:solidFill>
+            </a:ln>
+          </p:spPr>
+          <p:style>
+            <a:lnRef idx="1">
+              <a:schemeClr val="accent1"/>
+            </a:lnRef>
+            <a:fillRef idx="0">
+              <a:schemeClr val="accent1"/>
+            </a:fillRef>
+            <a:effectRef idx="0">
+              <a:schemeClr val="accent1"/>
+            </a:effectRef>
+            <a:fontRef idx="minor">
+              <a:schemeClr val="tx1"/>
+            </a:fontRef>
+          </p:style>
+        </p:cxnSp>
+        <p:sp>
+          <p:nvSpPr>
+            <p:cNvPr id="101" name="TextBox 100"/>
+            <p:cNvSpPr txBox="1"/>
+            <p:nvPr/>
+          </p:nvSpPr>
+          <p:spPr>
+            <a:xfrm>
+              <a:off x="114300" y="2438400"/>
+              <a:ext cx="571500" cy="307777"/>
+            </a:xfrm>
+            <a:prstGeom prst="rect">
+              <a:avLst/>
+            </a:prstGeom>
+            <a:noFill/>
+          </p:spPr>
+          <p:txBody>
+            <a:bodyPr wrap="square" rtlCol="0">
+              <a:spAutoFit/>
+            </a:bodyPr>
+            <a:lstStyle/>
+            <a:p>
+              <a:pPr algn="ctr"/>
+              <a:r>
+                <a:rPr lang="en-US" sz="1400" dirty="0">
+                  <a:latin typeface="Arial" panose="020B0604020202020204" pitchFamily="34" charset="0"/>
+                  <a:cs typeface="Arial" panose="020B0604020202020204" pitchFamily="34" charset="0"/>
+                </a:rPr>
+                <a:t>3</a:t>
+              </a:r>
+            </a:p>
+          </p:txBody>
+        </p:sp>
+        <p:sp>
+          <p:nvSpPr>
+            <p:cNvPr id="102" name="TextBox 101"/>
+            <p:cNvSpPr txBox="1"/>
+            <p:nvPr/>
+          </p:nvSpPr>
+          <p:spPr>
+            <a:xfrm>
+              <a:off x="114300" y="2819400"/>
+              <a:ext cx="571500" cy="307777"/>
+            </a:xfrm>
+            <a:prstGeom prst="rect">
+              <a:avLst/>
+            </a:prstGeom>
+            <a:noFill/>
+          </p:spPr>
+          <p:txBody>
+            <a:bodyPr wrap="square" rtlCol="0">
+              <a:spAutoFit/>
+            </a:bodyPr>
+            <a:lstStyle/>
+            <a:p>
+              <a:pPr algn="ctr"/>
+              <a:r>
+                <a:rPr lang="en-US" sz="1400" dirty="0">
+                  <a:latin typeface="Arial" panose="020B0604020202020204" pitchFamily="34" charset="0"/>
+                  <a:cs typeface="Arial" panose="020B0604020202020204" pitchFamily="34" charset="0"/>
+                </a:rPr>
+                <a:t>6</a:t>
+              </a:r>
+            </a:p>
+          </p:txBody>
+        </p:sp>
+        <p:cxnSp>
+          <p:nvCxnSpPr>
+            <p:cNvPr id="103" name="Straight Connector 102"/>
+            <p:cNvCxnSpPr/>
+            <p:nvPr/>
+          </p:nvCxnSpPr>
+          <p:spPr>
+            <a:xfrm flipV="1">
+              <a:off x="723900" y="2746177"/>
+              <a:ext cx="0" cy="381000"/>
+            </a:xfrm>
+            <a:prstGeom prst="line">
+              <a:avLst/>
+            </a:prstGeom>
+            <a:ln w="19050">
+              <a:solidFill>
+                <a:schemeClr val="tx1"/>
+              </a:solidFill>
+            </a:ln>
+          </p:spPr>
+          <p:style>
+            <a:lnRef idx="1">
+              <a:schemeClr val="accent1"/>
+            </a:lnRef>
+            <a:fillRef idx="0">
+              <a:schemeClr val="accent1"/>
+            </a:fillRef>
+            <a:effectRef idx="0">
+              <a:schemeClr val="accent1"/>
+            </a:effectRef>
+            <a:fontRef idx="minor">
+              <a:schemeClr val="tx1"/>
+            </a:fontRef>
+          </p:style>
+        </p:cxnSp>
+      </p:grpSp>
+      <p:grpSp>
+        <p:nvGrpSpPr>
+          <p:cNvPr id="111" name="Group 110"/>
+          <p:cNvGrpSpPr/>
+          <p:nvPr/>
+        </p:nvGrpSpPr>
+        <p:grpSpPr>
+          <a:xfrm>
+            <a:off x="419100" y="4232076"/>
+            <a:ext cx="609600" cy="688777"/>
+            <a:chOff x="152400" y="3429000"/>
+            <a:chExt cx="609600" cy="688777"/>
+          </a:xfrm>
+        </p:grpSpPr>
+        <p:cxnSp>
+          <p:nvCxnSpPr>
+            <p:cNvPr id="104" name="Straight Connector 103"/>
+            <p:cNvCxnSpPr/>
+            <p:nvPr/>
+          </p:nvCxnSpPr>
+          <p:spPr>
+            <a:xfrm>
+              <a:off x="152400" y="3736777"/>
+              <a:ext cx="609600" cy="0"/>
+            </a:xfrm>
+            <a:prstGeom prst="line">
+              <a:avLst/>
+            </a:prstGeom>
+            <a:ln w="19050">
+              <a:solidFill>
+                <a:schemeClr val="tx1"/>
+              </a:solidFill>
+            </a:ln>
+          </p:spPr>
+          <p:style>
+            <a:lnRef idx="1">
+              <a:schemeClr val="accent1"/>
+            </a:lnRef>
+            <a:fillRef idx="0">
+              <a:schemeClr val="accent1"/>
+            </a:fillRef>
+            <a:effectRef idx="0">
+              <a:schemeClr val="accent1"/>
+            </a:effectRef>
+            <a:fontRef idx="minor">
+              <a:schemeClr val="tx1"/>
+            </a:fontRef>
+          </p:style>
+        </p:cxnSp>
+        <p:cxnSp>
+          <p:nvCxnSpPr>
+            <p:cNvPr id="105" name="Straight Connector 104"/>
+            <p:cNvCxnSpPr/>
+            <p:nvPr/>
+          </p:nvCxnSpPr>
+          <p:spPr>
+            <a:xfrm>
+              <a:off x="152400" y="4117777"/>
+              <a:ext cx="609600" cy="0"/>
+            </a:xfrm>
+            <a:prstGeom prst="line">
+              <a:avLst/>
+            </a:prstGeom>
+            <a:ln w="19050">
+              <a:solidFill>
+                <a:schemeClr val="tx1"/>
+              </a:solidFill>
+            </a:ln>
+          </p:spPr>
+          <p:style>
+            <a:lnRef idx="1">
+              <a:schemeClr val="accent1"/>
+            </a:lnRef>
+            <a:fillRef idx="0">
+              <a:schemeClr val="accent1"/>
+            </a:fillRef>
+            <a:effectRef idx="0">
+              <a:schemeClr val="accent1"/>
+            </a:effectRef>
+            <a:fontRef idx="minor">
+              <a:schemeClr val="tx1"/>
+            </a:fontRef>
+          </p:style>
+        </p:cxnSp>
+        <p:sp>
+          <p:nvSpPr>
+            <p:cNvPr id="106" name="TextBox 105"/>
+            <p:cNvSpPr txBox="1"/>
+            <p:nvPr/>
+          </p:nvSpPr>
+          <p:spPr>
+            <a:xfrm>
+              <a:off x="152400" y="3429000"/>
+              <a:ext cx="571500" cy="307777"/>
+            </a:xfrm>
+            <a:prstGeom prst="rect">
+              <a:avLst/>
+            </a:prstGeom>
+            <a:noFill/>
+          </p:spPr>
+          <p:txBody>
+            <a:bodyPr wrap="square" rtlCol="0">
+              <a:spAutoFit/>
+            </a:bodyPr>
+            <a:lstStyle/>
+            <a:p>
+              <a:pPr algn="ctr"/>
+              <a:r>
+                <a:rPr lang="en-US" sz="1400" dirty="0">
+                  <a:latin typeface="Arial" panose="020B0604020202020204" pitchFamily="34" charset="0"/>
+                  <a:cs typeface="Arial" panose="020B0604020202020204" pitchFamily="34" charset="0"/>
+                </a:rPr>
+                <a:t>4</a:t>
+              </a:r>
+            </a:p>
+          </p:txBody>
+        </p:sp>
+        <p:sp>
+          <p:nvSpPr>
+            <p:cNvPr id="107" name="TextBox 106"/>
+            <p:cNvSpPr txBox="1"/>
+            <p:nvPr/>
+          </p:nvSpPr>
+          <p:spPr>
+            <a:xfrm>
+              <a:off x="152400" y="3810000"/>
+              <a:ext cx="571500" cy="307777"/>
+            </a:xfrm>
+            <a:prstGeom prst="rect">
+              <a:avLst/>
+            </a:prstGeom>
+            <a:noFill/>
+          </p:spPr>
+          <p:txBody>
+            <a:bodyPr wrap="square" rtlCol="0">
+              <a:spAutoFit/>
+            </a:bodyPr>
+            <a:lstStyle/>
+            <a:p>
+              <a:pPr algn="ctr"/>
+              <a:r>
+                <a:rPr lang="en-US" sz="1400" dirty="0">
+                  <a:latin typeface="Arial" panose="020B0604020202020204" pitchFamily="34" charset="0"/>
+                  <a:cs typeface="Arial" panose="020B0604020202020204" pitchFamily="34" charset="0"/>
+                </a:rPr>
+                <a:t>5</a:t>
+              </a:r>
+            </a:p>
+          </p:txBody>
+        </p:sp>
+        <p:cxnSp>
+          <p:nvCxnSpPr>
+            <p:cNvPr id="108" name="Straight Connector 107"/>
+            <p:cNvCxnSpPr/>
+            <p:nvPr/>
+          </p:nvCxnSpPr>
+          <p:spPr>
+            <a:xfrm flipV="1">
+              <a:off x="762000" y="3736777"/>
+              <a:ext cx="0" cy="381000"/>
+            </a:xfrm>
+            <a:prstGeom prst="line">
+              <a:avLst/>
+            </a:prstGeom>
+            <a:ln w="19050">
+              <a:solidFill>
+                <a:schemeClr val="tx1"/>
+              </a:solidFill>
+            </a:ln>
+          </p:spPr>
+          <p:style>
+            <a:lnRef idx="1">
+              <a:schemeClr val="accent1"/>
+            </a:lnRef>
+            <a:fillRef idx="0">
+              <a:schemeClr val="accent1"/>
+            </a:fillRef>
+            <a:effectRef idx="0">
+              <a:schemeClr val="accent1"/>
+            </a:effectRef>
+            <a:fontRef idx="minor">
+              <a:schemeClr val="tx1"/>
+            </a:fontRef>
+          </p:style>
+        </p:cxnSp>
+      </p:grpSp>
+      <p:cxnSp>
+        <p:nvCxnSpPr>
+          <p:cNvPr id="134" name="Elbow Connector 133"/>
+          <p:cNvCxnSpPr>
+            <a:cxnSpLocks/>
+          </p:cNvCxnSpPr>
+          <p:nvPr/>
+        </p:nvCxnSpPr>
+        <p:spPr>
+          <a:xfrm rot="16200000" flipH="1">
+            <a:off x="92275" y="4435675"/>
+            <a:ext cx="2459190" cy="556664"/>
+          </a:xfrm>
+          <a:prstGeom prst="bentConnector3">
+            <a:avLst>
+              <a:gd name="adj1" fmla="val 88"/>
+            </a:avLst>
+          </a:prstGeom>
+          <a:ln w="12700">
+            <a:solidFill>
+              <a:schemeClr val="tx1"/>
+            </a:solidFill>
+            <a:prstDash val="dash"/>
+          </a:ln>
+        </p:spPr>
+        <p:style>
+          <a:lnRef idx="1">
+            <a:schemeClr val="accent1"/>
+          </a:lnRef>
+          <a:fillRef idx="0">
+            <a:schemeClr val="accent1"/>
+          </a:fillRef>
+          <a:effectRef idx="0">
+            <a:schemeClr val="accent1"/>
+          </a:effectRef>
+          <a:fontRef idx="minor">
+            <a:schemeClr val="tx1"/>
+          </a:fontRef>
+        </p:style>
+      </p:cxnSp>
+      <p:cxnSp>
+        <p:nvCxnSpPr>
+          <p:cNvPr id="137" name="Elbow Connector 136"/>
+          <p:cNvCxnSpPr/>
+          <p:nvPr/>
+        </p:nvCxnSpPr>
+        <p:spPr>
+          <a:xfrm rot="16200000" flipH="1">
+            <a:off x="674834" y="5094438"/>
+            <a:ext cx="1143006" cy="402929"/>
+          </a:xfrm>
+          <a:prstGeom prst="bentConnector3">
+            <a:avLst>
+              <a:gd name="adj1" fmla="val 0"/>
+            </a:avLst>
+          </a:prstGeom>
+          <a:ln w="12700">
+            <a:solidFill>
+              <a:schemeClr val="tx1"/>
+            </a:solidFill>
+            <a:prstDash val="dash"/>
+          </a:ln>
+        </p:spPr>
+        <p:style>
+          <a:lnRef idx="1">
+            <a:schemeClr val="accent1"/>
+          </a:lnRef>
+          <a:fillRef idx="0">
+            <a:schemeClr val="accent1"/>
+          </a:fillRef>
+          <a:effectRef idx="0">
+            <a:schemeClr val="accent1"/>
+          </a:effectRef>
+          <a:fontRef idx="minor">
+            <a:schemeClr val="tx1"/>
+          </a:fontRef>
+        </p:style>
+      </p:cxnSp>
+      <p:cxnSp>
+        <p:nvCxnSpPr>
+          <p:cNvPr id="144" name="Straight Connector 143"/>
+          <p:cNvCxnSpPr/>
+          <p:nvPr/>
+        </p:nvCxnSpPr>
+        <p:spPr>
+          <a:xfrm>
+            <a:off x="2355420" y="2929020"/>
+            <a:ext cx="609600" cy="0"/>
+          </a:xfrm>
+          <a:prstGeom prst="line">
+            <a:avLst/>
+          </a:prstGeom>
+          <a:ln w="19050">
+            <a:solidFill>
+              <a:schemeClr val="tx1"/>
+            </a:solidFill>
+          </a:ln>
+        </p:spPr>
+        <p:style>
+          <a:lnRef idx="1">
+            <a:schemeClr val="accent1"/>
+          </a:lnRef>
+          <a:fillRef idx="0">
+            <a:schemeClr val="accent1"/>
+          </a:fillRef>
+          <a:effectRef idx="0">
+            <a:schemeClr val="accent1"/>
+          </a:effectRef>
+          <a:fontRef idx="minor">
+            <a:schemeClr val="tx1"/>
+          </a:fontRef>
+        </p:style>
+      </p:cxnSp>
+      <p:cxnSp>
+        <p:nvCxnSpPr>
+          <p:cNvPr id="145" name="Straight Connector 144"/>
+          <p:cNvCxnSpPr/>
+          <p:nvPr/>
+        </p:nvCxnSpPr>
+        <p:spPr>
+          <a:xfrm flipV="1">
+            <a:off x="2965020" y="2929020"/>
+            <a:ext cx="0" cy="381000"/>
+          </a:xfrm>
+          <a:prstGeom prst="line">
+            <a:avLst/>
+          </a:prstGeom>
+          <a:ln w="19050">
+            <a:solidFill>
+              <a:schemeClr val="tx1"/>
+            </a:solidFill>
+          </a:ln>
+        </p:spPr>
+        <p:style>
+          <a:lnRef idx="1">
+            <a:schemeClr val="accent1"/>
+          </a:lnRef>
+          <a:fillRef idx="0">
+            <a:schemeClr val="accent1"/>
+          </a:fillRef>
+          <a:effectRef idx="0">
+            <a:schemeClr val="accent1"/>
+          </a:effectRef>
+          <a:fontRef idx="minor">
+            <a:schemeClr val="tx1"/>
+          </a:fontRef>
+        </p:style>
+      </p:cxnSp>
+      <p:cxnSp>
+        <p:nvCxnSpPr>
+          <p:cNvPr id="146" name="Straight Connector 145"/>
+          <p:cNvCxnSpPr/>
+          <p:nvPr/>
+        </p:nvCxnSpPr>
+        <p:spPr>
+          <a:xfrm>
+            <a:off x="2331106" y="4083759"/>
+            <a:ext cx="609600" cy="0"/>
+          </a:xfrm>
+          <a:prstGeom prst="line">
+            <a:avLst/>
+          </a:prstGeom>
+          <a:ln w="19050">
+            <a:solidFill>
+              <a:schemeClr val="tx1"/>
+            </a:solidFill>
+          </a:ln>
+        </p:spPr>
+        <p:style>
+          <a:lnRef idx="1">
+            <a:schemeClr val="accent1"/>
+          </a:lnRef>
+          <a:fillRef idx="0">
+            <a:schemeClr val="accent1"/>
+          </a:fillRef>
+          <a:effectRef idx="0">
+            <a:schemeClr val="accent1"/>
+          </a:effectRef>
+          <a:fontRef idx="minor">
+            <a:schemeClr val="tx1"/>
+          </a:fontRef>
+        </p:style>
+      </p:cxnSp>
+      <p:cxnSp>
+        <p:nvCxnSpPr>
+          <p:cNvPr id="147" name="Straight Connector 146"/>
+          <p:cNvCxnSpPr/>
+          <p:nvPr/>
+        </p:nvCxnSpPr>
+        <p:spPr>
+          <a:xfrm flipV="1">
+            <a:off x="2940706" y="4083759"/>
+            <a:ext cx="0" cy="381000"/>
+          </a:xfrm>
+          <a:prstGeom prst="line">
+            <a:avLst/>
+          </a:prstGeom>
+          <a:ln w="19050">
+            <a:solidFill>
+              <a:schemeClr val="tx1"/>
+            </a:solidFill>
+          </a:ln>
+        </p:spPr>
+        <p:style>
+          <a:lnRef idx="1">
+            <a:schemeClr val="accent1"/>
+          </a:lnRef>
+          <a:fillRef idx="0">
+            <a:schemeClr val="accent1"/>
+          </a:fillRef>
+          <a:effectRef idx="0">
+            <a:schemeClr val="accent1"/>
+          </a:effectRef>
+          <a:fontRef idx="minor">
+            <a:schemeClr val="tx1"/>
+          </a:fontRef>
+        </p:style>
+      </p:cxnSp>
+      <p:sp>
+        <p:nvSpPr>
+          <p:cNvPr id="148" name="TextBox 147"/>
+          <p:cNvSpPr txBox="1"/>
+          <p:nvPr/>
+        </p:nvSpPr>
+        <p:spPr>
+          <a:xfrm>
+            <a:off x="2117294" y="3053790"/>
+            <a:ext cx="870730" cy="276999"/>
+          </a:xfrm>
+          <a:prstGeom prst="rect">
+            <a:avLst/>
+          </a:prstGeom>
+          <a:noFill/>
+        </p:spPr>
+        <p:txBody>
+          <a:bodyPr wrap="square" rtlCol="0">
+            <a:spAutoFit/>
+          </a:bodyPr>
+          <a:lstStyle/>
+          <a:p>
+            <a:pPr algn="r"/>
+            <a:r>
+              <a:rPr lang="en-US" sz="1200" dirty="0">
+                <a:latin typeface="Arial" panose="020B0604020202020204" pitchFamily="34" charset="0"/>
+                <a:cs typeface="Arial" panose="020B0604020202020204" pitchFamily="34" charset="0"/>
+              </a:rPr>
+              <a:t>low seed</a:t>
+            </a:r>
+          </a:p>
+        </p:txBody>
+      </p:sp>
+      <p:sp>
+        <p:nvSpPr>
+          <p:cNvPr id="149" name="TextBox 148"/>
+          <p:cNvSpPr txBox="1"/>
+          <p:nvPr/>
+        </p:nvSpPr>
+        <p:spPr>
+          <a:xfrm>
+            <a:off x="2393520" y="2621242"/>
+            <a:ext cx="571500" cy="307777"/>
+          </a:xfrm>
+          <a:prstGeom prst="rect">
+            <a:avLst/>
+          </a:prstGeom>
+          <a:noFill/>
+        </p:spPr>
+        <p:txBody>
+          <a:bodyPr wrap="square" rtlCol="0">
+            <a:spAutoFit/>
+          </a:bodyPr>
+          <a:lstStyle/>
+          <a:p>
+            <a:pPr algn="ctr"/>
+            <a:r>
+              <a:rPr lang="en-US" sz="1400" dirty="0">
+                <a:latin typeface="Arial" panose="020B0604020202020204" pitchFamily="34" charset="0"/>
+                <a:cs typeface="Arial" panose="020B0604020202020204" pitchFamily="34" charset="0"/>
+              </a:rPr>
+              <a:t>1</a:t>
+            </a:r>
+          </a:p>
+        </p:txBody>
+      </p:sp>
+      <p:sp>
+        <p:nvSpPr>
+          <p:cNvPr id="151" name="TextBox 150"/>
+          <p:cNvSpPr txBox="1"/>
+          <p:nvPr/>
+        </p:nvSpPr>
+        <p:spPr>
+          <a:xfrm>
+            <a:off x="2369206" y="3775982"/>
+            <a:ext cx="571500" cy="307777"/>
+          </a:xfrm>
+          <a:prstGeom prst="rect">
+            <a:avLst/>
+          </a:prstGeom>
+          <a:noFill/>
+        </p:spPr>
+        <p:txBody>
+          <a:bodyPr wrap="square" rtlCol="0">
+            <a:spAutoFit/>
+          </a:bodyPr>
+          <a:lstStyle/>
+          <a:p>
+            <a:pPr algn="ctr"/>
+            <a:r>
+              <a:rPr lang="en-US" sz="1400" dirty="0">
+                <a:latin typeface="Arial" panose="020B0604020202020204" pitchFamily="34" charset="0"/>
+                <a:cs typeface="Arial" panose="020B0604020202020204" pitchFamily="34" charset="0"/>
+              </a:rPr>
+              <a:t>2</a:t>
+            </a:r>
+          </a:p>
+        </p:txBody>
+      </p:sp>
+      <p:sp>
+        <p:nvSpPr>
+          <p:cNvPr id="154" name="Rectangle 153"/>
+          <p:cNvSpPr/>
+          <p:nvPr/>
+        </p:nvSpPr>
+        <p:spPr>
+          <a:xfrm>
+            <a:off x="133350" y="3005868"/>
+            <a:ext cx="1143000" cy="2137632"/>
+          </a:xfrm>
+          <a:prstGeom prst="rect">
+            <a:avLst/>
+          </a:prstGeom>
+          <a:noFill/>
+          <a:ln>
+            <a:solidFill>
+              <a:schemeClr val="accent1"/>
+            </a:solidFill>
+          </a:ln>
+        </p:spPr>
+        <p:style>
+          <a:lnRef idx="2">
+            <a:schemeClr val="accent1">
+              <a:shade val="50000"/>
+            </a:schemeClr>
+          </a:lnRef>
+          <a:fillRef idx="1">
+            <a:schemeClr val="accent1"/>
+          </a:fillRef>
+          <a:effectRef idx="0">
+            <a:schemeClr val="accent1"/>
+          </a:effectRef>
+          <a:fontRef idx="minor">
+            <a:schemeClr val="lt1"/>
+          </a:fontRef>
+        </p:style>
+        <p:txBody>
+          <a:bodyPr rtlCol="0" anchor="ctr"/>
+          <a:lstStyle/>
+          <a:p>
+            <a:pPr algn="ctr"/>
+            <a:endParaRPr lang="en-US">
+              <a:solidFill>
+                <a:schemeClr val="tx2"/>
+              </a:solidFill>
+            </a:endParaRPr>
+          </a:p>
+        </p:txBody>
+      </p:sp>
+      <p:sp>
+        <p:nvSpPr>
+          <p:cNvPr id="157" name="TextBox 156"/>
+          <p:cNvSpPr txBox="1"/>
+          <p:nvPr/>
+        </p:nvSpPr>
+        <p:spPr>
+          <a:xfrm>
+            <a:off x="133350" y="2667000"/>
+            <a:ext cx="1143000" cy="307777"/>
+          </a:xfrm>
+          <a:prstGeom prst="rect">
+            <a:avLst/>
+          </a:prstGeom>
+          <a:noFill/>
+        </p:spPr>
+        <p:txBody>
+          <a:bodyPr wrap="square" rtlCol="0">
+            <a:spAutoFit/>
+          </a:bodyPr>
+          <a:lstStyle/>
+          <a:p>
+            <a:pPr algn="ctr"/>
+            <a:r>
+              <a:rPr lang="en-US" sz="1400" i="1" dirty="0">
+                <a:solidFill>
+                  <a:schemeClr val="accent1"/>
+                </a:solidFill>
+                <a:latin typeface="Arial" panose="020B0604020202020204" pitchFamily="34" charset="0"/>
+                <a:cs typeface="Arial" panose="020B0604020202020204" pitchFamily="34" charset="0"/>
+              </a:rPr>
+              <a:t>wildcard</a:t>
+            </a:r>
+          </a:p>
+        </p:txBody>
+      </p:sp>
+      <p:sp>
+        <p:nvSpPr>
+          <p:cNvPr id="158" name="Rectangle 157"/>
+          <p:cNvSpPr/>
+          <p:nvPr/>
+        </p:nvSpPr>
+        <p:spPr>
+          <a:xfrm>
+            <a:off x="133350" y="1676400"/>
+            <a:ext cx="1143000" cy="878198"/>
+          </a:xfrm>
+          <a:prstGeom prst="rect">
+            <a:avLst/>
+          </a:prstGeom>
+          <a:noFill/>
+          <a:ln>
+            <a:solidFill>
+              <a:schemeClr val="accent1"/>
+            </a:solidFill>
+          </a:ln>
+        </p:spPr>
+        <p:style>
+          <a:lnRef idx="2">
+            <a:schemeClr val="accent1">
+              <a:shade val="50000"/>
+            </a:schemeClr>
+          </a:lnRef>
+          <a:fillRef idx="1">
+            <a:schemeClr val="accent1"/>
+          </a:fillRef>
+          <a:effectRef idx="0">
+            <a:schemeClr val="accent1"/>
+          </a:effectRef>
+          <a:fontRef idx="minor">
+            <a:schemeClr val="lt1"/>
+          </a:fontRef>
+        </p:style>
+        <p:txBody>
+          <a:bodyPr rtlCol="0" anchor="ctr"/>
+          <a:lstStyle/>
+          <a:p>
+            <a:pPr algn="ctr"/>
+            <a:endParaRPr lang="en-US">
+              <a:solidFill>
+                <a:schemeClr val="tx2"/>
+              </a:solidFill>
+            </a:endParaRPr>
+          </a:p>
+        </p:txBody>
+      </p:sp>
+      <p:sp>
+        <p:nvSpPr>
+          <p:cNvPr id="159" name="TextBox 158"/>
+          <p:cNvSpPr txBox="1"/>
+          <p:nvPr/>
+        </p:nvSpPr>
+        <p:spPr>
+          <a:xfrm>
+            <a:off x="133350" y="1219200"/>
+            <a:ext cx="1143000" cy="492443"/>
+          </a:xfrm>
+          <a:prstGeom prst="rect">
+            <a:avLst/>
+          </a:prstGeom>
+          <a:noFill/>
+        </p:spPr>
+        <p:txBody>
+          <a:bodyPr wrap="square" rtlCol="0">
+            <a:spAutoFit/>
+          </a:bodyPr>
+          <a:lstStyle/>
+          <a:p>
+            <a:pPr algn="ctr"/>
+            <a:r>
+              <a:rPr lang="en-US" sz="1200" i="1" dirty="0">
+                <a:solidFill>
+                  <a:schemeClr val="accent1"/>
+                </a:solidFill>
+                <a:latin typeface="Arial" panose="020B0604020202020204" pitchFamily="34" charset="0"/>
+                <a:cs typeface="Arial" panose="020B0604020202020204" pitchFamily="34" charset="0"/>
+              </a:rPr>
+              <a:t>1 v 2 </a:t>
+            </a:r>
+            <a:r>
+              <a:rPr lang="en-US" sz="1400" i="1" dirty="0">
+                <a:solidFill>
+                  <a:schemeClr val="accent1"/>
+                </a:solidFill>
+                <a:latin typeface="Arial" panose="020B0604020202020204" pitchFamily="34" charset="0"/>
+                <a:cs typeface="Arial" panose="020B0604020202020204" pitchFamily="34" charset="0"/>
+              </a:rPr>
+              <a:t>showdown</a:t>
+            </a:r>
+            <a:endParaRPr lang="en-US" sz="1200" i="1" dirty="0">
+              <a:solidFill>
+                <a:schemeClr val="accent1"/>
+              </a:solidFill>
+              <a:latin typeface="Arial" panose="020B0604020202020204" pitchFamily="34" charset="0"/>
+              <a:cs typeface="Arial" panose="020B0604020202020204" pitchFamily="34" charset="0"/>
+            </a:endParaRPr>
+          </a:p>
+        </p:txBody>
+      </p:sp>
+      <p:cxnSp>
+        <p:nvCxnSpPr>
+          <p:cNvPr id="161" name="Elbow Connector 160"/>
+          <p:cNvCxnSpPr>
+            <a:cxnSpLocks/>
+          </p:cNvCxnSpPr>
+          <p:nvPr/>
+        </p:nvCxnSpPr>
+        <p:spPr>
+          <a:xfrm rot="10800000" flipV="1">
+            <a:off x="1271370" y="3309775"/>
+            <a:ext cx="1698892" cy="499277"/>
+          </a:xfrm>
+          <a:prstGeom prst="bentConnector3">
+            <a:avLst/>
+          </a:prstGeom>
+          <a:ln w="19050">
+            <a:solidFill>
+              <a:schemeClr val="tx1"/>
+            </a:solidFill>
+          </a:ln>
+        </p:spPr>
+        <p:style>
+          <a:lnRef idx="1">
+            <a:schemeClr val="accent1"/>
+          </a:lnRef>
+          <a:fillRef idx="0">
+            <a:schemeClr val="accent1"/>
+          </a:fillRef>
+          <a:effectRef idx="0">
+            <a:schemeClr val="accent1"/>
+          </a:effectRef>
+          <a:fontRef idx="minor">
+            <a:schemeClr val="tx1"/>
+          </a:fontRef>
+        </p:style>
+      </p:cxnSp>
+      <p:cxnSp>
+        <p:nvCxnSpPr>
+          <p:cNvPr id="164" name="Elbow Connector 163"/>
+          <p:cNvCxnSpPr>
+            <a:cxnSpLocks/>
+          </p:cNvCxnSpPr>
+          <p:nvPr/>
+        </p:nvCxnSpPr>
+        <p:spPr>
+          <a:xfrm rot="10800000">
+            <a:off x="1284727" y="3949938"/>
+            <a:ext cx="1668024" cy="526810"/>
+          </a:xfrm>
+          <a:prstGeom prst="bentConnector3">
+            <a:avLst/>
+          </a:prstGeom>
+          <a:ln w="19050">
+            <a:solidFill>
+              <a:schemeClr val="tx1"/>
+            </a:solidFill>
+          </a:ln>
+        </p:spPr>
+        <p:style>
+          <a:lnRef idx="1">
+            <a:schemeClr val="accent1"/>
+          </a:lnRef>
+          <a:fillRef idx="0">
+            <a:schemeClr val="accent1"/>
+          </a:fillRef>
+          <a:effectRef idx="0">
+            <a:schemeClr val="accent1"/>
+          </a:effectRef>
+          <a:fontRef idx="minor">
+            <a:schemeClr val="tx1"/>
+          </a:fontRef>
+        </p:style>
+      </p:cxnSp>
+      <p:sp>
+        <p:nvSpPr>
+          <p:cNvPr id="170" name="TextBox 169"/>
+          <p:cNvSpPr txBox="1"/>
+          <p:nvPr/>
+        </p:nvSpPr>
+        <p:spPr>
+          <a:xfrm>
+            <a:off x="2119309" y="4203779"/>
+            <a:ext cx="842963" cy="276999"/>
+          </a:xfrm>
+          <a:prstGeom prst="rect">
+            <a:avLst/>
+          </a:prstGeom>
+          <a:noFill/>
+        </p:spPr>
+        <p:txBody>
+          <a:bodyPr wrap="square" rtlCol="0">
+            <a:spAutoFit/>
+          </a:bodyPr>
+          <a:lstStyle/>
+          <a:p>
+            <a:pPr algn="r"/>
+            <a:r>
+              <a:rPr lang="en-US" sz="1200" dirty="0">
+                <a:latin typeface="Arial" panose="020B0604020202020204" pitchFamily="34" charset="0"/>
+                <a:cs typeface="Arial" panose="020B0604020202020204" pitchFamily="34" charset="0"/>
+              </a:rPr>
+              <a:t>high seed</a:t>
+            </a:r>
+          </a:p>
+        </p:txBody>
+      </p:sp>
+      <p:cxnSp>
+        <p:nvCxnSpPr>
+          <p:cNvPr id="180" name="Straight Connector 179"/>
+          <p:cNvCxnSpPr>
+            <a:cxnSpLocks/>
+          </p:cNvCxnSpPr>
+          <p:nvPr/>
+        </p:nvCxnSpPr>
+        <p:spPr>
+          <a:xfrm>
+            <a:off x="4572000" y="2286000"/>
+            <a:ext cx="0" cy="518154"/>
+          </a:xfrm>
+          <a:prstGeom prst="line">
+            <a:avLst/>
+          </a:prstGeom>
+          <a:ln w="19050">
+            <a:solidFill>
+              <a:schemeClr val="tx1"/>
+            </a:solidFill>
+          </a:ln>
+        </p:spPr>
+        <p:style>
+          <a:lnRef idx="1">
+            <a:schemeClr val="accent1"/>
+          </a:lnRef>
+          <a:fillRef idx="0">
+            <a:schemeClr val="accent1"/>
+          </a:fillRef>
+          <a:effectRef idx="0">
+            <a:schemeClr val="accent1"/>
+          </a:effectRef>
+          <a:fontRef idx="minor">
+            <a:schemeClr val="tx1"/>
+          </a:fontRef>
+        </p:style>
+      </p:cxnSp>
+      <p:cxnSp>
+        <p:nvCxnSpPr>
+          <p:cNvPr id="186" name="Straight Connector 185"/>
+          <p:cNvCxnSpPr/>
+          <p:nvPr/>
+        </p:nvCxnSpPr>
+        <p:spPr>
+          <a:xfrm>
+            <a:off x="4582630" y="2416884"/>
+            <a:ext cx="868680" cy="0"/>
+          </a:xfrm>
+          <a:prstGeom prst="line">
+            <a:avLst/>
+          </a:prstGeom>
+          <a:ln w="19050">
+            <a:solidFill>
+              <a:schemeClr val="tx1"/>
+            </a:solidFill>
+          </a:ln>
+        </p:spPr>
+        <p:style>
+          <a:lnRef idx="1">
+            <a:schemeClr val="accent1"/>
+          </a:lnRef>
+          <a:fillRef idx="0">
+            <a:schemeClr val="accent1"/>
+          </a:fillRef>
+          <a:effectRef idx="0">
+            <a:schemeClr val="accent1"/>
+          </a:effectRef>
+          <a:fontRef idx="minor">
+            <a:schemeClr val="tx1"/>
+          </a:fontRef>
+        </p:style>
+      </p:cxnSp>
+      <p:cxnSp>
+        <p:nvCxnSpPr>
+          <p:cNvPr id="187" name="Straight Connector 186"/>
+          <p:cNvCxnSpPr/>
+          <p:nvPr/>
+        </p:nvCxnSpPr>
+        <p:spPr>
+          <a:xfrm>
+            <a:off x="4582874" y="2743200"/>
+            <a:ext cx="868680" cy="0"/>
+          </a:xfrm>
+          <a:prstGeom prst="line">
+            <a:avLst/>
+          </a:prstGeom>
+          <a:ln w="19050">
+            <a:solidFill>
+              <a:schemeClr val="tx1"/>
+            </a:solidFill>
+            <a:prstDash val="dash"/>
+          </a:ln>
+        </p:spPr>
+        <p:style>
+          <a:lnRef idx="1">
+            <a:schemeClr val="accent1"/>
+          </a:lnRef>
+          <a:fillRef idx="0">
+            <a:schemeClr val="accent1"/>
+          </a:fillRef>
+          <a:effectRef idx="0">
+            <a:schemeClr val="accent1"/>
+          </a:effectRef>
+          <a:fontRef idx="minor">
+            <a:schemeClr val="tx1"/>
+          </a:fontRef>
+        </p:style>
+      </p:cxnSp>
+      <p:sp>
+        <p:nvSpPr>
+          <p:cNvPr id="188" name="TextBox 187"/>
+          <p:cNvSpPr txBox="1"/>
+          <p:nvPr/>
+        </p:nvSpPr>
+        <p:spPr>
+          <a:xfrm>
+            <a:off x="4559987" y="2170795"/>
+            <a:ext cx="868680" cy="292388"/>
+          </a:xfrm>
+          <a:prstGeom prst="rect">
+            <a:avLst/>
+          </a:prstGeom>
+          <a:noFill/>
+        </p:spPr>
+        <p:txBody>
+          <a:bodyPr wrap="square" rtlCol="0">
+            <a:spAutoFit/>
+          </a:bodyPr>
+          <a:lstStyle/>
+          <a:p>
+            <a:pPr algn="ctr"/>
+            <a:r>
+              <a:rPr lang="en-US" sz="1300" dirty="0">
+                <a:latin typeface="Arial" panose="020B0604020202020204" pitchFamily="34" charset="0"/>
+                <a:cs typeface="Arial" panose="020B0604020202020204" pitchFamily="34" charset="0"/>
+              </a:rPr>
+              <a:t>1</a:t>
+            </a:r>
+            <a:r>
+              <a:rPr lang="en-US" sz="1300" baseline="30000" dirty="0">
+                <a:latin typeface="Arial" panose="020B0604020202020204" pitchFamily="34" charset="0"/>
+                <a:cs typeface="Arial" panose="020B0604020202020204" pitchFamily="34" charset="0"/>
+              </a:rPr>
+              <a:t>st</a:t>
+            </a:r>
+            <a:r>
+              <a:rPr lang="en-US" sz="1300" dirty="0">
+                <a:latin typeface="Arial" panose="020B0604020202020204" pitchFamily="34" charset="0"/>
+                <a:cs typeface="Arial" panose="020B0604020202020204" pitchFamily="34" charset="0"/>
+              </a:rPr>
+              <a:t> Place</a:t>
+            </a:r>
+          </a:p>
+        </p:txBody>
+      </p:sp>
+      <p:sp>
+        <p:nvSpPr>
+          <p:cNvPr id="189" name="TextBox 188"/>
+          <p:cNvSpPr txBox="1"/>
+          <p:nvPr/>
+        </p:nvSpPr>
+        <p:spPr>
+          <a:xfrm>
+            <a:off x="4521887" y="2504060"/>
+            <a:ext cx="944880" cy="292388"/>
+          </a:xfrm>
+          <a:prstGeom prst="rect">
+            <a:avLst/>
+          </a:prstGeom>
+          <a:noFill/>
+        </p:spPr>
+        <p:txBody>
+          <a:bodyPr wrap="square" rtlCol="0">
+            <a:spAutoFit/>
+          </a:bodyPr>
+          <a:lstStyle/>
+          <a:p>
+            <a:pPr algn="ctr"/>
+            <a:r>
+              <a:rPr lang="en-US" sz="1300" dirty="0">
+                <a:latin typeface="Arial" panose="020B0604020202020204" pitchFamily="34" charset="0"/>
+                <a:cs typeface="Arial" panose="020B0604020202020204" pitchFamily="34" charset="0"/>
+              </a:rPr>
+              <a:t>2</a:t>
+            </a:r>
+            <a:r>
+              <a:rPr lang="en-US" sz="1300" baseline="30000" dirty="0">
+                <a:latin typeface="Arial" panose="020B0604020202020204" pitchFamily="34" charset="0"/>
+                <a:cs typeface="Arial" panose="020B0604020202020204" pitchFamily="34" charset="0"/>
+              </a:rPr>
+              <a:t>nd</a:t>
+            </a:r>
+            <a:r>
+              <a:rPr lang="en-US" sz="1300" dirty="0">
+                <a:latin typeface="Arial" panose="020B0604020202020204" pitchFamily="34" charset="0"/>
+                <a:cs typeface="Arial" panose="020B0604020202020204" pitchFamily="34" charset="0"/>
+              </a:rPr>
+              <a:t> Place</a:t>
+            </a:r>
+          </a:p>
+        </p:txBody>
+      </p:sp>
+      <p:sp>
+        <p:nvSpPr>
+          <p:cNvPr id="203" name="TextBox 202"/>
+          <p:cNvSpPr txBox="1"/>
+          <p:nvPr/>
+        </p:nvSpPr>
+        <p:spPr>
+          <a:xfrm>
+            <a:off x="0" y="5376446"/>
+            <a:ext cx="1447802" cy="338554"/>
+          </a:xfrm>
+          <a:prstGeom prst="rect">
+            <a:avLst/>
+          </a:prstGeom>
+          <a:noFill/>
+        </p:spPr>
+        <p:txBody>
+          <a:bodyPr wrap="square" rtlCol="0">
+            <a:spAutoFit/>
+          </a:bodyPr>
+          <a:lstStyle/>
+          <a:p>
+            <a:r>
+              <a:rPr lang="en-US" sz="1600" i="1" dirty="0">
+                <a:solidFill>
+                  <a:srgbClr val="FF0000"/>
+                </a:solidFill>
+              </a:rPr>
+              <a:t>Loser’s Bracket</a:t>
+            </a:r>
+          </a:p>
+        </p:txBody>
+      </p:sp>
+      <p:sp>
+        <p:nvSpPr>
+          <p:cNvPr id="205" name="Rectangle 204"/>
+          <p:cNvSpPr/>
+          <p:nvPr/>
+        </p:nvSpPr>
+        <p:spPr>
+          <a:xfrm>
+            <a:off x="0" y="5867400"/>
+            <a:ext cx="3352800" cy="3276600"/>
+          </a:xfrm>
+          <a:prstGeom prst="rect">
+            <a:avLst/>
+          </a:prstGeom>
+          <a:solidFill>
+            <a:schemeClr val="bg1">
+              <a:lumMod val="85000"/>
+            </a:schemeClr>
+          </a:solidFill>
+          <a:ln>
+            <a:solidFill>
+              <a:srgbClr val="FF0000"/>
+            </a:solidFill>
+          </a:ln>
+        </p:spPr>
+        <p:style>
+          <a:lnRef idx="2">
+            <a:schemeClr val="accent1">
+              <a:shade val="50000"/>
+            </a:schemeClr>
+          </a:lnRef>
+          <a:fillRef idx="1">
+            <a:schemeClr val="accent1"/>
+          </a:fillRef>
+          <a:effectRef idx="0">
+            <a:schemeClr val="accent1"/>
+          </a:effectRef>
+          <a:fontRef idx="minor">
+            <a:schemeClr val="lt1"/>
+          </a:fontRef>
+        </p:style>
+        <p:txBody>
+          <a:bodyPr rtlCol="0" anchor="ctr"/>
+          <a:lstStyle/>
+          <a:p>
+            <a:pPr algn="ctr"/>
+            <a:endParaRPr lang="en-US"/>
+          </a:p>
+        </p:txBody>
+      </p:sp>
+      <p:sp>
+        <p:nvSpPr>
+          <p:cNvPr id="215" name="TextBox 214"/>
+          <p:cNvSpPr txBox="1"/>
+          <p:nvPr/>
+        </p:nvSpPr>
+        <p:spPr>
+          <a:xfrm>
+            <a:off x="47625" y="5867400"/>
+            <a:ext cx="3276600" cy="3293209"/>
+          </a:xfrm>
+          <a:prstGeom prst="rect">
+            <a:avLst/>
+          </a:prstGeom>
+          <a:noFill/>
+        </p:spPr>
+        <p:txBody>
+          <a:bodyPr wrap="square" rtlCol="0">
+            <a:spAutoFit/>
+          </a:bodyPr>
+          <a:lstStyle/>
+          <a:p>
+            <a:r>
+              <a:rPr lang="en-US" sz="1300" i="1" dirty="0"/>
+              <a:t>There are no head to head match ups in the loser’s bracket (LB) for weeks 14, 15, &amp; 16. Teams in the LB will be ranked by their cumulative points from weeks 14, 15, &amp; 16, regardless of when they entered the LB</a:t>
+            </a:r>
+            <a:br>
+              <a:rPr lang="en-US" sz="1300" i="1" dirty="0"/>
+            </a:br>
+            <a:endParaRPr lang="en-US" sz="1300" i="1" dirty="0"/>
+          </a:p>
+          <a:p>
+            <a:r>
+              <a:rPr lang="en-US" sz="1300" i="1" dirty="0"/>
+              <a:t>The team with the highest cumulative total points for weeks 14 and 15 will be promoted out of the LB to compete in weeks 16 and 17 for 3rd place overall against the highest scoring week 15 playoff loser.</a:t>
+            </a:r>
+            <a:br>
+              <a:rPr lang="en-US" sz="1300" i="1" dirty="0"/>
+            </a:br>
+            <a:br>
+              <a:rPr lang="en-US" sz="1300" i="1" dirty="0"/>
+            </a:br>
+            <a:r>
+              <a:rPr lang="en-US" sz="1300" i="1" dirty="0"/>
+              <a:t>The 2 teams with the lowest total points in weeks 14, 15, and 16 compete in week 17 in The Randy Bowl. The loser of The Randy Bowl will “win” The Randy.</a:t>
+            </a:r>
+          </a:p>
+        </p:txBody>
+      </p:sp>
+      <p:grpSp>
+        <p:nvGrpSpPr>
+          <p:cNvPr id="223" name="Group 222"/>
+          <p:cNvGrpSpPr/>
+          <p:nvPr/>
+        </p:nvGrpSpPr>
+        <p:grpSpPr>
+          <a:xfrm>
+            <a:off x="3325330" y="6324600"/>
+            <a:ext cx="685800" cy="2662251"/>
+            <a:chOff x="3325330" y="6324600"/>
+            <a:chExt cx="685800" cy="2662251"/>
+          </a:xfrm>
+        </p:grpSpPr>
+        <p:cxnSp>
+          <p:nvCxnSpPr>
+            <p:cNvPr id="217" name="Straight Arrow Connector 216"/>
+            <p:cNvCxnSpPr>
+              <a:cxnSpLocks/>
+            </p:cNvCxnSpPr>
+            <p:nvPr/>
+          </p:nvCxnSpPr>
+          <p:spPr>
+            <a:xfrm flipH="1">
+              <a:off x="3653168" y="8229560"/>
+              <a:ext cx="5709" cy="533440"/>
+            </a:xfrm>
+            <a:prstGeom prst="straightConnector1">
+              <a:avLst/>
+            </a:prstGeom>
+            <a:ln w="19050">
+              <a:solidFill>
+                <a:srgbClr val="FF0000"/>
+              </a:solidFill>
+              <a:tailEnd type="arrow"/>
+            </a:ln>
+          </p:spPr>
+          <p:style>
+            <a:lnRef idx="1">
+              <a:schemeClr val="accent1"/>
+            </a:lnRef>
+            <a:fillRef idx="0">
+              <a:schemeClr val="accent1"/>
+            </a:fillRef>
+            <a:effectRef idx="0">
+              <a:schemeClr val="accent1"/>
+            </a:effectRef>
+            <a:fontRef idx="minor">
+              <a:schemeClr val="tx1"/>
+            </a:fontRef>
+          </p:style>
+        </p:cxnSp>
+        <p:cxnSp>
+          <p:nvCxnSpPr>
+            <p:cNvPr id="218" name="Straight Arrow Connector 217"/>
+            <p:cNvCxnSpPr>
+              <a:cxnSpLocks/>
+            </p:cNvCxnSpPr>
+            <p:nvPr/>
+          </p:nvCxnSpPr>
+          <p:spPr>
+            <a:xfrm flipV="1">
+              <a:off x="3656973" y="6629400"/>
+              <a:ext cx="0" cy="502918"/>
+            </a:xfrm>
+            <a:prstGeom prst="straightConnector1">
+              <a:avLst/>
+            </a:prstGeom>
+            <a:ln w="19050">
+              <a:solidFill>
+                <a:srgbClr val="FF0000"/>
+              </a:solidFill>
+              <a:tailEnd type="arrow"/>
+            </a:ln>
+          </p:spPr>
+          <p:style>
+            <a:lnRef idx="1">
+              <a:schemeClr val="accent1"/>
+            </a:lnRef>
+            <a:fillRef idx="0">
+              <a:schemeClr val="accent1"/>
+            </a:fillRef>
+            <a:effectRef idx="0">
+              <a:schemeClr val="accent1"/>
+            </a:effectRef>
+            <a:fontRef idx="minor">
+              <a:schemeClr val="tx1"/>
+            </a:fontRef>
+          </p:style>
+        </p:cxnSp>
+        <p:sp>
+          <p:nvSpPr>
+            <p:cNvPr id="220" name="TextBox 219"/>
+            <p:cNvSpPr txBox="1"/>
+            <p:nvPr/>
+          </p:nvSpPr>
+          <p:spPr>
+            <a:xfrm>
+              <a:off x="3325330" y="6324600"/>
+              <a:ext cx="685800" cy="276999"/>
+            </a:xfrm>
+            <a:prstGeom prst="rect">
+              <a:avLst/>
+            </a:prstGeom>
+            <a:noFill/>
+          </p:spPr>
+          <p:txBody>
+            <a:bodyPr wrap="square" rtlCol="0">
+              <a:spAutoFit/>
+            </a:bodyPr>
+            <a:lstStyle/>
+            <a:p>
+              <a:r>
+                <a:rPr lang="en-US" sz="1200" i="1" dirty="0">
+                  <a:solidFill>
+                    <a:srgbClr val="FF0000"/>
+                  </a:solidFill>
+                  <a:latin typeface="Arial" panose="020B0604020202020204" pitchFamily="34" charset="0"/>
+                  <a:cs typeface="Arial" panose="020B0604020202020204" pitchFamily="34" charset="0"/>
+                </a:rPr>
+                <a:t>highest</a:t>
+              </a:r>
+            </a:p>
+          </p:txBody>
+        </p:sp>
+        <p:sp>
+          <p:nvSpPr>
+            <p:cNvPr id="221" name="TextBox 220"/>
+            <p:cNvSpPr txBox="1"/>
+            <p:nvPr/>
+          </p:nvSpPr>
+          <p:spPr>
+            <a:xfrm>
+              <a:off x="3325330" y="8709852"/>
+              <a:ext cx="685800" cy="276999"/>
+            </a:xfrm>
+            <a:prstGeom prst="rect">
+              <a:avLst/>
+            </a:prstGeom>
+            <a:noFill/>
+          </p:spPr>
+          <p:txBody>
+            <a:bodyPr wrap="square" rtlCol="0">
+              <a:spAutoFit/>
+            </a:bodyPr>
+            <a:lstStyle/>
+            <a:p>
+              <a:r>
+                <a:rPr lang="en-US" sz="1200" i="1" dirty="0">
+                  <a:solidFill>
+                    <a:srgbClr val="FF0000"/>
+                  </a:solidFill>
+                  <a:latin typeface="Arial" panose="020B0604020202020204" pitchFamily="34" charset="0"/>
+                  <a:cs typeface="Arial" panose="020B0604020202020204" pitchFamily="34" charset="0"/>
+                </a:rPr>
+                <a:t>lowest</a:t>
+              </a:r>
+            </a:p>
+          </p:txBody>
+        </p:sp>
+        <p:sp>
+          <p:nvSpPr>
+            <p:cNvPr id="222" name="TextBox 221"/>
+            <p:cNvSpPr txBox="1"/>
+            <p:nvPr/>
+          </p:nvSpPr>
+          <p:spPr>
+            <a:xfrm rot="16200000">
+              <a:off x="2775365" y="7428770"/>
+              <a:ext cx="1755605" cy="461665"/>
+            </a:xfrm>
+            <a:prstGeom prst="rect">
+              <a:avLst/>
+            </a:prstGeom>
+            <a:noFill/>
+          </p:spPr>
+          <p:txBody>
+            <a:bodyPr wrap="square" rtlCol="0">
+              <a:spAutoFit/>
+            </a:bodyPr>
+            <a:lstStyle/>
+            <a:p>
+              <a:pPr algn="ctr"/>
+              <a:r>
+                <a:rPr lang="en-US" sz="1200" i="1" dirty="0">
+                  <a:solidFill>
+                    <a:srgbClr val="FF0000"/>
+                  </a:solidFill>
+                  <a:latin typeface="Arial" panose="020B0604020202020204" pitchFamily="34" charset="0"/>
+                  <a:cs typeface="Arial" panose="020B0604020202020204" pitchFamily="34" charset="0"/>
+                </a:rPr>
+                <a:t>total points</a:t>
+              </a:r>
+              <a:br>
+                <a:rPr lang="en-US" sz="1200" i="1" dirty="0">
+                  <a:solidFill>
+                    <a:srgbClr val="FF0000"/>
+                  </a:solidFill>
+                  <a:latin typeface="Arial" panose="020B0604020202020204" pitchFamily="34" charset="0"/>
+                  <a:cs typeface="Arial" panose="020B0604020202020204" pitchFamily="34" charset="0"/>
+                </a:rPr>
+              </a:br>
+              <a:r>
+                <a:rPr lang="en-US" sz="1200" i="1" dirty="0">
+                  <a:solidFill>
+                    <a:srgbClr val="FF0000"/>
+                  </a:solidFill>
+                  <a:latin typeface="Arial" panose="020B0604020202020204" pitchFamily="34" charset="0"/>
+                  <a:cs typeface="Arial" panose="020B0604020202020204" pitchFamily="34" charset="0"/>
+                </a:rPr>
+                <a:t>Weeks 14-16</a:t>
+              </a:r>
+            </a:p>
+          </p:txBody>
+        </p:sp>
+      </p:grpSp>
+      <p:cxnSp>
+        <p:nvCxnSpPr>
+          <p:cNvPr id="226" name="Straight Connector 225"/>
+          <p:cNvCxnSpPr>
+            <a:cxnSpLocks/>
+          </p:cNvCxnSpPr>
+          <p:nvPr/>
+        </p:nvCxnSpPr>
+        <p:spPr>
+          <a:xfrm>
+            <a:off x="3473524" y="5280504"/>
+            <a:ext cx="1211037" cy="0"/>
+          </a:xfrm>
+          <a:prstGeom prst="line">
+            <a:avLst/>
+          </a:prstGeom>
+          <a:ln w="12700">
+            <a:solidFill>
+              <a:schemeClr val="tx1"/>
+            </a:solidFill>
+            <a:prstDash val="solid"/>
+          </a:ln>
+        </p:spPr>
+        <p:style>
+          <a:lnRef idx="1">
+            <a:schemeClr val="accent1"/>
+          </a:lnRef>
+          <a:fillRef idx="0">
+            <a:schemeClr val="accent1"/>
+          </a:fillRef>
+          <a:effectRef idx="0">
+            <a:schemeClr val="accent1"/>
+          </a:effectRef>
+          <a:fontRef idx="minor">
+            <a:schemeClr val="tx1"/>
+          </a:fontRef>
+        </p:style>
+      </p:cxnSp>
+      <p:cxnSp>
+        <p:nvCxnSpPr>
+          <p:cNvPr id="238" name="Straight Connector 237"/>
+          <p:cNvCxnSpPr/>
+          <p:nvPr/>
+        </p:nvCxnSpPr>
+        <p:spPr>
+          <a:xfrm>
+            <a:off x="4690240" y="4885103"/>
+            <a:ext cx="868680" cy="0"/>
+          </a:xfrm>
+          <a:prstGeom prst="line">
+            <a:avLst/>
+          </a:prstGeom>
+          <a:ln w="19050">
+            <a:solidFill>
+              <a:schemeClr val="tx1"/>
+            </a:solidFill>
+          </a:ln>
+        </p:spPr>
+        <p:style>
+          <a:lnRef idx="1">
+            <a:schemeClr val="accent1"/>
+          </a:lnRef>
+          <a:fillRef idx="0">
+            <a:schemeClr val="accent1"/>
+          </a:fillRef>
+          <a:effectRef idx="0">
+            <a:schemeClr val="accent1"/>
+          </a:effectRef>
+          <a:fontRef idx="minor">
+            <a:schemeClr val="tx1"/>
+          </a:fontRef>
+        </p:style>
+      </p:cxnSp>
+      <p:sp>
+        <p:nvSpPr>
+          <p:cNvPr id="239" name="TextBox 238"/>
+          <p:cNvSpPr txBox="1"/>
+          <p:nvPr/>
+        </p:nvSpPr>
+        <p:spPr>
+          <a:xfrm>
+            <a:off x="4656334" y="4619134"/>
+            <a:ext cx="946652" cy="292388"/>
+          </a:xfrm>
+          <a:prstGeom prst="rect">
+            <a:avLst/>
+          </a:prstGeom>
+          <a:noFill/>
+        </p:spPr>
+        <p:txBody>
+          <a:bodyPr wrap="square" rtlCol="0">
+            <a:spAutoFit/>
+          </a:bodyPr>
+          <a:lstStyle/>
+          <a:p>
+            <a:pPr algn="ctr"/>
+            <a:r>
+              <a:rPr lang="en-US" sz="1300" dirty="0">
+                <a:latin typeface="Arial" panose="020B0604020202020204" pitchFamily="34" charset="0"/>
+                <a:cs typeface="Arial" panose="020B0604020202020204" pitchFamily="34" charset="0"/>
+              </a:rPr>
+              <a:t>3</a:t>
+            </a:r>
+            <a:r>
+              <a:rPr lang="en-US" sz="1300" baseline="30000" dirty="0">
+                <a:latin typeface="Arial" panose="020B0604020202020204" pitchFamily="34" charset="0"/>
+                <a:cs typeface="Arial" panose="020B0604020202020204" pitchFamily="34" charset="0"/>
+              </a:rPr>
+              <a:t>rd</a:t>
+            </a:r>
+            <a:r>
+              <a:rPr lang="en-US" sz="1300" dirty="0">
+                <a:latin typeface="Arial" panose="020B0604020202020204" pitchFamily="34" charset="0"/>
+                <a:cs typeface="Arial" panose="020B0604020202020204" pitchFamily="34" charset="0"/>
+              </a:rPr>
+              <a:t> Place</a:t>
+            </a:r>
+          </a:p>
+        </p:txBody>
+      </p:sp>
+      <p:cxnSp>
+        <p:nvCxnSpPr>
+          <p:cNvPr id="242" name="Straight Connector 241"/>
+          <p:cNvCxnSpPr/>
+          <p:nvPr/>
+        </p:nvCxnSpPr>
+        <p:spPr>
+          <a:xfrm>
+            <a:off x="3981932" y="8277302"/>
+            <a:ext cx="655320" cy="0"/>
+          </a:xfrm>
+          <a:prstGeom prst="line">
+            <a:avLst/>
+          </a:prstGeom>
+          <a:ln w="19050">
+            <a:solidFill>
+              <a:schemeClr val="tx1"/>
+            </a:solidFill>
+          </a:ln>
+        </p:spPr>
+        <p:style>
+          <a:lnRef idx="1">
+            <a:schemeClr val="accent1"/>
+          </a:lnRef>
+          <a:fillRef idx="0">
+            <a:schemeClr val="accent1"/>
+          </a:fillRef>
+          <a:effectRef idx="0">
+            <a:schemeClr val="accent1"/>
+          </a:effectRef>
+          <a:fontRef idx="minor">
+            <a:schemeClr val="tx1"/>
+          </a:fontRef>
+        </p:style>
+      </p:cxnSp>
+      <p:cxnSp>
+        <p:nvCxnSpPr>
+          <p:cNvPr id="243" name="Straight Connector 242"/>
+          <p:cNvCxnSpPr/>
+          <p:nvPr/>
+        </p:nvCxnSpPr>
+        <p:spPr>
+          <a:xfrm>
+            <a:off x="3994158" y="8597692"/>
+            <a:ext cx="643094" cy="0"/>
+          </a:xfrm>
+          <a:prstGeom prst="line">
+            <a:avLst/>
+          </a:prstGeom>
+          <a:ln w="19050">
+            <a:solidFill>
+              <a:schemeClr val="tx1"/>
+            </a:solidFill>
+          </a:ln>
+        </p:spPr>
+        <p:style>
+          <a:lnRef idx="1">
+            <a:schemeClr val="accent1"/>
+          </a:lnRef>
+          <a:fillRef idx="0">
+            <a:schemeClr val="accent1"/>
+          </a:fillRef>
+          <a:effectRef idx="0">
+            <a:schemeClr val="accent1"/>
+          </a:effectRef>
+          <a:fontRef idx="minor">
+            <a:schemeClr val="tx1"/>
+          </a:fontRef>
+        </p:style>
+      </p:cxnSp>
+      <p:cxnSp>
+        <p:nvCxnSpPr>
+          <p:cNvPr id="244" name="Straight Connector 243"/>
+          <p:cNvCxnSpPr/>
+          <p:nvPr/>
+        </p:nvCxnSpPr>
+        <p:spPr>
+          <a:xfrm flipH="1">
+            <a:off x="4637253" y="8270952"/>
+            <a:ext cx="6944" cy="327951"/>
+          </a:xfrm>
+          <a:prstGeom prst="line">
+            <a:avLst/>
+          </a:prstGeom>
+          <a:ln w="19050">
+            <a:solidFill>
+              <a:schemeClr val="tx1"/>
+            </a:solidFill>
+          </a:ln>
+        </p:spPr>
+        <p:style>
+          <a:lnRef idx="1">
+            <a:schemeClr val="accent1"/>
+          </a:lnRef>
+          <a:fillRef idx="0">
+            <a:schemeClr val="accent1"/>
+          </a:fillRef>
+          <a:effectRef idx="0">
+            <a:schemeClr val="accent1"/>
+          </a:effectRef>
+          <a:fontRef idx="minor">
+            <a:schemeClr val="tx1"/>
+          </a:fontRef>
+        </p:style>
+      </p:cxnSp>
+      <p:cxnSp>
+        <p:nvCxnSpPr>
+          <p:cNvPr id="245" name="Straight Connector 244"/>
+          <p:cNvCxnSpPr/>
+          <p:nvPr/>
+        </p:nvCxnSpPr>
+        <p:spPr>
+          <a:xfrm flipV="1">
+            <a:off x="4658393" y="8452384"/>
+            <a:ext cx="861735" cy="5816"/>
+          </a:xfrm>
+          <a:prstGeom prst="line">
+            <a:avLst/>
+          </a:prstGeom>
+          <a:ln w="19050">
+            <a:solidFill>
+              <a:schemeClr val="tx1"/>
+            </a:solidFill>
+            <a:prstDash val="dash"/>
+          </a:ln>
+        </p:spPr>
+        <p:style>
+          <a:lnRef idx="1">
+            <a:schemeClr val="accent1"/>
+          </a:lnRef>
+          <a:fillRef idx="0">
+            <a:schemeClr val="accent1"/>
+          </a:fillRef>
+          <a:effectRef idx="0">
+            <a:schemeClr val="accent1"/>
+          </a:effectRef>
+          <a:fontRef idx="minor">
+            <a:schemeClr val="tx1"/>
+          </a:fontRef>
+        </p:style>
+      </p:cxnSp>
+      <p:sp>
+        <p:nvSpPr>
+          <p:cNvPr id="246" name="TextBox 245"/>
+          <p:cNvSpPr txBox="1"/>
+          <p:nvPr/>
+        </p:nvSpPr>
+        <p:spPr>
+          <a:xfrm>
+            <a:off x="4637252" y="7978290"/>
+            <a:ext cx="944880" cy="492443"/>
+          </a:xfrm>
+          <a:prstGeom prst="rect">
+            <a:avLst/>
+          </a:prstGeom>
+          <a:noFill/>
+        </p:spPr>
+        <p:txBody>
+          <a:bodyPr wrap="square" rtlCol="0">
+            <a:spAutoFit/>
+          </a:bodyPr>
+          <a:lstStyle/>
+          <a:p>
+            <a:pPr algn="ctr"/>
+            <a:r>
+              <a:rPr lang="en-US" sz="1300" dirty="0">
+                <a:latin typeface="Arial" panose="020B0604020202020204" pitchFamily="34" charset="0"/>
+                <a:cs typeface="Arial" panose="020B0604020202020204" pitchFamily="34" charset="0"/>
+              </a:rPr>
+              <a:t>Randy “Winner”</a:t>
+            </a:r>
+          </a:p>
+        </p:txBody>
+      </p:sp>
+      <p:sp>
+        <p:nvSpPr>
+          <p:cNvPr id="248" name="Flowchart: Process 247"/>
+          <p:cNvSpPr/>
+          <p:nvPr/>
+        </p:nvSpPr>
+        <p:spPr>
+          <a:xfrm>
+            <a:off x="5600700" y="8261445"/>
+            <a:ext cx="1257300" cy="882553"/>
+          </a:xfrm>
+          <a:prstGeom prst="flowChartProcess">
+            <a:avLst/>
+          </a:prstGeom>
+          <a:solidFill>
+            <a:schemeClr val="bg1">
+              <a:lumMod val="85000"/>
+            </a:schemeClr>
+          </a:solidFill>
+          <a:ln>
+            <a:solidFill>
+              <a:schemeClr val="tx1"/>
+            </a:solidFill>
+          </a:ln>
+        </p:spPr>
+        <p:style>
+          <a:lnRef idx="2">
+            <a:schemeClr val="accent1">
+              <a:shade val="50000"/>
+            </a:schemeClr>
+          </a:lnRef>
+          <a:fillRef idx="1">
+            <a:schemeClr val="accent1"/>
+          </a:fillRef>
+          <a:effectRef idx="0">
+            <a:schemeClr val="accent1"/>
+          </a:effectRef>
+          <a:fontRef idx="minor">
+            <a:schemeClr val="lt1"/>
+          </a:fontRef>
+        </p:style>
+        <p:txBody>
+          <a:bodyPr rtlCol="0" anchor="ctr"/>
+          <a:lstStyle/>
+          <a:p>
+            <a:pPr algn="ctr"/>
+            <a:endParaRPr lang="en-US"/>
+          </a:p>
+        </p:txBody>
+      </p:sp>
+      <p:sp>
+        <p:nvSpPr>
+          <p:cNvPr id="249" name="TextBox 248"/>
+          <p:cNvSpPr txBox="1"/>
+          <p:nvPr/>
+        </p:nvSpPr>
+        <p:spPr>
+          <a:xfrm>
+            <a:off x="5560739" y="7959923"/>
+            <a:ext cx="1299121" cy="307777"/>
+          </a:xfrm>
+          <a:prstGeom prst="rect">
+            <a:avLst/>
+          </a:prstGeom>
+          <a:noFill/>
+        </p:spPr>
+        <p:txBody>
+          <a:bodyPr wrap="square" rtlCol="0">
+            <a:spAutoFit/>
+          </a:bodyPr>
+          <a:lstStyle/>
+          <a:p>
+            <a:pPr algn="ctr"/>
+            <a:r>
+              <a:rPr lang="en-US" sz="1400" dirty="0">
+                <a:latin typeface="Arial" panose="020B0604020202020204" pitchFamily="34" charset="0"/>
+                <a:cs typeface="Arial" panose="020B0604020202020204" pitchFamily="34" charset="0"/>
+              </a:rPr>
+              <a:t>Match-up Key</a:t>
+            </a:r>
+          </a:p>
+        </p:txBody>
+      </p:sp>
+      <p:cxnSp>
+        <p:nvCxnSpPr>
+          <p:cNvPr id="250" name="Straight Connector 249"/>
+          <p:cNvCxnSpPr/>
+          <p:nvPr/>
+        </p:nvCxnSpPr>
+        <p:spPr>
+          <a:xfrm>
+            <a:off x="6218251" y="8530213"/>
+            <a:ext cx="457200" cy="0"/>
+          </a:xfrm>
+          <a:prstGeom prst="line">
+            <a:avLst/>
+          </a:prstGeom>
+          <a:ln w="19050">
+            <a:solidFill>
+              <a:schemeClr val="tx1"/>
+            </a:solidFill>
+          </a:ln>
+        </p:spPr>
+        <p:style>
+          <a:lnRef idx="1">
+            <a:schemeClr val="accent1"/>
+          </a:lnRef>
+          <a:fillRef idx="0">
+            <a:schemeClr val="accent1"/>
+          </a:fillRef>
+          <a:effectRef idx="0">
+            <a:schemeClr val="accent1"/>
+          </a:effectRef>
+          <a:fontRef idx="minor">
+            <a:schemeClr val="tx1"/>
+          </a:fontRef>
+        </p:style>
+      </p:cxnSp>
+      <p:cxnSp>
+        <p:nvCxnSpPr>
+          <p:cNvPr id="251" name="Straight Connector 250"/>
+          <p:cNvCxnSpPr/>
+          <p:nvPr/>
+        </p:nvCxnSpPr>
+        <p:spPr>
+          <a:xfrm>
+            <a:off x="6218250" y="8801937"/>
+            <a:ext cx="457200" cy="0"/>
+          </a:xfrm>
+          <a:prstGeom prst="line">
+            <a:avLst/>
+          </a:prstGeom>
+          <a:ln w="19050">
+            <a:solidFill>
+              <a:schemeClr val="tx1"/>
+            </a:solidFill>
+            <a:prstDash val="dash"/>
+          </a:ln>
+        </p:spPr>
+        <p:style>
+          <a:lnRef idx="1">
+            <a:schemeClr val="accent1"/>
+          </a:lnRef>
+          <a:fillRef idx="0">
+            <a:schemeClr val="accent1"/>
+          </a:fillRef>
+          <a:effectRef idx="0">
+            <a:schemeClr val="accent1"/>
+          </a:effectRef>
+          <a:fontRef idx="minor">
+            <a:schemeClr val="tx1"/>
+          </a:fontRef>
+        </p:style>
+      </p:cxnSp>
+      <p:sp>
+        <p:nvSpPr>
+          <p:cNvPr id="252" name="TextBox 251"/>
+          <p:cNvSpPr txBox="1"/>
+          <p:nvPr/>
+        </p:nvSpPr>
+        <p:spPr>
+          <a:xfrm>
+            <a:off x="5608651" y="8399408"/>
+            <a:ext cx="685800" cy="261610"/>
+          </a:xfrm>
+          <a:prstGeom prst="rect">
+            <a:avLst/>
+          </a:prstGeom>
+          <a:noFill/>
+        </p:spPr>
+        <p:txBody>
+          <a:bodyPr wrap="square" rtlCol="0">
+            <a:spAutoFit/>
+          </a:bodyPr>
+          <a:lstStyle/>
+          <a:p>
+            <a:r>
+              <a:rPr lang="en-US" sz="1100" i="1" dirty="0">
+                <a:latin typeface="Arial" panose="020B0604020202020204" pitchFamily="34" charset="0"/>
+                <a:cs typeface="Arial" panose="020B0604020202020204" pitchFamily="34" charset="0"/>
+              </a:rPr>
+              <a:t>winner</a:t>
+            </a:r>
+          </a:p>
+        </p:txBody>
+      </p:sp>
+      <p:sp>
+        <p:nvSpPr>
+          <p:cNvPr id="254" name="TextBox 253"/>
+          <p:cNvSpPr txBox="1"/>
+          <p:nvPr/>
+        </p:nvSpPr>
+        <p:spPr>
+          <a:xfrm>
+            <a:off x="5643769" y="8671132"/>
+            <a:ext cx="685800" cy="261610"/>
+          </a:xfrm>
+          <a:prstGeom prst="rect">
+            <a:avLst/>
+          </a:prstGeom>
+          <a:noFill/>
+        </p:spPr>
+        <p:txBody>
+          <a:bodyPr wrap="square" rtlCol="0">
+            <a:spAutoFit/>
+          </a:bodyPr>
+          <a:lstStyle/>
+          <a:p>
+            <a:r>
+              <a:rPr lang="en-US" sz="1100" i="1" dirty="0">
+                <a:latin typeface="Arial" panose="020B0604020202020204" pitchFamily="34" charset="0"/>
+                <a:cs typeface="Arial" panose="020B0604020202020204" pitchFamily="34" charset="0"/>
+              </a:rPr>
+              <a:t>loser</a:t>
+            </a:r>
+          </a:p>
+        </p:txBody>
+      </p:sp>
+      <p:sp>
+        <p:nvSpPr>
+          <p:cNvPr id="206" name="TextBox 205"/>
+          <p:cNvSpPr txBox="1"/>
+          <p:nvPr/>
+        </p:nvSpPr>
+        <p:spPr>
+          <a:xfrm>
+            <a:off x="4019825" y="7049355"/>
+            <a:ext cx="571500" cy="307777"/>
+          </a:xfrm>
+          <a:prstGeom prst="rect">
+            <a:avLst/>
+          </a:prstGeom>
+          <a:noFill/>
+        </p:spPr>
+        <p:txBody>
+          <a:bodyPr wrap="square" rtlCol="0">
+            <a:spAutoFit/>
+          </a:bodyPr>
+          <a:lstStyle/>
+          <a:p>
+            <a:pPr algn="ctr"/>
+            <a:r>
+              <a:rPr lang="en-US" sz="1400" dirty="0">
+                <a:latin typeface="Arial" panose="020B0604020202020204" pitchFamily="34" charset="0"/>
+                <a:cs typeface="Arial" panose="020B0604020202020204" pitchFamily="34" charset="0"/>
+              </a:rPr>
+              <a:t>3</a:t>
+            </a:r>
+          </a:p>
+        </p:txBody>
+      </p:sp>
+      <p:sp>
+        <p:nvSpPr>
+          <p:cNvPr id="209" name="TextBox 208"/>
+          <p:cNvSpPr txBox="1"/>
+          <p:nvPr/>
+        </p:nvSpPr>
+        <p:spPr>
+          <a:xfrm>
+            <a:off x="4019825" y="6402365"/>
+            <a:ext cx="571500" cy="307777"/>
+          </a:xfrm>
+          <a:prstGeom prst="rect">
+            <a:avLst/>
+          </a:prstGeom>
+          <a:noFill/>
+        </p:spPr>
+        <p:txBody>
+          <a:bodyPr wrap="square" rtlCol="0">
+            <a:spAutoFit/>
+          </a:bodyPr>
+          <a:lstStyle/>
+          <a:p>
+            <a:pPr algn="ctr"/>
+            <a:r>
+              <a:rPr lang="en-US" sz="1400" dirty="0">
+                <a:latin typeface="Arial" panose="020B0604020202020204" pitchFamily="34" charset="0"/>
+                <a:cs typeface="Arial" panose="020B0604020202020204" pitchFamily="34" charset="0"/>
+              </a:rPr>
+              <a:t>1</a:t>
+            </a:r>
+          </a:p>
+        </p:txBody>
+      </p:sp>
+      <p:sp>
+        <p:nvSpPr>
+          <p:cNvPr id="210" name="TextBox 209"/>
+          <p:cNvSpPr txBox="1"/>
+          <p:nvPr/>
+        </p:nvSpPr>
+        <p:spPr>
+          <a:xfrm>
+            <a:off x="4019825" y="6725860"/>
+            <a:ext cx="571500" cy="307777"/>
+          </a:xfrm>
+          <a:prstGeom prst="rect">
+            <a:avLst/>
+          </a:prstGeom>
+          <a:noFill/>
+        </p:spPr>
+        <p:txBody>
+          <a:bodyPr wrap="square" rtlCol="0">
+            <a:spAutoFit/>
+          </a:bodyPr>
+          <a:lstStyle/>
+          <a:p>
+            <a:pPr algn="ctr"/>
+            <a:r>
+              <a:rPr lang="en-US" sz="1400" dirty="0">
+                <a:latin typeface="Arial" panose="020B0604020202020204" pitchFamily="34" charset="0"/>
+                <a:cs typeface="Arial" panose="020B0604020202020204" pitchFamily="34" charset="0"/>
+              </a:rPr>
+              <a:t>2</a:t>
+            </a:r>
+          </a:p>
+        </p:txBody>
+      </p:sp>
+      <p:sp>
+        <p:nvSpPr>
+          <p:cNvPr id="211" name="TextBox 210"/>
+          <p:cNvSpPr txBox="1"/>
+          <p:nvPr/>
+        </p:nvSpPr>
+        <p:spPr>
+          <a:xfrm>
+            <a:off x="3368555" y="4812890"/>
+            <a:ext cx="1293784" cy="338554"/>
+          </a:xfrm>
+          <a:prstGeom prst="rect">
+            <a:avLst/>
+          </a:prstGeom>
+          <a:noFill/>
+        </p:spPr>
+        <p:txBody>
+          <a:bodyPr wrap="square" rtlCol="0">
+            <a:spAutoFit/>
+          </a:bodyPr>
+          <a:lstStyle/>
+          <a:p>
+            <a:pPr algn="ctr"/>
+            <a:r>
+              <a:rPr lang="en-US" sz="800" i="1" dirty="0">
+                <a:latin typeface="Arial" panose="020B0604020202020204" pitchFamily="34" charset="0"/>
+                <a:cs typeface="Arial" panose="020B0604020202020204" pitchFamily="34" charset="0"/>
+              </a:rPr>
+              <a:t>Week 15 playoff losers compete for 3</a:t>
+            </a:r>
+            <a:r>
+              <a:rPr lang="en-US" sz="800" i="1" baseline="30000" dirty="0">
+                <a:latin typeface="Arial" panose="020B0604020202020204" pitchFamily="34" charset="0"/>
+                <a:cs typeface="Arial" panose="020B0604020202020204" pitchFamily="34" charset="0"/>
+              </a:rPr>
+              <a:t>rd</a:t>
+            </a:r>
+            <a:r>
+              <a:rPr lang="en-US" sz="800" i="1" dirty="0">
+                <a:latin typeface="Arial" panose="020B0604020202020204" pitchFamily="34" charset="0"/>
+                <a:cs typeface="Arial" panose="020B0604020202020204" pitchFamily="34" charset="0"/>
+              </a:rPr>
+              <a:t> Place</a:t>
+            </a:r>
+          </a:p>
+        </p:txBody>
+      </p:sp>
+      <p:sp>
+        <p:nvSpPr>
+          <p:cNvPr id="212" name="TextBox 211"/>
+          <p:cNvSpPr txBox="1"/>
+          <p:nvPr/>
+        </p:nvSpPr>
+        <p:spPr>
+          <a:xfrm>
+            <a:off x="4019825" y="7372850"/>
+            <a:ext cx="571500" cy="307777"/>
+          </a:xfrm>
+          <a:prstGeom prst="rect">
+            <a:avLst/>
+          </a:prstGeom>
+          <a:noFill/>
+        </p:spPr>
+        <p:txBody>
+          <a:bodyPr wrap="square" rtlCol="0">
+            <a:spAutoFit/>
+          </a:bodyPr>
+          <a:lstStyle/>
+          <a:p>
+            <a:pPr algn="ctr"/>
+            <a:r>
+              <a:rPr lang="en-US" sz="1400" dirty="0">
+                <a:latin typeface="Arial" panose="020B0604020202020204" pitchFamily="34" charset="0"/>
+                <a:cs typeface="Arial" panose="020B0604020202020204" pitchFamily="34" charset="0"/>
+              </a:rPr>
+              <a:t>4</a:t>
+            </a:r>
+          </a:p>
+        </p:txBody>
+      </p:sp>
+      <p:sp>
+        <p:nvSpPr>
+          <p:cNvPr id="213" name="TextBox 212"/>
+          <p:cNvSpPr txBox="1"/>
+          <p:nvPr/>
+        </p:nvSpPr>
+        <p:spPr>
+          <a:xfrm>
+            <a:off x="4019825" y="7696345"/>
+            <a:ext cx="571500" cy="307777"/>
+          </a:xfrm>
+          <a:prstGeom prst="rect">
+            <a:avLst/>
+          </a:prstGeom>
+          <a:noFill/>
+        </p:spPr>
+        <p:txBody>
+          <a:bodyPr wrap="square" rtlCol="0">
+            <a:spAutoFit/>
+          </a:bodyPr>
+          <a:lstStyle/>
+          <a:p>
+            <a:pPr algn="ctr"/>
+            <a:r>
+              <a:rPr lang="en-US" sz="1400" dirty="0">
+                <a:latin typeface="Arial" panose="020B0604020202020204" pitchFamily="34" charset="0"/>
+                <a:cs typeface="Arial" panose="020B0604020202020204" pitchFamily="34" charset="0"/>
+              </a:rPr>
+              <a:t>5</a:t>
+            </a:r>
+          </a:p>
+        </p:txBody>
+      </p:sp>
+      <p:sp>
+        <p:nvSpPr>
+          <p:cNvPr id="89" name="TextBox 88"/>
+          <p:cNvSpPr txBox="1"/>
+          <p:nvPr/>
+        </p:nvSpPr>
+        <p:spPr>
+          <a:xfrm>
+            <a:off x="4019825" y="8019840"/>
+            <a:ext cx="571500" cy="307777"/>
+          </a:xfrm>
+          <a:prstGeom prst="rect">
+            <a:avLst/>
+          </a:prstGeom>
+          <a:noFill/>
+        </p:spPr>
+        <p:txBody>
+          <a:bodyPr wrap="square" rtlCol="0">
+            <a:spAutoFit/>
+          </a:bodyPr>
+          <a:lstStyle/>
+          <a:p>
+            <a:pPr algn="ctr"/>
+            <a:r>
+              <a:rPr lang="en-US" sz="1400" dirty="0">
+                <a:latin typeface="Arial" panose="020B0604020202020204" pitchFamily="34" charset="0"/>
+                <a:cs typeface="Arial" panose="020B0604020202020204" pitchFamily="34" charset="0"/>
+              </a:rPr>
+              <a:t>6</a:t>
+            </a:r>
+          </a:p>
+        </p:txBody>
+      </p:sp>
+      <p:sp>
+        <p:nvSpPr>
+          <p:cNvPr id="90" name="TextBox 89"/>
+          <p:cNvSpPr txBox="1"/>
+          <p:nvPr/>
+        </p:nvSpPr>
+        <p:spPr>
+          <a:xfrm>
+            <a:off x="4019825" y="8343333"/>
+            <a:ext cx="571500" cy="307777"/>
+          </a:xfrm>
+          <a:prstGeom prst="rect">
+            <a:avLst/>
+          </a:prstGeom>
+          <a:noFill/>
+        </p:spPr>
+        <p:txBody>
+          <a:bodyPr wrap="square" rtlCol="0">
+            <a:spAutoFit/>
+          </a:bodyPr>
+          <a:lstStyle/>
+          <a:p>
+            <a:pPr algn="ctr"/>
+            <a:r>
+              <a:rPr lang="en-US" sz="1400" dirty="0">
+                <a:latin typeface="Arial" panose="020B0604020202020204" pitchFamily="34" charset="0"/>
+                <a:cs typeface="Arial" panose="020B0604020202020204" pitchFamily="34" charset="0"/>
+              </a:rPr>
+              <a:t>7</a:t>
+            </a:r>
+          </a:p>
+        </p:txBody>
+      </p:sp>
+      <p:cxnSp>
+        <p:nvCxnSpPr>
+          <p:cNvPr id="112" name="Straight Connector 111"/>
+          <p:cNvCxnSpPr/>
+          <p:nvPr/>
+        </p:nvCxnSpPr>
+        <p:spPr>
+          <a:xfrm>
+            <a:off x="4685354" y="5125778"/>
+            <a:ext cx="868680" cy="0"/>
+          </a:xfrm>
+          <a:prstGeom prst="line">
+            <a:avLst/>
+          </a:prstGeom>
+          <a:ln w="19050">
+            <a:solidFill>
+              <a:schemeClr val="tx1"/>
+            </a:solidFill>
+            <a:prstDash val="dash"/>
+          </a:ln>
+        </p:spPr>
+        <p:style>
+          <a:lnRef idx="1">
+            <a:schemeClr val="accent1"/>
+          </a:lnRef>
+          <a:fillRef idx="0">
+            <a:schemeClr val="accent1"/>
+          </a:fillRef>
+          <a:effectRef idx="0">
+            <a:schemeClr val="accent1"/>
+          </a:effectRef>
+          <a:fontRef idx="minor">
+            <a:schemeClr val="tx1"/>
+          </a:fontRef>
+        </p:style>
+      </p:cxnSp>
+      <p:sp>
+        <p:nvSpPr>
+          <p:cNvPr id="113" name="TextBox 112"/>
+          <p:cNvSpPr txBox="1"/>
+          <p:nvPr/>
+        </p:nvSpPr>
+        <p:spPr>
+          <a:xfrm>
+            <a:off x="4658319" y="4875491"/>
+            <a:ext cx="946652" cy="292388"/>
+          </a:xfrm>
+          <a:prstGeom prst="rect">
+            <a:avLst/>
+          </a:prstGeom>
+          <a:noFill/>
+        </p:spPr>
+        <p:txBody>
+          <a:bodyPr wrap="square" rtlCol="0">
+            <a:spAutoFit/>
+          </a:bodyPr>
+          <a:lstStyle/>
+          <a:p>
+            <a:pPr algn="ctr"/>
+            <a:r>
+              <a:rPr lang="en-US" sz="1300" dirty="0">
+                <a:latin typeface="Arial" panose="020B0604020202020204" pitchFamily="34" charset="0"/>
+                <a:cs typeface="Arial" panose="020B0604020202020204" pitchFamily="34" charset="0"/>
+              </a:rPr>
+              <a:t>4</a:t>
+            </a:r>
+            <a:r>
+              <a:rPr lang="en-US" sz="1300" baseline="30000" dirty="0">
+                <a:latin typeface="Arial" panose="020B0604020202020204" pitchFamily="34" charset="0"/>
+                <a:cs typeface="Arial" panose="020B0604020202020204" pitchFamily="34" charset="0"/>
+              </a:rPr>
+              <a:t>th</a:t>
+            </a:r>
+            <a:r>
+              <a:rPr lang="en-US" sz="1300" dirty="0">
+                <a:latin typeface="Arial" panose="020B0604020202020204" pitchFamily="34" charset="0"/>
+                <a:cs typeface="Arial" panose="020B0604020202020204" pitchFamily="34" charset="0"/>
+              </a:rPr>
+              <a:t> Place</a:t>
+            </a:r>
+          </a:p>
+        </p:txBody>
+      </p:sp>
+      <p:cxnSp>
+        <p:nvCxnSpPr>
+          <p:cNvPr id="129" name="Elbow Connector 160">
+            <a:extLst>
+              <a:ext uri="{FF2B5EF4-FFF2-40B4-BE49-F238E27FC236}">
+                <a16:creationId xmlns:a16="http://schemas.microsoft.com/office/drawing/2014/main" id="{8447428B-704B-4A2E-AF3B-CDD5278F11E6}"/>
+              </a:ext>
+            </a:extLst>
+          </p:cNvPr>
+          <p:cNvCxnSpPr>
+            <a:cxnSpLocks/>
+          </p:cNvCxnSpPr>
+          <p:nvPr/>
+        </p:nvCxnSpPr>
+        <p:spPr>
+          <a:xfrm rot="10800000" flipV="1">
+            <a:off x="2957611" y="2292592"/>
+            <a:ext cx="1614389" cy="770722"/>
+          </a:xfrm>
+          <a:prstGeom prst="bentConnector3">
+            <a:avLst>
+              <a:gd name="adj1" fmla="val 68988"/>
+            </a:avLst>
+          </a:prstGeom>
+          <a:ln w="19050">
+            <a:solidFill>
+              <a:schemeClr val="tx1"/>
+            </a:solidFill>
+          </a:ln>
+        </p:spPr>
+        <p:style>
+          <a:lnRef idx="1">
+            <a:schemeClr val="accent1"/>
+          </a:lnRef>
+          <a:fillRef idx="0">
+            <a:schemeClr val="accent1"/>
+          </a:fillRef>
+          <a:effectRef idx="0">
+            <a:schemeClr val="accent1"/>
+          </a:effectRef>
+          <a:fontRef idx="minor">
+            <a:schemeClr val="tx1"/>
+          </a:fontRef>
+        </p:style>
+      </p:cxnSp>
+      <p:cxnSp>
+        <p:nvCxnSpPr>
+          <p:cNvPr id="131" name="Elbow Connector 160">
+            <a:extLst>
+              <a:ext uri="{FF2B5EF4-FFF2-40B4-BE49-F238E27FC236}">
+                <a16:creationId xmlns:a16="http://schemas.microsoft.com/office/drawing/2014/main" id="{0A241975-306B-4546-BB51-6498F5C73BC2}"/>
+              </a:ext>
+            </a:extLst>
+          </p:cNvPr>
+          <p:cNvCxnSpPr>
+            <a:cxnSpLocks/>
+          </p:cNvCxnSpPr>
+          <p:nvPr/>
+        </p:nvCxnSpPr>
+        <p:spPr>
+          <a:xfrm rot="10800000" flipV="1">
+            <a:off x="2952751" y="2799622"/>
+            <a:ext cx="1619251" cy="1350055"/>
+          </a:xfrm>
+          <a:prstGeom prst="bentConnector3">
+            <a:avLst>
+              <a:gd name="adj1" fmla="val 50000"/>
+            </a:avLst>
+          </a:prstGeom>
+          <a:ln w="19050">
+            <a:solidFill>
+              <a:schemeClr val="tx1"/>
+            </a:solidFill>
+          </a:ln>
+        </p:spPr>
+        <p:style>
+          <a:lnRef idx="1">
+            <a:schemeClr val="accent1"/>
+          </a:lnRef>
+          <a:fillRef idx="0">
+            <a:schemeClr val="accent1"/>
+          </a:fillRef>
+          <a:effectRef idx="0">
+            <a:schemeClr val="accent1"/>
+          </a:effectRef>
+          <a:fontRef idx="minor">
+            <a:schemeClr val="tx1"/>
+          </a:fontRef>
+        </p:style>
+      </p:cxnSp>
+      <p:cxnSp>
+        <p:nvCxnSpPr>
+          <p:cNvPr id="168" name="Straight Connector 167">
+            <a:extLst>
+              <a:ext uri="{FF2B5EF4-FFF2-40B4-BE49-F238E27FC236}">
+                <a16:creationId xmlns:a16="http://schemas.microsoft.com/office/drawing/2014/main" id="{70F5F07E-6325-4085-960C-17E3C15857D7}"/>
+              </a:ext>
+            </a:extLst>
+          </p:cNvPr>
+          <p:cNvCxnSpPr>
+            <a:cxnSpLocks/>
+          </p:cNvCxnSpPr>
+          <p:nvPr/>
+        </p:nvCxnSpPr>
+        <p:spPr>
+          <a:xfrm flipV="1">
+            <a:off x="4684561" y="4668280"/>
+            <a:ext cx="0" cy="612224"/>
+          </a:xfrm>
+          <a:prstGeom prst="line">
+            <a:avLst/>
+          </a:prstGeom>
+          <a:ln w="19050">
+            <a:solidFill>
+              <a:schemeClr val="tx1"/>
+            </a:solidFill>
+          </a:ln>
+        </p:spPr>
+        <p:style>
+          <a:lnRef idx="1">
+            <a:schemeClr val="accent1"/>
+          </a:lnRef>
+          <a:fillRef idx="0">
+            <a:schemeClr val="accent1"/>
+          </a:fillRef>
+          <a:effectRef idx="0">
+            <a:schemeClr val="accent1"/>
+          </a:effectRef>
+          <a:fontRef idx="minor">
+            <a:schemeClr val="tx1"/>
+          </a:fontRef>
+        </p:style>
+      </p:cxnSp>
+      <p:cxnSp>
+        <p:nvCxnSpPr>
+          <p:cNvPr id="190" name="Elbow Connector 172">
+            <a:extLst>
+              <a:ext uri="{FF2B5EF4-FFF2-40B4-BE49-F238E27FC236}">
+                <a16:creationId xmlns:a16="http://schemas.microsoft.com/office/drawing/2014/main" id="{BF5BCCE7-6868-4CD7-A208-D6EBA6D06B9B}"/>
+              </a:ext>
+            </a:extLst>
+          </p:cNvPr>
+          <p:cNvCxnSpPr>
+            <a:cxnSpLocks/>
+          </p:cNvCxnSpPr>
+          <p:nvPr/>
+        </p:nvCxnSpPr>
+        <p:spPr>
+          <a:xfrm rot="16200000" flipH="1">
+            <a:off x="2499371" y="3682556"/>
+            <a:ext cx="1460039" cy="488268"/>
+          </a:xfrm>
+          <a:prstGeom prst="bentConnector3">
+            <a:avLst>
+              <a:gd name="adj1" fmla="val 925"/>
+            </a:avLst>
+          </a:prstGeom>
+          <a:ln w="12700">
+            <a:solidFill>
+              <a:schemeClr val="tx1"/>
+            </a:solidFill>
+            <a:prstDash val="dash"/>
+          </a:ln>
+        </p:spPr>
+        <p:style>
+          <a:lnRef idx="1">
+            <a:schemeClr val="accent1"/>
+          </a:lnRef>
+          <a:fillRef idx="0">
+            <a:schemeClr val="accent1"/>
+          </a:fillRef>
+          <a:effectRef idx="0">
+            <a:schemeClr val="accent1"/>
+          </a:effectRef>
+          <a:fontRef idx="minor">
+            <a:schemeClr val="tx1"/>
+          </a:fontRef>
+        </p:style>
+      </p:cxnSp>
+      <p:cxnSp>
+        <p:nvCxnSpPr>
+          <p:cNvPr id="163" name="Straight Connector 162">
+            <a:extLst>
+              <a:ext uri="{FF2B5EF4-FFF2-40B4-BE49-F238E27FC236}">
+                <a16:creationId xmlns:a16="http://schemas.microsoft.com/office/drawing/2014/main" id="{1C001E1A-E2A6-48A0-980A-4EA5FF80DA3D}"/>
+              </a:ext>
+            </a:extLst>
+          </p:cNvPr>
+          <p:cNvCxnSpPr>
+            <a:cxnSpLocks/>
+          </p:cNvCxnSpPr>
+          <p:nvPr/>
+        </p:nvCxnSpPr>
+        <p:spPr>
+          <a:xfrm>
+            <a:off x="3473524" y="4668280"/>
+            <a:ext cx="1211037" cy="0"/>
+          </a:xfrm>
+          <a:prstGeom prst="line">
+            <a:avLst/>
+          </a:prstGeom>
+          <a:ln w="12700">
+            <a:solidFill>
+              <a:schemeClr val="tx1"/>
+            </a:solidFill>
+            <a:prstDash val="solid"/>
+          </a:ln>
+        </p:spPr>
+        <p:style>
+          <a:lnRef idx="1">
+            <a:schemeClr val="accent1"/>
+          </a:lnRef>
+          <a:fillRef idx="0">
+            <a:schemeClr val="accent1"/>
+          </a:fillRef>
+          <a:effectRef idx="0">
+            <a:schemeClr val="accent1"/>
+          </a:effectRef>
+          <a:fontRef idx="minor">
+            <a:schemeClr val="tx1"/>
+          </a:fontRef>
+        </p:style>
+      </p:cxnSp>
+      <p:cxnSp>
+        <p:nvCxnSpPr>
+          <p:cNvPr id="214" name="Straight Connector 213">
+            <a:extLst>
+              <a:ext uri="{FF2B5EF4-FFF2-40B4-BE49-F238E27FC236}">
+                <a16:creationId xmlns:a16="http://schemas.microsoft.com/office/drawing/2014/main" id="{5CA9E683-C4AD-4735-AF10-FAF75E569958}"/>
+              </a:ext>
+            </a:extLst>
+          </p:cNvPr>
+          <p:cNvCxnSpPr>
+            <a:cxnSpLocks/>
+          </p:cNvCxnSpPr>
+          <p:nvPr/>
+        </p:nvCxnSpPr>
+        <p:spPr>
+          <a:xfrm flipV="1">
+            <a:off x="2952750" y="4388783"/>
+            <a:ext cx="503597" cy="1"/>
+          </a:xfrm>
+          <a:prstGeom prst="line">
+            <a:avLst/>
+          </a:prstGeom>
+          <a:ln w="12700">
+            <a:solidFill>
+              <a:schemeClr val="tx1"/>
+            </a:solidFill>
+            <a:prstDash val="dash"/>
+          </a:ln>
+        </p:spPr>
+        <p:style>
+          <a:lnRef idx="1">
+            <a:schemeClr val="accent1"/>
+          </a:lnRef>
+          <a:fillRef idx="0">
+            <a:schemeClr val="accent1"/>
+          </a:fillRef>
+          <a:effectRef idx="0">
+            <a:schemeClr val="accent1"/>
+          </a:effectRef>
+          <a:fontRef idx="minor">
+            <a:schemeClr val="tx1"/>
+          </a:fontRef>
+        </p:style>
+      </p:cxnSp>
+      <p:sp>
+        <p:nvSpPr>
+          <p:cNvPr id="216" name="TextBox 215">
+            <a:extLst>
+              <a:ext uri="{FF2B5EF4-FFF2-40B4-BE49-F238E27FC236}">
+                <a16:creationId xmlns:a16="http://schemas.microsoft.com/office/drawing/2014/main" id="{D991DF06-53AE-4C64-B807-7EA1E80435D9}"/>
+              </a:ext>
+            </a:extLst>
+          </p:cNvPr>
+          <p:cNvSpPr txBox="1"/>
+          <p:nvPr/>
+        </p:nvSpPr>
+        <p:spPr>
+          <a:xfrm>
+            <a:off x="3380271" y="5378968"/>
+            <a:ext cx="1452991" cy="461665"/>
+          </a:xfrm>
+          <a:prstGeom prst="rect">
+            <a:avLst/>
+          </a:prstGeom>
+          <a:noFill/>
+        </p:spPr>
+        <p:txBody>
+          <a:bodyPr wrap="square" rtlCol="0">
+            <a:spAutoFit/>
+          </a:bodyPr>
+          <a:lstStyle/>
+          <a:p>
+            <a:pPr algn="ctr"/>
+            <a:r>
+              <a:rPr lang="en-US" sz="800" i="1" dirty="0">
+                <a:latin typeface="Arial" panose="020B0604020202020204" pitchFamily="34" charset="0"/>
+                <a:cs typeface="Arial" panose="020B0604020202020204" pitchFamily="34" charset="0"/>
+              </a:rPr>
+              <a:t>Highest week 14-15 cumulative scoring team from loser’s bracket</a:t>
+            </a:r>
+          </a:p>
+        </p:txBody>
+      </p:sp>
+      <p:cxnSp>
+        <p:nvCxnSpPr>
+          <p:cNvPr id="261" name="Straight Connector 260">
+            <a:extLst>
+              <a:ext uri="{FF2B5EF4-FFF2-40B4-BE49-F238E27FC236}">
+                <a16:creationId xmlns:a16="http://schemas.microsoft.com/office/drawing/2014/main" id="{A72F039D-9831-4C57-8CA8-1E2A1FC0D8E3}"/>
+              </a:ext>
+            </a:extLst>
+          </p:cNvPr>
+          <p:cNvCxnSpPr>
+            <a:cxnSpLocks/>
+          </p:cNvCxnSpPr>
+          <p:nvPr/>
+        </p:nvCxnSpPr>
+        <p:spPr>
+          <a:xfrm>
+            <a:off x="3545414" y="6172200"/>
+            <a:ext cx="1761471" cy="0"/>
+          </a:xfrm>
+          <a:prstGeom prst="line">
+            <a:avLst/>
+          </a:prstGeom>
+          <a:ln w="12700" cap="sq" cmpd="sng">
+            <a:solidFill>
+              <a:schemeClr val="bg1">
+                <a:lumMod val="50000"/>
+              </a:schemeClr>
+            </a:solidFill>
+          </a:ln>
+        </p:spPr>
+        <p:style>
+          <a:lnRef idx="1">
+            <a:schemeClr val="accent1"/>
+          </a:lnRef>
+          <a:fillRef idx="0">
+            <a:schemeClr val="accent1"/>
+          </a:fillRef>
+          <a:effectRef idx="0">
+            <a:schemeClr val="accent1"/>
+          </a:effectRef>
+          <a:fontRef idx="minor">
+            <a:schemeClr val="tx1"/>
+          </a:fontRef>
+        </p:style>
+      </p:cxnSp>
+      <p:sp>
+        <p:nvSpPr>
+          <p:cNvPr id="266" name="TextBox 265">
+            <a:extLst>
+              <a:ext uri="{FF2B5EF4-FFF2-40B4-BE49-F238E27FC236}">
+                <a16:creationId xmlns:a16="http://schemas.microsoft.com/office/drawing/2014/main" id="{FB2CAEA3-AB69-4829-BEBF-09B6EBAC593E}"/>
+              </a:ext>
+            </a:extLst>
+          </p:cNvPr>
+          <p:cNvSpPr txBox="1"/>
+          <p:nvPr/>
+        </p:nvSpPr>
+        <p:spPr>
+          <a:xfrm>
+            <a:off x="4661999" y="5478449"/>
+            <a:ext cx="946652" cy="292388"/>
+          </a:xfrm>
+          <a:prstGeom prst="rect">
+            <a:avLst/>
+          </a:prstGeom>
+          <a:noFill/>
+        </p:spPr>
+        <p:txBody>
+          <a:bodyPr wrap="square" rtlCol="0">
+            <a:spAutoFit/>
+          </a:bodyPr>
+          <a:lstStyle/>
+          <a:p>
+            <a:pPr algn="ctr"/>
+            <a:r>
+              <a:rPr lang="en-US" sz="1300" dirty="0">
+                <a:latin typeface="Arial" panose="020B0604020202020204" pitchFamily="34" charset="0"/>
+                <a:cs typeface="Arial" panose="020B0604020202020204" pitchFamily="34" charset="0"/>
+              </a:rPr>
+              <a:t>5</a:t>
+            </a:r>
+            <a:r>
+              <a:rPr lang="en-US" sz="1300" baseline="30000" dirty="0">
+                <a:latin typeface="Arial" panose="020B0604020202020204" pitchFamily="34" charset="0"/>
+                <a:cs typeface="Arial" panose="020B0604020202020204" pitchFamily="34" charset="0"/>
+              </a:rPr>
+              <a:t>th</a:t>
+            </a:r>
+            <a:r>
+              <a:rPr lang="en-US" sz="1300" dirty="0">
+                <a:latin typeface="Arial" panose="020B0604020202020204" pitchFamily="34" charset="0"/>
+                <a:cs typeface="Arial" panose="020B0604020202020204" pitchFamily="34" charset="0"/>
+              </a:rPr>
+              <a:t> Place</a:t>
+            </a:r>
+          </a:p>
+        </p:txBody>
+      </p:sp>
+      <p:sp>
+        <p:nvSpPr>
+          <p:cNvPr id="267" name="TextBox 266">
+            <a:extLst>
+              <a:ext uri="{FF2B5EF4-FFF2-40B4-BE49-F238E27FC236}">
+                <a16:creationId xmlns:a16="http://schemas.microsoft.com/office/drawing/2014/main" id="{CF85E814-6673-496C-B87A-56798C350B78}"/>
+              </a:ext>
+            </a:extLst>
+          </p:cNvPr>
+          <p:cNvSpPr txBox="1"/>
+          <p:nvPr/>
+        </p:nvSpPr>
+        <p:spPr>
+          <a:xfrm>
+            <a:off x="3354135" y="5887872"/>
+            <a:ext cx="2246563" cy="307777"/>
+          </a:xfrm>
+          <a:prstGeom prst="rect">
+            <a:avLst/>
+          </a:prstGeom>
+          <a:noFill/>
+        </p:spPr>
+        <p:txBody>
+          <a:bodyPr wrap="square" rtlCol="0">
+            <a:spAutoFit/>
+          </a:bodyPr>
+          <a:lstStyle/>
+          <a:p>
+            <a:pPr algn="ctr"/>
+            <a:r>
+              <a:rPr lang="en-US" sz="1400" i="1" dirty="0">
+                <a:solidFill>
+                  <a:schemeClr val="tx1">
+                    <a:lumMod val="85000"/>
+                    <a:lumOff val="15000"/>
+                  </a:schemeClr>
+                </a:solidFill>
+              </a:rPr>
+              <a:t>7 Remaining Teams</a:t>
+            </a:r>
+          </a:p>
+        </p:txBody>
+      </p:sp>
+    </p:spTree>
+    <p:extLst>
+      <p:ext uri="{BB962C8B-B14F-4D97-AF65-F5344CB8AC3E}">
+        <p14:creationId xmlns:p14="http://schemas.microsoft.com/office/powerpoint/2010/main" val="725420982"/>
+      </p:ext>
+    </p:extLst>
+  </p:cSld>
+  <p:clrMapOvr>
+    <a:masterClrMapping/>
+  </p:clrMapOvr>
+</p:sld>
+</file>
+
 <file path=ppt/theme/theme1.xml><?xml version="1.0" encoding="utf-8"?>
 <a:theme xmlns:a="http://schemas.openxmlformats.org/drawingml/2006/main" name="Office Theme">
   <a:themeElements>

--- a/data-raw/playoff structure  12 team.pptx
+++ b/data-raw/playoff structure  12 team.pptx
@@ -8,7 +8,9 @@
     <p:sldId id="257" r:id="rId2"/>
     <p:sldId id="258" r:id="rId3"/>
     <p:sldId id="260" r:id="rId4"/>
-    <p:sldId id="259" r:id="rId5"/>
+    <p:sldId id="262" r:id="rId5"/>
+    <p:sldId id="263" r:id="rId6"/>
+    <p:sldId id="261" r:id="rId7"/>
   </p:sldIdLst>
   <p:sldSz cx="6858000" cy="9144000" type="screen4x3"/>
   <p:notesSz cx="6858000" cy="9144000"/>
@@ -305,7 +307,7 @@
           <a:p>
             <a:fld id="{66733C65-0025-401B-95AF-8C7DD5A44203}" type="datetimeFigureOut">
               <a:rPr lang="en-US" smtClean="0"/>
-              <a:t>7/22/2022</a:t>
+              <a:t>12/7/2022</a:t>
             </a:fld>
             <a:endParaRPr lang="en-US"/>
           </a:p>
@@ -473,7 +475,7 @@
           <a:p>
             <a:fld id="{66733C65-0025-401B-95AF-8C7DD5A44203}" type="datetimeFigureOut">
               <a:rPr lang="en-US" smtClean="0"/>
-              <a:t>7/22/2022</a:t>
+              <a:t>12/7/2022</a:t>
             </a:fld>
             <a:endParaRPr lang="en-US"/>
           </a:p>
@@ -651,7 +653,7 @@
           <a:p>
             <a:fld id="{66733C65-0025-401B-95AF-8C7DD5A44203}" type="datetimeFigureOut">
               <a:rPr lang="en-US" smtClean="0"/>
-              <a:t>7/22/2022</a:t>
+              <a:t>12/7/2022</a:t>
             </a:fld>
             <a:endParaRPr lang="en-US"/>
           </a:p>
@@ -819,7 +821,7 @@
           <a:p>
             <a:fld id="{66733C65-0025-401B-95AF-8C7DD5A44203}" type="datetimeFigureOut">
               <a:rPr lang="en-US" smtClean="0"/>
-              <a:t>7/22/2022</a:t>
+              <a:t>12/7/2022</a:t>
             </a:fld>
             <a:endParaRPr lang="en-US"/>
           </a:p>
@@ -1064,7 +1066,7 @@
           <a:p>
             <a:fld id="{66733C65-0025-401B-95AF-8C7DD5A44203}" type="datetimeFigureOut">
               <a:rPr lang="en-US" smtClean="0"/>
-              <a:t>7/22/2022</a:t>
+              <a:t>12/7/2022</a:t>
             </a:fld>
             <a:endParaRPr lang="en-US"/>
           </a:p>
@@ -1349,7 +1351,7 @@
           <a:p>
             <a:fld id="{66733C65-0025-401B-95AF-8C7DD5A44203}" type="datetimeFigureOut">
               <a:rPr lang="en-US" smtClean="0"/>
-              <a:t>7/22/2022</a:t>
+              <a:t>12/7/2022</a:t>
             </a:fld>
             <a:endParaRPr lang="en-US"/>
           </a:p>
@@ -1768,7 +1770,7 @@
           <a:p>
             <a:fld id="{66733C65-0025-401B-95AF-8C7DD5A44203}" type="datetimeFigureOut">
               <a:rPr lang="en-US" smtClean="0"/>
-              <a:t>7/22/2022</a:t>
+              <a:t>12/7/2022</a:t>
             </a:fld>
             <a:endParaRPr lang="en-US"/>
           </a:p>
@@ -1885,7 +1887,7 @@
           <a:p>
             <a:fld id="{66733C65-0025-401B-95AF-8C7DD5A44203}" type="datetimeFigureOut">
               <a:rPr lang="en-US" smtClean="0"/>
-              <a:t>7/22/2022</a:t>
+              <a:t>12/7/2022</a:t>
             </a:fld>
             <a:endParaRPr lang="en-US"/>
           </a:p>
@@ -1980,7 +1982,7 @@
           <a:p>
             <a:fld id="{66733C65-0025-401B-95AF-8C7DD5A44203}" type="datetimeFigureOut">
               <a:rPr lang="en-US" smtClean="0"/>
-              <a:t>7/22/2022</a:t>
+              <a:t>12/7/2022</a:t>
             </a:fld>
             <a:endParaRPr lang="en-US"/>
           </a:p>
@@ -2255,7 +2257,7 @@
           <a:p>
             <a:fld id="{66733C65-0025-401B-95AF-8C7DD5A44203}" type="datetimeFigureOut">
               <a:rPr lang="en-US" smtClean="0"/>
-              <a:t>7/22/2022</a:t>
+              <a:t>12/7/2022</a:t>
             </a:fld>
             <a:endParaRPr lang="en-US"/>
           </a:p>
@@ -2507,7 +2509,7 @@
           <a:p>
             <a:fld id="{66733C65-0025-401B-95AF-8C7DD5A44203}" type="datetimeFigureOut">
               <a:rPr lang="en-US" smtClean="0"/>
-              <a:t>7/22/2022</a:t>
+              <a:t>12/7/2022</a:t>
             </a:fld>
             <a:endParaRPr lang="en-US"/>
           </a:p>
@@ -2718,7 +2720,7 @@
           <a:p>
             <a:fld id="{66733C65-0025-401B-95AF-8C7DD5A44203}" type="datetimeFigureOut">
               <a:rPr lang="en-US" smtClean="0"/>
-              <a:t>7/22/2022</a:t>
+              <a:t>12/7/2022</a:t>
             </a:fld>
             <a:endParaRPr lang="en-US"/>
           </a:p>
@@ -11595,39 +11597,6 @@
       </p:sp>
       <p:sp>
         <p:nvSpPr>
-          <p:cNvPr id="203" name="TextBox 202"/>
-          <p:cNvSpPr txBox="1"/>
-          <p:nvPr/>
-        </p:nvSpPr>
-        <p:spPr>
-          <a:xfrm>
-            <a:off x="0" y="5376446"/>
-            <a:ext cx="1447802" cy="338554"/>
-          </a:xfrm>
-          <a:prstGeom prst="rect">
-            <a:avLst/>
-          </a:prstGeom>
-          <a:noFill/>
-        </p:spPr>
-        <p:txBody>
-          <a:bodyPr wrap="square" rtlCol="0">
-            <a:spAutoFit/>
-          </a:bodyPr>
-          <a:lstStyle/>
-          <a:p>
-            <a:r>
-              <a:rPr lang="en-US" sz="1600" i="1" dirty="0">
-                <a:solidFill>
-                  <a:srgbClr val="FF0000"/>
-                </a:solidFill>
-              </a:rPr>
-              <a:t>Loser’s Bracket</a:t>
-            </a:r>
-          </a:p>
-        </p:txBody>
-      </p:sp>
-      <p:sp>
-        <p:nvSpPr>
           <p:cNvPr id="205" name="Rectangle 204"/>
           <p:cNvSpPr/>
           <p:nvPr/>
@@ -11685,7 +11654,7 @@
         <p:spPr>
           <a:xfrm>
             <a:off x="47625" y="5867400"/>
-            <a:ext cx="3276600" cy="3293209"/>
+            <a:ext cx="3276600" cy="2539157"/>
           </a:xfrm>
           <a:prstGeom prst="rect">
             <a:avLst/>
@@ -11699,8 +11668,15 @@
           <a:lstStyle/>
           <a:p>
             <a:r>
+              <a:rPr lang="en-US" sz="1600" b="1" i="1" dirty="0"/>
+              <a:t>Losers Bracket</a:t>
+            </a:r>
+            <a:endParaRPr lang="en-US" sz="1600" i="1" dirty="0"/>
+          </a:p>
+          <a:p>
+            <a:r>
               <a:rPr lang="en-US" sz="1300" i="1" dirty="0"/>
-              <a:t>There are no head to head match ups in the loser’s bracket (LB) for weeks 14, 15, &amp; 16. Teams in the LB will be ranked by their cumulative points from weeks 14, 15, &amp; 16, regardless of when they entered the LB</a:t>
+              <a:t>There are no head-to-head match ups in the losers bracket (LB) for weeks 14, 15, &amp; 16. Teams in the LB will be ranked by their cumulative points from weeks 14, 15, &amp; 16, regardless of when they entered the LB</a:t>
             </a:r>
             <a:br>
               <a:rPr lang="en-US" sz="1300" i="1" dirty="0"/>
@@ -11709,18 +11685,15 @@
           </a:p>
           <a:p>
             <a:r>
-              <a:rPr lang="en-US" sz="1300" i="1" dirty="0"/>
-              <a:t>The team with the highest cumulative total points for weeks 14 and 15 will be promoted out of the LB to compete in weeks 16 and 17 for 3rd place overall against the highest scoring week 15 playoff loser.</a:t>
+              <a:rPr lang="en-US" sz="1400" b="1" i="1" dirty="0"/>
+              <a:t>The Randy Bowl</a:t>
             </a:r>
             <a:br>
               <a:rPr lang="en-US" sz="1300" i="1" dirty="0"/>
             </a:br>
-            <a:br>
+            <a:r>
               <a:rPr lang="en-US" sz="1300" i="1" dirty="0"/>
-            </a:br>
-            <a:r>
-              <a:rPr lang="en-US" sz="1300" i="1" dirty="0"/>
-              <a:t>The 2 teams with the lowest total points in weeks 14, 15, and 16 compete in week 17 in The Randy Bowl. The loser of The Randy Bowl will “win” The Randy.</a:t>
+              <a:t>The 2 teams with the lowest total points in weeks 14, 15, &amp; 16 compete in week 17 in The Randy Bowl. The loser of The Randy Bowl will contract The Randy.</a:t>
             </a:r>
           </a:p>
         </p:txBody>
@@ -13081,45 +13054,6 @@
           </a:fontRef>
         </p:style>
       </p:cxnSp>
-      <p:sp>
-        <p:nvSpPr>
-          <p:cNvPr id="216" name="TextBox 215">
-            <a:extLst>
-              <a:ext uri="{FF2B5EF4-FFF2-40B4-BE49-F238E27FC236}">
-                <a16:creationId xmlns:a16="http://schemas.microsoft.com/office/drawing/2014/main" id="{D991DF06-53AE-4C64-B807-7EA1E80435D9}"/>
-              </a:ext>
-            </a:extLst>
-          </p:cNvPr>
-          <p:cNvSpPr txBox="1"/>
-          <p:nvPr/>
-        </p:nvSpPr>
-        <p:spPr>
-          <a:xfrm>
-            <a:off x="3380271" y="5378968"/>
-            <a:ext cx="1452991" cy="461665"/>
-          </a:xfrm>
-          <a:prstGeom prst="rect">
-            <a:avLst/>
-          </a:prstGeom>
-          <a:noFill/>
-        </p:spPr>
-        <p:txBody>
-          <a:bodyPr wrap="square" rtlCol="0">
-            <a:spAutoFit/>
-          </a:bodyPr>
-          <a:lstStyle/>
-          <a:p>
-            <a:pPr algn="ctr"/>
-            <a:r>
-              <a:rPr lang="en-US" sz="800" i="1" dirty="0">
-                <a:latin typeface="Arial" panose="020B0604020202020204" pitchFamily="34" charset="0"/>
-                <a:cs typeface="Arial" panose="020B0604020202020204" pitchFamily="34" charset="0"/>
-              </a:rPr>
-              <a:t>Highest week 14-15 cumulative scoring team from loser’s bracket</a:t>
-            </a:r>
-          </a:p>
-        </p:txBody>
-      </p:sp>
       <p:cxnSp>
         <p:nvCxnSpPr>
           <p:cNvPr id="261" name="Straight Connector 260">
@@ -13167,6 +13101,3534 @@
       </p:cxnSp>
       <p:sp>
         <p:nvSpPr>
+          <p:cNvPr id="267" name="TextBox 266">
+            <a:extLst>
+              <a:ext uri="{FF2B5EF4-FFF2-40B4-BE49-F238E27FC236}">
+                <a16:creationId xmlns:a16="http://schemas.microsoft.com/office/drawing/2014/main" id="{CF85E814-6673-496C-B87A-56798C350B78}"/>
+              </a:ext>
+            </a:extLst>
+          </p:cNvPr>
+          <p:cNvSpPr txBox="1"/>
+          <p:nvPr/>
+        </p:nvSpPr>
+        <p:spPr>
+          <a:xfrm>
+            <a:off x="3354135" y="5887872"/>
+            <a:ext cx="2246563" cy="307777"/>
+          </a:xfrm>
+          <a:prstGeom prst="rect">
+            <a:avLst/>
+          </a:prstGeom>
+          <a:noFill/>
+        </p:spPr>
+        <p:txBody>
+          <a:bodyPr wrap="square" rtlCol="0">
+            <a:spAutoFit/>
+          </a:bodyPr>
+          <a:lstStyle/>
+          <a:p>
+            <a:pPr algn="ctr"/>
+            <a:r>
+              <a:rPr lang="en-US" sz="1400" i="1" dirty="0">
+                <a:solidFill>
+                  <a:schemeClr val="tx1">
+                    <a:lumMod val="85000"/>
+                    <a:lumOff val="15000"/>
+                  </a:schemeClr>
+                </a:solidFill>
+              </a:rPr>
+              <a:t>Bottom 8 Teams</a:t>
+            </a:r>
+          </a:p>
+        </p:txBody>
+      </p:sp>
+      <p:sp>
+        <p:nvSpPr>
+          <p:cNvPr id="3" name="Title 1">
+            <a:extLst>
+              <a:ext uri="{FF2B5EF4-FFF2-40B4-BE49-F238E27FC236}">
+                <a16:creationId xmlns:a16="http://schemas.microsoft.com/office/drawing/2014/main" id="{C714D49B-97A1-E075-D9BE-1CB58220D0F2}"/>
+              </a:ext>
+            </a:extLst>
+          </p:cNvPr>
+          <p:cNvSpPr txBox="1">
+            <a:spLocks/>
+          </p:cNvSpPr>
+          <p:nvPr/>
+        </p:nvSpPr>
+        <p:spPr>
+          <a:xfrm>
+            <a:off x="-4064319" y="426720"/>
+            <a:ext cx="3626281" cy="1524000"/>
+          </a:xfrm>
+          <a:prstGeom prst="rect">
+            <a:avLst/>
+          </a:prstGeom>
+        </p:spPr>
+        <p:txBody>
+          <a:bodyPr vert="horz" lIns="91440" tIns="45720" rIns="91440" bIns="45720" rtlCol="0" anchor="ctr">
+            <a:normAutofit/>
+          </a:bodyPr>
+          <a:lstStyle>
+            <a:lvl1pPr algn="ctr" defTabSz="914400" rtl="0" eaLnBrk="1" latinLnBrk="0" hangingPunct="1">
+              <a:spcBef>
+                <a:spcPct val="0"/>
+              </a:spcBef>
+              <a:buNone/>
+              <a:defRPr sz="4400" kern="1200">
+                <a:solidFill>
+                  <a:schemeClr val="tx1"/>
+                </a:solidFill>
+                <a:latin typeface="+mj-lt"/>
+                <a:ea typeface="+mj-ea"/>
+                <a:cs typeface="+mj-cs"/>
+              </a:defRPr>
+            </a:lvl1pPr>
+          </a:lstStyle>
+          <a:p>
+            <a:r>
+              <a:rPr lang="en-US" dirty="0"/>
+              <a:t>2022 Season edits</a:t>
+            </a:r>
+          </a:p>
+        </p:txBody>
+      </p:sp>
+      <p:sp>
+        <p:nvSpPr>
+          <p:cNvPr id="4" name="TextBox 3">
+            <a:extLst>
+              <a:ext uri="{FF2B5EF4-FFF2-40B4-BE49-F238E27FC236}">
+                <a16:creationId xmlns:a16="http://schemas.microsoft.com/office/drawing/2014/main" id="{759E8273-F794-8DF8-9E97-207803891B7D}"/>
+              </a:ext>
+            </a:extLst>
+          </p:cNvPr>
+          <p:cNvSpPr txBox="1"/>
+          <p:nvPr/>
+        </p:nvSpPr>
+        <p:spPr>
+          <a:xfrm>
+            <a:off x="177626" y="5268581"/>
+            <a:ext cx="1293784" cy="461665"/>
+          </a:xfrm>
+          <a:prstGeom prst="rect">
+            <a:avLst/>
+          </a:prstGeom>
+          <a:noFill/>
+        </p:spPr>
+        <p:txBody>
+          <a:bodyPr wrap="square" rtlCol="0">
+            <a:spAutoFit/>
+          </a:bodyPr>
+          <a:lstStyle/>
+          <a:p>
+            <a:pPr algn="ctr"/>
+            <a:r>
+              <a:rPr lang="en-US" sz="800" i="1" dirty="0">
+                <a:latin typeface="Arial" panose="020B0604020202020204" pitchFamily="34" charset="0"/>
+                <a:cs typeface="Arial" panose="020B0604020202020204" pitchFamily="34" charset="0"/>
+              </a:rPr>
+              <a:t>The 2 losers from the Wildcard Matchups drop into the Losers Bracket</a:t>
+            </a:r>
+          </a:p>
+        </p:txBody>
+      </p:sp>
+    </p:spTree>
+    <p:extLst>
+      <p:ext uri="{BB962C8B-B14F-4D97-AF65-F5344CB8AC3E}">
+        <p14:creationId xmlns:p14="http://schemas.microsoft.com/office/powerpoint/2010/main" val="3548456886"/>
+      </p:ext>
+    </p:extLst>
+  </p:cSld>
+  <p:clrMapOvr>
+    <a:masterClrMapping/>
+  </p:clrMapOvr>
+</p:sld>
+</file>
+
+<file path=ppt/slides/slide5.xml><?xml version="1.0" encoding="utf-8"?>
+<p:sld xmlns:a="http://schemas.openxmlformats.org/drawingml/2006/main" xmlns:r="http://schemas.openxmlformats.org/officeDocument/2006/relationships" xmlns:p="http://schemas.openxmlformats.org/presentationml/2006/main">
+  <p:cSld>
+    <p:spTree>
+      <p:nvGrpSpPr>
+        <p:cNvPr id="1" name=""/>
+        <p:cNvGrpSpPr/>
+        <p:nvPr/>
+      </p:nvGrpSpPr>
+      <p:grpSpPr>
+        <a:xfrm>
+          <a:off x="0" y="0"/>
+          <a:ext cx="0" cy="0"/>
+          <a:chOff x="0" y="0"/>
+          <a:chExt cx="0" cy="0"/>
+        </a:xfrm>
+      </p:grpSpPr>
+      <p:sp>
+        <p:nvSpPr>
+          <p:cNvPr id="2" name="Title 1">
+            <a:extLst>
+              <a:ext uri="{FF2B5EF4-FFF2-40B4-BE49-F238E27FC236}">
+                <a16:creationId xmlns:a16="http://schemas.microsoft.com/office/drawing/2014/main" id="{00357572-5695-48C8-B945-8FCDB45C8A2A}"/>
+              </a:ext>
+            </a:extLst>
+          </p:cNvPr>
+          <p:cNvSpPr>
+            <a:spLocks noGrp="1"/>
+          </p:cNvSpPr>
+          <p:nvPr>
+            <p:ph type="title"/>
+          </p:nvPr>
+        </p:nvSpPr>
+        <p:spPr/>
+        <p:txBody>
+          <a:bodyPr/>
+          <a:lstStyle/>
+          <a:p>
+            <a:r>
+              <a:rPr lang="en-US" dirty="0"/>
+              <a:t>2022 Season edits</a:t>
+            </a:r>
+          </a:p>
+        </p:txBody>
+      </p:sp>
+      <p:sp>
+        <p:nvSpPr>
+          <p:cNvPr id="3" name="Content Placeholder 2">
+            <a:extLst>
+              <a:ext uri="{FF2B5EF4-FFF2-40B4-BE49-F238E27FC236}">
+                <a16:creationId xmlns:a16="http://schemas.microsoft.com/office/drawing/2014/main" id="{4DB8E8E2-3E64-421F-95D6-7F938366F248}"/>
+              </a:ext>
+            </a:extLst>
+          </p:cNvPr>
+          <p:cNvSpPr>
+            <a:spLocks noGrp="1"/>
+          </p:cNvSpPr>
+          <p:nvPr>
+            <p:ph idx="1"/>
+          </p:nvPr>
+        </p:nvSpPr>
+        <p:spPr/>
+        <p:txBody>
+          <a:bodyPr/>
+          <a:lstStyle/>
+          <a:p>
+            <a:r>
+              <a:rPr lang="en-US" dirty="0"/>
+              <a:t>Separate winners and losers bracket</a:t>
+            </a:r>
+          </a:p>
+          <a:p>
+            <a:pPr marL="0" indent="0">
+              <a:buNone/>
+            </a:pPr>
+            <a:endParaRPr lang="en-US" dirty="0"/>
+          </a:p>
+        </p:txBody>
+      </p:sp>
+    </p:spTree>
+    <p:extLst>
+      <p:ext uri="{BB962C8B-B14F-4D97-AF65-F5344CB8AC3E}">
+        <p14:creationId xmlns:p14="http://schemas.microsoft.com/office/powerpoint/2010/main" val="2634666794"/>
+      </p:ext>
+    </p:extLst>
+  </p:cSld>
+  <p:clrMapOvr>
+    <a:masterClrMapping/>
+  </p:clrMapOvr>
+</p:sld>
+</file>
+
+<file path=ppt/slides/slide6.xml><?xml version="1.0" encoding="utf-8"?>
+<p:sld xmlns:a="http://schemas.openxmlformats.org/drawingml/2006/main" xmlns:r="http://schemas.openxmlformats.org/officeDocument/2006/relationships" xmlns:p="http://schemas.openxmlformats.org/presentationml/2006/main">
+  <p:cSld>
+    <p:spTree>
+      <p:nvGrpSpPr>
+        <p:cNvPr id="1" name=""/>
+        <p:cNvGrpSpPr/>
+        <p:nvPr/>
+      </p:nvGrpSpPr>
+      <p:grpSpPr>
+        <a:xfrm>
+          <a:off x="0" y="0"/>
+          <a:ext cx="0" cy="0"/>
+          <a:chOff x="0" y="0"/>
+          <a:chExt cx="0" cy="0"/>
+        </a:xfrm>
+      </p:grpSpPr>
+      <p:sp>
+        <p:nvSpPr>
+          <p:cNvPr id="270" name="Rectangle 269">
+            <a:extLst>
+              <a:ext uri="{FF2B5EF4-FFF2-40B4-BE49-F238E27FC236}">
+                <a16:creationId xmlns:a16="http://schemas.microsoft.com/office/drawing/2014/main" id="{8E36A90C-3FC0-4915-8E97-36AAD00288C3}"/>
+              </a:ext>
+            </a:extLst>
+          </p:cNvPr>
+          <p:cNvSpPr/>
+          <p:nvPr/>
+        </p:nvSpPr>
+        <p:spPr>
+          <a:xfrm>
+            <a:off x="0" y="0"/>
+            <a:ext cx="6858000" cy="9160609"/>
+          </a:xfrm>
+          <a:prstGeom prst="rect">
+            <a:avLst/>
+          </a:prstGeom>
+          <a:solidFill>
+            <a:schemeClr val="bg1"/>
+          </a:solidFill>
+          <a:ln>
+            <a:noFill/>
+          </a:ln>
+        </p:spPr>
+        <p:style>
+          <a:lnRef idx="2">
+            <a:schemeClr val="accent1">
+              <a:shade val="50000"/>
+            </a:schemeClr>
+          </a:lnRef>
+          <a:fillRef idx="1">
+            <a:schemeClr val="accent1"/>
+          </a:fillRef>
+          <a:effectRef idx="0">
+            <a:schemeClr val="accent1"/>
+          </a:effectRef>
+          <a:fontRef idx="minor">
+            <a:schemeClr val="lt1"/>
+          </a:fontRef>
+        </p:style>
+        <p:txBody>
+          <a:bodyPr rtlCol="0" anchor="ctr"/>
+          <a:lstStyle/>
+          <a:p>
+            <a:pPr algn="ctr"/>
+            <a:endParaRPr lang="en-US"/>
+          </a:p>
+        </p:txBody>
+      </p:sp>
+      <p:sp>
+        <p:nvSpPr>
+          <p:cNvPr id="2" name="Title 1"/>
+          <p:cNvSpPr>
+            <a:spLocks noGrp="1"/>
+          </p:cNvSpPr>
+          <p:nvPr>
+            <p:ph type="title"/>
+          </p:nvPr>
+        </p:nvSpPr>
+        <p:spPr>
+          <a:xfrm>
+            <a:off x="342900" y="76200"/>
+            <a:ext cx="6172200" cy="762000"/>
+          </a:xfrm>
+        </p:spPr>
+        <p:txBody>
+          <a:bodyPr/>
+          <a:lstStyle/>
+          <a:p>
+            <a:r>
+              <a:rPr lang="en-US" dirty="0"/>
+              <a:t>TSU Playoffs</a:t>
+            </a:r>
+          </a:p>
+        </p:txBody>
+      </p:sp>
+      <p:cxnSp>
+        <p:nvCxnSpPr>
+          <p:cNvPr id="74" name="Straight Connector 73"/>
+          <p:cNvCxnSpPr/>
+          <p:nvPr/>
+        </p:nvCxnSpPr>
+        <p:spPr>
+          <a:xfrm>
+            <a:off x="1676400" y="1219200"/>
+            <a:ext cx="0" cy="7239000"/>
+          </a:xfrm>
+          <a:prstGeom prst="line">
+            <a:avLst/>
+          </a:prstGeom>
+          <a:ln>
+            <a:solidFill>
+              <a:schemeClr val="bg1">
+                <a:lumMod val="50000"/>
+              </a:schemeClr>
+            </a:solidFill>
+          </a:ln>
+        </p:spPr>
+        <p:style>
+          <a:lnRef idx="1">
+            <a:schemeClr val="accent1"/>
+          </a:lnRef>
+          <a:fillRef idx="0">
+            <a:schemeClr val="accent1"/>
+          </a:fillRef>
+          <a:effectRef idx="0">
+            <a:schemeClr val="accent1"/>
+          </a:effectRef>
+          <a:fontRef idx="minor">
+            <a:schemeClr val="tx1"/>
+          </a:fontRef>
+        </p:style>
+      </p:cxnSp>
+      <p:cxnSp>
+        <p:nvCxnSpPr>
+          <p:cNvPr id="76" name="Straight Connector 75"/>
+          <p:cNvCxnSpPr/>
+          <p:nvPr/>
+        </p:nvCxnSpPr>
+        <p:spPr>
+          <a:xfrm>
+            <a:off x="3352800" y="1219200"/>
+            <a:ext cx="0" cy="7239000"/>
+          </a:xfrm>
+          <a:prstGeom prst="line">
+            <a:avLst/>
+          </a:prstGeom>
+          <a:ln>
+            <a:solidFill>
+              <a:schemeClr val="bg1">
+                <a:lumMod val="50000"/>
+              </a:schemeClr>
+            </a:solidFill>
+          </a:ln>
+        </p:spPr>
+        <p:style>
+          <a:lnRef idx="1">
+            <a:schemeClr val="accent1"/>
+          </a:lnRef>
+          <a:fillRef idx="0">
+            <a:schemeClr val="accent1"/>
+          </a:fillRef>
+          <a:effectRef idx="0">
+            <a:schemeClr val="accent1"/>
+          </a:effectRef>
+          <a:fontRef idx="minor">
+            <a:schemeClr val="tx1"/>
+          </a:fontRef>
+        </p:style>
+      </p:cxnSp>
+      <p:cxnSp>
+        <p:nvCxnSpPr>
+          <p:cNvPr id="77" name="Straight Connector 76"/>
+          <p:cNvCxnSpPr/>
+          <p:nvPr/>
+        </p:nvCxnSpPr>
+        <p:spPr>
+          <a:xfrm>
+            <a:off x="5600700" y="1219200"/>
+            <a:ext cx="0" cy="7239000"/>
+          </a:xfrm>
+          <a:prstGeom prst="line">
+            <a:avLst/>
+          </a:prstGeom>
+          <a:ln>
+            <a:solidFill>
+              <a:schemeClr val="bg1">
+                <a:lumMod val="50000"/>
+              </a:schemeClr>
+            </a:solidFill>
+          </a:ln>
+        </p:spPr>
+        <p:style>
+          <a:lnRef idx="1">
+            <a:schemeClr val="accent1"/>
+          </a:lnRef>
+          <a:fillRef idx="0">
+            <a:schemeClr val="accent1"/>
+          </a:fillRef>
+          <a:effectRef idx="0">
+            <a:schemeClr val="accent1"/>
+          </a:effectRef>
+          <a:fontRef idx="minor">
+            <a:schemeClr val="tx1"/>
+          </a:fontRef>
+        </p:style>
+      </p:cxnSp>
+      <p:cxnSp>
+        <p:nvCxnSpPr>
+          <p:cNvPr id="83" name="Straight Connector 82"/>
+          <p:cNvCxnSpPr/>
+          <p:nvPr/>
+        </p:nvCxnSpPr>
+        <p:spPr>
+          <a:xfrm>
+            <a:off x="0" y="5867400"/>
+            <a:ext cx="5600700" cy="0"/>
+          </a:xfrm>
+          <a:prstGeom prst="line">
+            <a:avLst/>
+          </a:prstGeom>
+          <a:ln w="19050">
+            <a:solidFill>
+              <a:srgbClr val="FF0000"/>
+            </a:solidFill>
+          </a:ln>
+        </p:spPr>
+        <p:style>
+          <a:lnRef idx="1">
+            <a:schemeClr val="accent1"/>
+          </a:lnRef>
+          <a:fillRef idx="0">
+            <a:schemeClr val="accent1"/>
+          </a:fillRef>
+          <a:effectRef idx="0">
+            <a:schemeClr val="accent1"/>
+          </a:effectRef>
+          <a:fontRef idx="minor">
+            <a:schemeClr val="tx1"/>
+          </a:fontRef>
+        </p:style>
+      </p:cxnSp>
+      <p:sp>
+        <p:nvSpPr>
+          <p:cNvPr id="85" name="TextBox 84"/>
+          <p:cNvSpPr txBox="1"/>
+          <p:nvPr/>
+        </p:nvSpPr>
+        <p:spPr>
+          <a:xfrm>
+            <a:off x="0" y="858947"/>
+            <a:ext cx="1676400" cy="338554"/>
+          </a:xfrm>
+          <a:prstGeom prst="rect">
+            <a:avLst/>
+          </a:prstGeom>
+          <a:noFill/>
+        </p:spPr>
+        <p:txBody>
+          <a:bodyPr wrap="square" rtlCol="0">
+            <a:spAutoFit/>
+          </a:bodyPr>
+          <a:lstStyle/>
+          <a:p>
+            <a:pPr algn="ctr"/>
+            <a:r>
+              <a:rPr lang="en-US" sz="1600" dirty="0">
+                <a:latin typeface="Arial" panose="020B0604020202020204" pitchFamily="34" charset="0"/>
+                <a:cs typeface="Arial" panose="020B0604020202020204" pitchFamily="34" charset="0"/>
+              </a:rPr>
+              <a:t>Week 14</a:t>
+            </a:r>
+          </a:p>
+        </p:txBody>
+      </p:sp>
+      <p:sp>
+        <p:nvSpPr>
+          <p:cNvPr id="86" name="TextBox 85"/>
+          <p:cNvSpPr txBox="1"/>
+          <p:nvPr/>
+        </p:nvSpPr>
+        <p:spPr>
+          <a:xfrm>
+            <a:off x="1676400" y="858947"/>
+            <a:ext cx="1676400" cy="338554"/>
+          </a:xfrm>
+          <a:prstGeom prst="rect">
+            <a:avLst/>
+          </a:prstGeom>
+          <a:noFill/>
+        </p:spPr>
+        <p:txBody>
+          <a:bodyPr wrap="square" rtlCol="0">
+            <a:spAutoFit/>
+          </a:bodyPr>
+          <a:lstStyle/>
+          <a:p>
+            <a:pPr algn="ctr"/>
+            <a:r>
+              <a:rPr lang="en-US" sz="1600" dirty="0">
+                <a:latin typeface="Arial" panose="020B0604020202020204" pitchFamily="34" charset="0"/>
+                <a:cs typeface="Arial" panose="020B0604020202020204" pitchFamily="34" charset="0"/>
+              </a:rPr>
+              <a:t>Week 15</a:t>
+            </a:r>
+          </a:p>
+        </p:txBody>
+      </p:sp>
+      <p:sp>
+        <p:nvSpPr>
+          <p:cNvPr id="87" name="TextBox 86"/>
+          <p:cNvSpPr txBox="1"/>
+          <p:nvPr/>
+        </p:nvSpPr>
+        <p:spPr>
+          <a:xfrm>
+            <a:off x="3352800" y="858947"/>
+            <a:ext cx="2438400" cy="338554"/>
+          </a:xfrm>
+          <a:prstGeom prst="rect">
+            <a:avLst/>
+          </a:prstGeom>
+          <a:noFill/>
+        </p:spPr>
+        <p:txBody>
+          <a:bodyPr wrap="square" rtlCol="0">
+            <a:spAutoFit/>
+          </a:bodyPr>
+          <a:lstStyle/>
+          <a:p>
+            <a:pPr algn="ctr"/>
+            <a:r>
+              <a:rPr lang="en-US" sz="1600" dirty="0">
+                <a:latin typeface="Arial" panose="020B0604020202020204" pitchFamily="34" charset="0"/>
+                <a:cs typeface="Arial" panose="020B0604020202020204" pitchFamily="34" charset="0"/>
+              </a:rPr>
+              <a:t>Weeks 16 &amp; 17</a:t>
+            </a:r>
+          </a:p>
+        </p:txBody>
+      </p:sp>
+      <p:sp>
+        <p:nvSpPr>
+          <p:cNvPr id="88" name="TextBox 87"/>
+          <p:cNvSpPr txBox="1"/>
+          <p:nvPr/>
+        </p:nvSpPr>
+        <p:spPr>
+          <a:xfrm>
+            <a:off x="5791200" y="858947"/>
+            <a:ext cx="1066800" cy="338554"/>
+          </a:xfrm>
+          <a:prstGeom prst="rect">
+            <a:avLst/>
+          </a:prstGeom>
+          <a:noFill/>
+        </p:spPr>
+        <p:txBody>
+          <a:bodyPr wrap="square" rtlCol="0">
+            <a:spAutoFit/>
+          </a:bodyPr>
+          <a:lstStyle/>
+          <a:p>
+            <a:pPr algn="ctr"/>
+            <a:r>
+              <a:rPr lang="en-US" sz="1600" dirty="0">
+                <a:latin typeface="Arial" panose="020B0604020202020204" pitchFamily="34" charset="0"/>
+                <a:cs typeface="Arial" panose="020B0604020202020204" pitchFamily="34" charset="0"/>
+              </a:rPr>
+              <a:t>Week 18</a:t>
+            </a:r>
+          </a:p>
+        </p:txBody>
+      </p:sp>
+      <p:grpSp>
+        <p:nvGrpSpPr>
+          <p:cNvPr id="109" name="Group 108"/>
+          <p:cNvGrpSpPr/>
+          <p:nvPr/>
+        </p:nvGrpSpPr>
+        <p:grpSpPr>
+          <a:xfrm>
+            <a:off x="419100" y="1676400"/>
+            <a:ext cx="609600" cy="688777"/>
+            <a:chOff x="76200" y="1292423"/>
+            <a:chExt cx="609600" cy="688777"/>
+          </a:xfrm>
+        </p:grpSpPr>
+        <p:cxnSp>
+          <p:nvCxnSpPr>
+            <p:cNvPr id="92" name="Straight Connector 91"/>
+            <p:cNvCxnSpPr/>
+            <p:nvPr/>
+          </p:nvCxnSpPr>
+          <p:spPr>
+            <a:xfrm>
+              <a:off x="76200" y="1600200"/>
+              <a:ext cx="609600" cy="0"/>
+            </a:xfrm>
+            <a:prstGeom prst="line">
+              <a:avLst/>
+            </a:prstGeom>
+            <a:ln w="19050">
+              <a:solidFill>
+                <a:schemeClr val="tx1"/>
+              </a:solidFill>
+            </a:ln>
+          </p:spPr>
+          <p:style>
+            <a:lnRef idx="1">
+              <a:schemeClr val="accent1"/>
+            </a:lnRef>
+            <a:fillRef idx="0">
+              <a:schemeClr val="accent1"/>
+            </a:fillRef>
+            <a:effectRef idx="0">
+              <a:schemeClr val="accent1"/>
+            </a:effectRef>
+            <a:fontRef idx="minor">
+              <a:schemeClr val="tx1"/>
+            </a:fontRef>
+          </p:style>
+        </p:cxnSp>
+        <p:cxnSp>
+          <p:nvCxnSpPr>
+            <p:cNvPr id="93" name="Straight Connector 92"/>
+            <p:cNvCxnSpPr/>
+            <p:nvPr/>
+          </p:nvCxnSpPr>
+          <p:spPr>
+            <a:xfrm>
+              <a:off x="76200" y="1981200"/>
+              <a:ext cx="609600" cy="0"/>
+            </a:xfrm>
+            <a:prstGeom prst="line">
+              <a:avLst/>
+            </a:prstGeom>
+            <a:ln w="19050">
+              <a:solidFill>
+                <a:schemeClr val="tx1"/>
+              </a:solidFill>
+            </a:ln>
+          </p:spPr>
+          <p:style>
+            <a:lnRef idx="1">
+              <a:schemeClr val="accent1"/>
+            </a:lnRef>
+            <a:fillRef idx="0">
+              <a:schemeClr val="accent1"/>
+            </a:fillRef>
+            <a:effectRef idx="0">
+              <a:schemeClr val="accent1"/>
+            </a:effectRef>
+            <a:fontRef idx="minor">
+              <a:schemeClr val="tx1"/>
+            </a:fontRef>
+          </p:style>
+        </p:cxnSp>
+        <p:sp>
+          <p:nvSpPr>
+            <p:cNvPr id="94" name="TextBox 93"/>
+            <p:cNvSpPr txBox="1"/>
+            <p:nvPr/>
+          </p:nvSpPr>
+          <p:spPr>
+            <a:xfrm>
+              <a:off x="76200" y="1292423"/>
+              <a:ext cx="571500" cy="307777"/>
+            </a:xfrm>
+            <a:prstGeom prst="rect">
+              <a:avLst/>
+            </a:prstGeom>
+            <a:noFill/>
+          </p:spPr>
+          <p:txBody>
+            <a:bodyPr wrap="square" rtlCol="0">
+              <a:spAutoFit/>
+            </a:bodyPr>
+            <a:lstStyle/>
+            <a:p>
+              <a:pPr algn="ctr"/>
+              <a:r>
+                <a:rPr lang="en-US" sz="1400" dirty="0">
+                  <a:latin typeface="Arial" panose="020B0604020202020204" pitchFamily="34" charset="0"/>
+                  <a:cs typeface="Arial" panose="020B0604020202020204" pitchFamily="34" charset="0"/>
+                </a:rPr>
+                <a:t>1</a:t>
+              </a:r>
+            </a:p>
+          </p:txBody>
+        </p:sp>
+        <p:sp>
+          <p:nvSpPr>
+            <p:cNvPr id="95" name="TextBox 94"/>
+            <p:cNvSpPr txBox="1"/>
+            <p:nvPr/>
+          </p:nvSpPr>
+          <p:spPr>
+            <a:xfrm>
+              <a:off x="76200" y="1673423"/>
+              <a:ext cx="571500" cy="307777"/>
+            </a:xfrm>
+            <a:prstGeom prst="rect">
+              <a:avLst/>
+            </a:prstGeom>
+            <a:noFill/>
+          </p:spPr>
+          <p:txBody>
+            <a:bodyPr wrap="square" rtlCol="0">
+              <a:spAutoFit/>
+            </a:bodyPr>
+            <a:lstStyle/>
+            <a:p>
+              <a:pPr algn="ctr"/>
+              <a:r>
+                <a:rPr lang="en-US" sz="1400" dirty="0">
+                  <a:latin typeface="Arial" panose="020B0604020202020204" pitchFamily="34" charset="0"/>
+                  <a:cs typeface="Arial" panose="020B0604020202020204" pitchFamily="34" charset="0"/>
+                </a:rPr>
+                <a:t>2</a:t>
+              </a:r>
+            </a:p>
+          </p:txBody>
+        </p:sp>
+        <p:cxnSp>
+          <p:nvCxnSpPr>
+            <p:cNvPr id="96" name="Straight Connector 95"/>
+            <p:cNvCxnSpPr/>
+            <p:nvPr/>
+          </p:nvCxnSpPr>
+          <p:spPr>
+            <a:xfrm flipV="1">
+              <a:off x="685800" y="1600200"/>
+              <a:ext cx="0" cy="381000"/>
+            </a:xfrm>
+            <a:prstGeom prst="line">
+              <a:avLst/>
+            </a:prstGeom>
+            <a:ln w="19050">
+              <a:solidFill>
+                <a:schemeClr val="tx1"/>
+              </a:solidFill>
+            </a:ln>
+          </p:spPr>
+          <p:style>
+            <a:lnRef idx="1">
+              <a:schemeClr val="accent1"/>
+            </a:lnRef>
+            <a:fillRef idx="0">
+              <a:schemeClr val="accent1"/>
+            </a:fillRef>
+            <a:effectRef idx="0">
+              <a:schemeClr val="accent1"/>
+            </a:effectRef>
+            <a:fontRef idx="minor">
+              <a:schemeClr val="tx1"/>
+            </a:fontRef>
+          </p:style>
+        </p:cxnSp>
+      </p:grpSp>
+      <p:grpSp>
+        <p:nvGrpSpPr>
+          <p:cNvPr id="110" name="Group 109"/>
+          <p:cNvGrpSpPr/>
+          <p:nvPr/>
+        </p:nvGrpSpPr>
+        <p:grpSpPr>
+          <a:xfrm>
+            <a:off x="419100" y="3048000"/>
+            <a:ext cx="609600" cy="688777"/>
+            <a:chOff x="114300" y="2438400"/>
+            <a:chExt cx="609600" cy="688777"/>
+          </a:xfrm>
+        </p:grpSpPr>
+        <p:cxnSp>
+          <p:nvCxnSpPr>
+            <p:cNvPr id="99" name="Straight Connector 98"/>
+            <p:cNvCxnSpPr/>
+            <p:nvPr/>
+          </p:nvCxnSpPr>
+          <p:spPr>
+            <a:xfrm>
+              <a:off x="114300" y="2746177"/>
+              <a:ext cx="609600" cy="0"/>
+            </a:xfrm>
+            <a:prstGeom prst="line">
+              <a:avLst/>
+            </a:prstGeom>
+            <a:ln w="19050">
+              <a:solidFill>
+                <a:schemeClr val="tx1"/>
+              </a:solidFill>
+            </a:ln>
+          </p:spPr>
+          <p:style>
+            <a:lnRef idx="1">
+              <a:schemeClr val="accent1"/>
+            </a:lnRef>
+            <a:fillRef idx="0">
+              <a:schemeClr val="accent1"/>
+            </a:fillRef>
+            <a:effectRef idx="0">
+              <a:schemeClr val="accent1"/>
+            </a:effectRef>
+            <a:fontRef idx="minor">
+              <a:schemeClr val="tx1"/>
+            </a:fontRef>
+          </p:style>
+        </p:cxnSp>
+        <p:cxnSp>
+          <p:nvCxnSpPr>
+            <p:cNvPr id="100" name="Straight Connector 99"/>
+            <p:cNvCxnSpPr/>
+            <p:nvPr/>
+          </p:nvCxnSpPr>
+          <p:spPr>
+            <a:xfrm>
+              <a:off x="114300" y="3127177"/>
+              <a:ext cx="609600" cy="0"/>
+            </a:xfrm>
+            <a:prstGeom prst="line">
+              <a:avLst/>
+            </a:prstGeom>
+            <a:ln w="19050">
+              <a:solidFill>
+                <a:schemeClr val="tx1"/>
+              </a:solidFill>
+            </a:ln>
+          </p:spPr>
+          <p:style>
+            <a:lnRef idx="1">
+              <a:schemeClr val="accent1"/>
+            </a:lnRef>
+            <a:fillRef idx="0">
+              <a:schemeClr val="accent1"/>
+            </a:fillRef>
+            <a:effectRef idx="0">
+              <a:schemeClr val="accent1"/>
+            </a:effectRef>
+            <a:fontRef idx="minor">
+              <a:schemeClr val="tx1"/>
+            </a:fontRef>
+          </p:style>
+        </p:cxnSp>
+        <p:sp>
+          <p:nvSpPr>
+            <p:cNvPr id="101" name="TextBox 100"/>
+            <p:cNvSpPr txBox="1"/>
+            <p:nvPr/>
+          </p:nvSpPr>
+          <p:spPr>
+            <a:xfrm>
+              <a:off x="114300" y="2438400"/>
+              <a:ext cx="571500" cy="307777"/>
+            </a:xfrm>
+            <a:prstGeom prst="rect">
+              <a:avLst/>
+            </a:prstGeom>
+            <a:noFill/>
+          </p:spPr>
+          <p:txBody>
+            <a:bodyPr wrap="square" rtlCol="0">
+              <a:spAutoFit/>
+            </a:bodyPr>
+            <a:lstStyle/>
+            <a:p>
+              <a:pPr algn="ctr"/>
+              <a:r>
+                <a:rPr lang="en-US" sz="1400" dirty="0">
+                  <a:latin typeface="Arial" panose="020B0604020202020204" pitchFamily="34" charset="0"/>
+                  <a:cs typeface="Arial" panose="020B0604020202020204" pitchFamily="34" charset="0"/>
+                </a:rPr>
+                <a:t>3</a:t>
+              </a:r>
+            </a:p>
+          </p:txBody>
+        </p:sp>
+        <p:sp>
+          <p:nvSpPr>
+            <p:cNvPr id="102" name="TextBox 101"/>
+            <p:cNvSpPr txBox="1"/>
+            <p:nvPr/>
+          </p:nvSpPr>
+          <p:spPr>
+            <a:xfrm>
+              <a:off x="114300" y="2819400"/>
+              <a:ext cx="571500" cy="307777"/>
+            </a:xfrm>
+            <a:prstGeom prst="rect">
+              <a:avLst/>
+            </a:prstGeom>
+            <a:noFill/>
+          </p:spPr>
+          <p:txBody>
+            <a:bodyPr wrap="square" rtlCol="0">
+              <a:spAutoFit/>
+            </a:bodyPr>
+            <a:lstStyle/>
+            <a:p>
+              <a:pPr algn="ctr"/>
+              <a:r>
+                <a:rPr lang="en-US" sz="1400" dirty="0">
+                  <a:latin typeface="Arial" panose="020B0604020202020204" pitchFamily="34" charset="0"/>
+                  <a:cs typeface="Arial" panose="020B0604020202020204" pitchFamily="34" charset="0"/>
+                </a:rPr>
+                <a:t>6</a:t>
+              </a:r>
+            </a:p>
+          </p:txBody>
+        </p:sp>
+        <p:cxnSp>
+          <p:nvCxnSpPr>
+            <p:cNvPr id="103" name="Straight Connector 102"/>
+            <p:cNvCxnSpPr/>
+            <p:nvPr/>
+          </p:nvCxnSpPr>
+          <p:spPr>
+            <a:xfrm flipV="1">
+              <a:off x="723900" y="2746177"/>
+              <a:ext cx="0" cy="381000"/>
+            </a:xfrm>
+            <a:prstGeom prst="line">
+              <a:avLst/>
+            </a:prstGeom>
+            <a:ln w="19050">
+              <a:solidFill>
+                <a:schemeClr val="tx1"/>
+              </a:solidFill>
+            </a:ln>
+          </p:spPr>
+          <p:style>
+            <a:lnRef idx="1">
+              <a:schemeClr val="accent1"/>
+            </a:lnRef>
+            <a:fillRef idx="0">
+              <a:schemeClr val="accent1"/>
+            </a:fillRef>
+            <a:effectRef idx="0">
+              <a:schemeClr val="accent1"/>
+            </a:effectRef>
+            <a:fontRef idx="minor">
+              <a:schemeClr val="tx1"/>
+            </a:fontRef>
+          </p:style>
+        </p:cxnSp>
+      </p:grpSp>
+      <p:grpSp>
+        <p:nvGrpSpPr>
+          <p:cNvPr id="111" name="Group 110"/>
+          <p:cNvGrpSpPr/>
+          <p:nvPr/>
+        </p:nvGrpSpPr>
+        <p:grpSpPr>
+          <a:xfrm>
+            <a:off x="419100" y="4232076"/>
+            <a:ext cx="609600" cy="688777"/>
+            <a:chOff x="152400" y="3429000"/>
+            <a:chExt cx="609600" cy="688777"/>
+          </a:xfrm>
+        </p:grpSpPr>
+        <p:cxnSp>
+          <p:nvCxnSpPr>
+            <p:cNvPr id="104" name="Straight Connector 103"/>
+            <p:cNvCxnSpPr/>
+            <p:nvPr/>
+          </p:nvCxnSpPr>
+          <p:spPr>
+            <a:xfrm>
+              <a:off x="152400" y="3736777"/>
+              <a:ext cx="609600" cy="0"/>
+            </a:xfrm>
+            <a:prstGeom prst="line">
+              <a:avLst/>
+            </a:prstGeom>
+            <a:ln w="19050">
+              <a:solidFill>
+                <a:schemeClr val="tx1"/>
+              </a:solidFill>
+            </a:ln>
+          </p:spPr>
+          <p:style>
+            <a:lnRef idx="1">
+              <a:schemeClr val="accent1"/>
+            </a:lnRef>
+            <a:fillRef idx="0">
+              <a:schemeClr val="accent1"/>
+            </a:fillRef>
+            <a:effectRef idx="0">
+              <a:schemeClr val="accent1"/>
+            </a:effectRef>
+            <a:fontRef idx="minor">
+              <a:schemeClr val="tx1"/>
+            </a:fontRef>
+          </p:style>
+        </p:cxnSp>
+        <p:cxnSp>
+          <p:nvCxnSpPr>
+            <p:cNvPr id="105" name="Straight Connector 104"/>
+            <p:cNvCxnSpPr/>
+            <p:nvPr/>
+          </p:nvCxnSpPr>
+          <p:spPr>
+            <a:xfrm>
+              <a:off x="152400" y="4117777"/>
+              <a:ext cx="609600" cy="0"/>
+            </a:xfrm>
+            <a:prstGeom prst="line">
+              <a:avLst/>
+            </a:prstGeom>
+            <a:ln w="19050">
+              <a:solidFill>
+                <a:schemeClr val="tx1"/>
+              </a:solidFill>
+            </a:ln>
+          </p:spPr>
+          <p:style>
+            <a:lnRef idx="1">
+              <a:schemeClr val="accent1"/>
+            </a:lnRef>
+            <a:fillRef idx="0">
+              <a:schemeClr val="accent1"/>
+            </a:fillRef>
+            <a:effectRef idx="0">
+              <a:schemeClr val="accent1"/>
+            </a:effectRef>
+            <a:fontRef idx="minor">
+              <a:schemeClr val="tx1"/>
+            </a:fontRef>
+          </p:style>
+        </p:cxnSp>
+        <p:sp>
+          <p:nvSpPr>
+            <p:cNvPr id="106" name="TextBox 105"/>
+            <p:cNvSpPr txBox="1"/>
+            <p:nvPr/>
+          </p:nvSpPr>
+          <p:spPr>
+            <a:xfrm>
+              <a:off x="152400" y="3429000"/>
+              <a:ext cx="571500" cy="307777"/>
+            </a:xfrm>
+            <a:prstGeom prst="rect">
+              <a:avLst/>
+            </a:prstGeom>
+            <a:noFill/>
+          </p:spPr>
+          <p:txBody>
+            <a:bodyPr wrap="square" rtlCol="0">
+              <a:spAutoFit/>
+            </a:bodyPr>
+            <a:lstStyle/>
+            <a:p>
+              <a:pPr algn="ctr"/>
+              <a:r>
+                <a:rPr lang="en-US" sz="1400" dirty="0">
+                  <a:latin typeface="Arial" panose="020B0604020202020204" pitchFamily="34" charset="0"/>
+                  <a:cs typeface="Arial" panose="020B0604020202020204" pitchFamily="34" charset="0"/>
+                </a:rPr>
+                <a:t>4</a:t>
+              </a:r>
+            </a:p>
+          </p:txBody>
+        </p:sp>
+        <p:sp>
+          <p:nvSpPr>
+            <p:cNvPr id="107" name="TextBox 106"/>
+            <p:cNvSpPr txBox="1"/>
+            <p:nvPr/>
+          </p:nvSpPr>
+          <p:spPr>
+            <a:xfrm>
+              <a:off x="152400" y="3810000"/>
+              <a:ext cx="571500" cy="307777"/>
+            </a:xfrm>
+            <a:prstGeom prst="rect">
+              <a:avLst/>
+            </a:prstGeom>
+            <a:noFill/>
+          </p:spPr>
+          <p:txBody>
+            <a:bodyPr wrap="square" rtlCol="0">
+              <a:spAutoFit/>
+            </a:bodyPr>
+            <a:lstStyle/>
+            <a:p>
+              <a:pPr algn="ctr"/>
+              <a:r>
+                <a:rPr lang="en-US" sz="1400" dirty="0">
+                  <a:latin typeface="Arial" panose="020B0604020202020204" pitchFamily="34" charset="0"/>
+                  <a:cs typeface="Arial" panose="020B0604020202020204" pitchFamily="34" charset="0"/>
+                </a:rPr>
+                <a:t>5</a:t>
+              </a:r>
+            </a:p>
+          </p:txBody>
+        </p:sp>
+        <p:cxnSp>
+          <p:nvCxnSpPr>
+            <p:cNvPr id="108" name="Straight Connector 107"/>
+            <p:cNvCxnSpPr/>
+            <p:nvPr/>
+          </p:nvCxnSpPr>
+          <p:spPr>
+            <a:xfrm flipV="1">
+              <a:off x="762000" y="3736777"/>
+              <a:ext cx="0" cy="381000"/>
+            </a:xfrm>
+            <a:prstGeom prst="line">
+              <a:avLst/>
+            </a:prstGeom>
+            <a:ln w="19050">
+              <a:solidFill>
+                <a:schemeClr val="tx1"/>
+              </a:solidFill>
+            </a:ln>
+          </p:spPr>
+          <p:style>
+            <a:lnRef idx="1">
+              <a:schemeClr val="accent1"/>
+            </a:lnRef>
+            <a:fillRef idx="0">
+              <a:schemeClr val="accent1"/>
+            </a:fillRef>
+            <a:effectRef idx="0">
+              <a:schemeClr val="accent1"/>
+            </a:effectRef>
+            <a:fontRef idx="minor">
+              <a:schemeClr val="tx1"/>
+            </a:fontRef>
+          </p:style>
+        </p:cxnSp>
+      </p:grpSp>
+      <p:cxnSp>
+        <p:nvCxnSpPr>
+          <p:cNvPr id="134" name="Elbow Connector 133"/>
+          <p:cNvCxnSpPr>
+            <a:cxnSpLocks/>
+          </p:cNvCxnSpPr>
+          <p:nvPr/>
+        </p:nvCxnSpPr>
+        <p:spPr>
+          <a:xfrm rot="16200000" flipH="1">
+            <a:off x="92275" y="4435675"/>
+            <a:ext cx="2459190" cy="556664"/>
+          </a:xfrm>
+          <a:prstGeom prst="bentConnector3">
+            <a:avLst>
+              <a:gd name="adj1" fmla="val 88"/>
+            </a:avLst>
+          </a:prstGeom>
+          <a:ln w="12700">
+            <a:solidFill>
+              <a:schemeClr val="tx1"/>
+            </a:solidFill>
+            <a:prstDash val="dash"/>
+          </a:ln>
+        </p:spPr>
+        <p:style>
+          <a:lnRef idx="1">
+            <a:schemeClr val="accent1"/>
+          </a:lnRef>
+          <a:fillRef idx="0">
+            <a:schemeClr val="accent1"/>
+          </a:fillRef>
+          <a:effectRef idx="0">
+            <a:schemeClr val="accent1"/>
+          </a:effectRef>
+          <a:fontRef idx="minor">
+            <a:schemeClr val="tx1"/>
+          </a:fontRef>
+        </p:style>
+      </p:cxnSp>
+      <p:cxnSp>
+        <p:nvCxnSpPr>
+          <p:cNvPr id="137" name="Elbow Connector 136"/>
+          <p:cNvCxnSpPr/>
+          <p:nvPr/>
+        </p:nvCxnSpPr>
+        <p:spPr>
+          <a:xfrm rot="16200000" flipH="1">
+            <a:off x="674834" y="5094438"/>
+            <a:ext cx="1143006" cy="402929"/>
+          </a:xfrm>
+          <a:prstGeom prst="bentConnector3">
+            <a:avLst>
+              <a:gd name="adj1" fmla="val 0"/>
+            </a:avLst>
+          </a:prstGeom>
+          <a:ln w="12700">
+            <a:solidFill>
+              <a:schemeClr val="tx1"/>
+            </a:solidFill>
+            <a:prstDash val="dash"/>
+          </a:ln>
+        </p:spPr>
+        <p:style>
+          <a:lnRef idx="1">
+            <a:schemeClr val="accent1"/>
+          </a:lnRef>
+          <a:fillRef idx="0">
+            <a:schemeClr val="accent1"/>
+          </a:fillRef>
+          <a:effectRef idx="0">
+            <a:schemeClr val="accent1"/>
+          </a:effectRef>
+          <a:fontRef idx="minor">
+            <a:schemeClr val="tx1"/>
+          </a:fontRef>
+        </p:style>
+      </p:cxnSp>
+      <p:cxnSp>
+        <p:nvCxnSpPr>
+          <p:cNvPr id="144" name="Straight Connector 143"/>
+          <p:cNvCxnSpPr/>
+          <p:nvPr/>
+        </p:nvCxnSpPr>
+        <p:spPr>
+          <a:xfrm>
+            <a:off x="2355420" y="2929020"/>
+            <a:ext cx="609600" cy="0"/>
+          </a:xfrm>
+          <a:prstGeom prst="line">
+            <a:avLst/>
+          </a:prstGeom>
+          <a:ln w="19050">
+            <a:solidFill>
+              <a:schemeClr val="tx1"/>
+            </a:solidFill>
+          </a:ln>
+        </p:spPr>
+        <p:style>
+          <a:lnRef idx="1">
+            <a:schemeClr val="accent1"/>
+          </a:lnRef>
+          <a:fillRef idx="0">
+            <a:schemeClr val="accent1"/>
+          </a:fillRef>
+          <a:effectRef idx="0">
+            <a:schemeClr val="accent1"/>
+          </a:effectRef>
+          <a:fontRef idx="minor">
+            <a:schemeClr val="tx1"/>
+          </a:fontRef>
+        </p:style>
+      </p:cxnSp>
+      <p:cxnSp>
+        <p:nvCxnSpPr>
+          <p:cNvPr id="145" name="Straight Connector 144"/>
+          <p:cNvCxnSpPr/>
+          <p:nvPr/>
+        </p:nvCxnSpPr>
+        <p:spPr>
+          <a:xfrm flipV="1">
+            <a:off x="2965020" y="2929020"/>
+            <a:ext cx="0" cy="381000"/>
+          </a:xfrm>
+          <a:prstGeom prst="line">
+            <a:avLst/>
+          </a:prstGeom>
+          <a:ln w="19050">
+            <a:solidFill>
+              <a:schemeClr val="tx1"/>
+            </a:solidFill>
+          </a:ln>
+        </p:spPr>
+        <p:style>
+          <a:lnRef idx="1">
+            <a:schemeClr val="accent1"/>
+          </a:lnRef>
+          <a:fillRef idx="0">
+            <a:schemeClr val="accent1"/>
+          </a:fillRef>
+          <a:effectRef idx="0">
+            <a:schemeClr val="accent1"/>
+          </a:effectRef>
+          <a:fontRef idx="minor">
+            <a:schemeClr val="tx1"/>
+          </a:fontRef>
+        </p:style>
+      </p:cxnSp>
+      <p:cxnSp>
+        <p:nvCxnSpPr>
+          <p:cNvPr id="146" name="Straight Connector 145"/>
+          <p:cNvCxnSpPr/>
+          <p:nvPr/>
+        </p:nvCxnSpPr>
+        <p:spPr>
+          <a:xfrm>
+            <a:off x="2331106" y="4083759"/>
+            <a:ext cx="609600" cy="0"/>
+          </a:xfrm>
+          <a:prstGeom prst="line">
+            <a:avLst/>
+          </a:prstGeom>
+          <a:ln w="19050">
+            <a:solidFill>
+              <a:schemeClr val="tx1"/>
+            </a:solidFill>
+          </a:ln>
+        </p:spPr>
+        <p:style>
+          <a:lnRef idx="1">
+            <a:schemeClr val="accent1"/>
+          </a:lnRef>
+          <a:fillRef idx="0">
+            <a:schemeClr val="accent1"/>
+          </a:fillRef>
+          <a:effectRef idx="0">
+            <a:schemeClr val="accent1"/>
+          </a:effectRef>
+          <a:fontRef idx="minor">
+            <a:schemeClr val="tx1"/>
+          </a:fontRef>
+        </p:style>
+      </p:cxnSp>
+      <p:cxnSp>
+        <p:nvCxnSpPr>
+          <p:cNvPr id="147" name="Straight Connector 146"/>
+          <p:cNvCxnSpPr/>
+          <p:nvPr/>
+        </p:nvCxnSpPr>
+        <p:spPr>
+          <a:xfrm flipV="1">
+            <a:off x="2940706" y="4083759"/>
+            <a:ext cx="0" cy="381000"/>
+          </a:xfrm>
+          <a:prstGeom prst="line">
+            <a:avLst/>
+          </a:prstGeom>
+          <a:ln w="19050">
+            <a:solidFill>
+              <a:schemeClr val="tx1"/>
+            </a:solidFill>
+          </a:ln>
+        </p:spPr>
+        <p:style>
+          <a:lnRef idx="1">
+            <a:schemeClr val="accent1"/>
+          </a:lnRef>
+          <a:fillRef idx="0">
+            <a:schemeClr val="accent1"/>
+          </a:fillRef>
+          <a:effectRef idx="0">
+            <a:schemeClr val="accent1"/>
+          </a:effectRef>
+          <a:fontRef idx="minor">
+            <a:schemeClr val="tx1"/>
+          </a:fontRef>
+        </p:style>
+      </p:cxnSp>
+      <p:sp>
+        <p:nvSpPr>
+          <p:cNvPr id="148" name="TextBox 147"/>
+          <p:cNvSpPr txBox="1"/>
+          <p:nvPr/>
+        </p:nvSpPr>
+        <p:spPr>
+          <a:xfrm>
+            <a:off x="2117294" y="3053790"/>
+            <a:ext cx="870730" cy="276999"/>
+          </a:xfrm>
+          <a:prstGeom prst="rect">
+            <a:avLst/>
+          </a:prstGeom>
+          <a:noFill/>
+        </p:spPr>
+        <p:txBody>
+          <a:bodyPr wrap="square" rtlCol="0">
+            <a:spAutoFit/>
+          </a:bodyPr>
+          <a:lstStyle/>
+          <a:p>
+            <a:pPr algn="r"/>
+            <a:r>
+              <a:rPr lang="en-US" sz="1200" dirty="0">
+                <a:latin typeface="Arial" panose="020B0604020202020204" pitchFamily="34" charset="0"/>
+                <a:cs typeface="Arial" panose="020B0604020202020204" pitchFamily="34" charset="0"/>
+              </a:rPr>
+              <a:t>low seed</a:t>
+            </a:r>
+          </a:p>
+        </p:txBody>
+      </p:sp>
+      <p:sp>
+        <p:nvSpPr>
+          <p:cNvPr id="149" name="TextBox 148"/>
+          <p:cNvSpPr txBox="1"/>
+          <p:nvPr/>
+        </p:nvSpPr>
+        <p:spPr>
+          <a:xfrm>
+            <a:off x="2393520" y="2621242"/>
+            <a:ext cx="571500" cy="307777"/>
+          </a:xfrm>
+          <a:prstGeom prst="rect">
+            <a:avLst/>
+          </a:prstGeom>
+          <a:noFill/>
+        </p:spPr>
+        <p:txBody>
+          <a:bodyPr wrap="square" rtlCol="0">
+            <a:spAutoFit/>
+          </a:bodyPr>
+          <a:lstStyle/>
+          <a:p>
+            <a:pPr algn="ctr"/>
+            <a:r>
+              <a:rPr lang="en-US" sz="1400" dirty="0">
+                <a:latin typeface="Arial" panose="020B0604020202020204" pitchFamily="34" charset="0"/>
+                <a:cs typeface="Arial" panose="020B0604020202020204" pitchFamily="34" charset="0"/>
+              </a:rPr>
+              <a:t>1</a:t>
+            </a:r>
+          </a:p>
+        </p:txBody>
+      </p:sp>
+      <p:sp>
+        <p:nvSpPr>
+          <p:cNvPr id="151" name="TextBox 150"/>
+          <p:cNvSpPr txBox="1"/>
+          <p:nvPr/>
+        </p:nvSpPr>
+        <p:spPr>
+          <a:xfrm>
+            <a:off x="2369206" y="3775982"/>
+            <a:ext cx="571500" cy="307777"/>
+          </a:xfrm>
+          <a:prstGeom prst="rect">
+            <a:avLst/>
+          </a:prstGeom>
+          <a:noFill/>
+        </p:spPr>
+        <p:txBody>
+          <a:bodyPr wrap="square" rtlCol="0">
+            <a:spAutoFit/>
+          </a:bodyPr>
+          <a:lstStyle/>
+          <a:p>
+            <a:pPr algn="ctr"/>
+            <a:r>
+              <a:rPr lang="en-US" sz="1400" dirty="0">
+                <a:latin typeface="Arial" panose="020B0604020202020204" pitchFamily="34" charset="0"/>
+                <a:cs typeface="Arial" panose="020B0604020202020204" pitchFamily="34" charset="0"/>
+              </a:rPr>
+              <a:t>2</a:t>
+            </a:r>
+          </a:p>
+        </p:txBody>
+      </p:sp>
+      <p:sp>
+        <p:nvSpPr>
+          <p:cNvPr id="154" name="Rectangle 153"/>
+          <p:cNvSpPr/>
+          <p:nvPr/>
+        </p:nvSpPr>
+        <p:spPr>
+          <a:xfrm>
+            <a:off x="133350" y="3005868"/>
+            <a:ext cx="1143000" cy="2137632"/>
+          </a:xfrm>
+          <a:prstGeom prst="rect">
+            <a:avLst/>
+          </a:prstGeom>
+          <a:noFill/>
+          <a:ln>
+            <a:solidFill>
+              <a:schemeClr val="accent1"/>
+            </a:solidFill>
+          </a:ln>
+        </p:spPr>
+        <p:style>
+          <a:lnRef idx="2">
+            <a:schemeClr val="accent1">
+              <a:shade val="50000"/>
+            </a:schemeClr>
+          </a:lnRef>
+          <a:fillRef idx="1">
+            <a:schemeClr val="accent1"/>
+          </a:fillRef>
+          <a:effectRef idx="0">
+            <a:schemeClr val="accent1"/>
+          </a:effectRef>
+          <a:fontRef idx="minor">
+            <a:schemeClr val="lt1"/>
+          </a:fontRef>
+        </p:style>
+        <p:txBody>
+          <a:bodyPr rtlCol="0" anchor="ctr"/>
+          <a:lstStyle/>
+          <a:p>
+            <a:pPr algn="ctr"/>
+            <a:endParaRPr lang="en-US">
+              <a:solidFill>
+                <a:schemeClr val="tx2"/>
+              </a:solidFill>
+            </a:endParaRPr>
+          </a:p>
+        </p:txBody>
+      </p:sp>
+      <p:sp>
+        <p:nvSpPr>
+          <p:cNvPr id="157" name="TextBox 156"/>
+          <p:cNvSpPr txBox="1"/>
+          <p:nvPr/>
+        </p:nvSpPr>
+        <p:spPr>
+          <a:xfrm>
+            <a:off x="133350" y="2667000"/>
+            <a:ext cx="1143000" cy="307777"/>
+          </a:xfrm>
+          <a:prstGeom prst="rect">
+            <a:avLst/>
+          </a:prstGeom>
+          <a:noFill/>
+        </p:spPr>
+        <p:txBody>
+          <a:bodyPr wrap="square" rtlCol="0">
+            <a:spAutoFit/>
+          </a:bodyPr>
+          <a:lstStyle/>
+          <a:p>
+            <a:pPr algn="ctr"/>
+            <a:r>
+              <a:rPr lang="en-US" sz="1400" i="1" dirty="0">
+                <a:solidFill>
+                  <a:schemeClr val="accent1"/>
+                </a:solidFill>
+                <a:latin typeface="Arial" panose="020B0604020202020204" pitchFamily="34" charset="0"/>
+                <a:cs typeface="Arial" panose="020B0604020202020204" pitchFamily="34" charset="0"/>
+              </a:rPr>
+              <a:t>wildcard</a:t>
+            </a:r>
+          </a:p>
+        </p:txBody>
+      </p:sp>
+      <p:sp>
+        <p:nvSpPr>
+          <p:cNvPr id="158" name="Rectangle 157"/>
+          <p:cNvSpPr/>
+          <p:nvPr/>
+        </p:nvSpPr>
+        <p:spPr>
+          <a:xfrm>
+            <a:off x="133350" y="1676400"/>
+            <a:ext cx="1143000" cy="878198"/>
+          </a:xfrm>
+          <a:prstGeom prst="rect">
+            <a:avLst/>
+          </a:prstGeom>
+          <a:noFill/>
+          <a:ln>
+            <a:solidFill>
+              <a:schemeClr val="accent1"/>
+            </a:solidFill>
+          </a:ln>
+        </p:spPr>
+        <p:style>
+          <a:lnRef idx="2">
+            <a:schemeClr val="accent1">
+              <a:shade val="50000"/>
+            </a:schemeClr>
+          </a:lnRef>
+          <a:fillRef idx="1">
+            <a:schemeClr val="accent1"/>
+          </a:fillRef>
+          <a:effectRef idx="0">
+            <a:schemeClr val="accent1"/>
+          </a:effectRef>
+          <a:fontRef idx="minor">
+            <a:schemeClr val="lt1"/>
+          </a:fontRef>
+        </p:style>
+        <p:txBody>
+          <a:bodyPr rtlCol="0" anchor="ctr"/>
+          <a:lstStyle/>
+          <a:p>
+            <a:pPr algn="ctr"/>
+            <a:endParaRPr lang="en-US">
+              <a:solidFill>
+                <a:schemeClr val="tx2"/>
+              </a:solidFill>
+            </a:endParaRPr>
+          </a:p>
+        </p:txBody>
+      </p:sp>
+      <p:sp>
+        <p:nvSpPr>
+          <p:cNvPr id="159" name="TextBox 158"/>
+          <p:cNvSpPr txBox="1"/>
+          <p:nvPr/>
+        </p:nvSpPr>
+        <p:spPr>
+          <a:xfrm>
+            <a:off x="133350" y="1219200"/>
+            <a:ext cx="1143000" cy="492443"/>
+          </a:xfrm>
+          <a:prstGeom prst="rect">
+            <a:avLst/>
+          </a:prstGeom>
+          <a:noFill/>
+        </p:spPr>
+        <p:txBody>
+          <a:bodyPr wrap="square" rtlCol="0">
+            <a:spAutoFit/>
+          </a:bodyPr>
+          <a:lstStyle/>
+          <a:p>
+            <a:pPr algn="ctr"/>
+            <a:r>
+              <a:rPr lang="en-US" sz="1200" i="1" dirty="0">
+                <a:solidFill>
+                  <a:schemeClr val="accent1"/>
+                </a:solidFill>
+                <a:latin typeface="Arial" panose="020B0604020202020204" pitchFamily="34" charset="0"/>
+                <a:cs typeface="Arial" panose="020B0604020202020204" pitchFamily="34" charset="0"/>
+              </a:rPr>
+              <a:t>1 v 2 </a:t>
+            </a:r>
+            <a:r>
+              <a:rPr lang="en-US" sz="1400" i="1" dirty="0">
+                <a:solidFill>
+                  <a:schemeClr val="accent1"/>
+                </a:solidFill>
+                <a:latin typeface="Arial" panose="020B0604020202020204" pitchFamily="34" charset="0"/>
+                <a:cs typeface="Arial" panose="020B0604020202020204" pitchFamily="34" charset="0"/>
+              </a:rPr>
+              <a:t>showdown</a:t>
+            </a:r>
+            <a:endParaRPr lang="en-US" sz="1200" i="1" dirty="0">
+              <a:solidFill>
+                <a:schemeClr val="accent1"/>
+              </a:solidFill>
+              <a:latin typeface="Arial" panose="020B0604020202020204" pitchFamily="34" charset="0"/>
+              <a:cs typeface="Arial" panose="020B0604020202020204" pitchFamily="34" charset="0"/>
+            </a:endParaRPr>
+          </a:p>
+        </p:txBody>
+      </p:sp>
+      <p:cxnSp>
+        <p:nvCxnSpPr>
+          <p:cNvPr id="161" name="Elbow Connector 160"/>
+          <p:cNvCxnSpPr>
+            <a:cxnSpLocks/>
+          </p:cNvCxnSpPr>
+          <p:nvPr/>
+        </p:nvCxnSpPr>
+        <p:spPr>
+          <a:xfrm rot="10800000" flipV="1">
+            <a:off x="1271370" y="3309775"/>
+            <a:ext cx="1698892" cy="499277"/>
+          </a:xfrm>
+          <a:prstGeom prst="bentConnector3">
+            <a:avLst/>
+          </a:prstGeom>
+          <a:ln w="19050">
+            <a:solidFill>
+              <a:schemeClr val="tx1"/>
+            </a:solidFill>
+          </a:ln>
+        </p:spPr>
+        <p:style>
+          <a:lnRef idx="1">
+            <a:schemeClr val="accent1"/>
+          </a:lnRef>
+          <a:fillRef idx="0">
+            <a:schemeClr val="accent1"/>
+          </a:fillRef>
+          <a:effectRef idx="0">
+            <a:schemeClr val="accent1"/>
+          </a:effectRef>
+          <a:fontRef idx="minor">
+            <a:schemeClr val="tx1"/>
+          </a:fontRef>
+        </p:style>
+      </p:cxnSp>
+      <p:cxnSp>
+        <p:nvCxnSpPr>
+          <p:cNvPr id="164" name="Elbow Connector 163"/>
+          <p:cNvCxnSpPr>
+            <a:cxnSpLocks/>
+          </p:cNvCxnSpPr>
+          <p:nvPr/>
+        </p:nvCxnSpPr>
+        <p:spPr>
+          <a:xfrm rot="10800000">
+            <a:off x="1284727" y="3949938"/>
+            <a:ext cx="1668024" cy="526810"/>
+          </a:xfrm>
+          <a:prstGeom prst="bentConnector3">
+            <a:avLst/>
+          </a:prstGeom>
+          <a:ln w="19050">
+            <a:solidFill>
+              <a:schemeClr val="tx1"/>
+            </a:solidFill>
+          </a:ln>
+        </p:spPr>
+        <p:style>
+          <a:lnRef idx="1">
+            <a:schemeClr val="accent1"/>
+          </a:lnRef>
+          <a:fillRef idx="0">
+            <a:schemeClr val="accent1"/>
+          </a:fillRef>
+          <a:effectRef idx="0">
+            <a:schemeClr val="accent1"/>
+          </a:effectRef>
+          <a:fontRef idx="minor">
+            <a:schemeClr val="tx1"/>
+          </a:fontRef>
+        </p:style>
+      </p:cxnSp>
+      <p:sp>
+        <p:nvSpPr>
+          <p:cNvPr id="170" name="TextBox 169"/>
+          <p:cNvSpPr txBox="1"/>
+          <p:nvPr/>
+        </p:nvSpPr>
+        <p:spPr>
+          <a:xfrm>
+            <a:off x="2119309" y="4203779"/>
+            <a:ext cx="842963" cy="276999"/>
+          </a:xfrm>
+          <a:prstGeom prst="rect">
+            <a:avLst/>
+          </a:prstGeom>
+          <a:noFill/>
+        </p:spPr>
+        <p:txBody>
+          <a:bodyPr wrap="square" rtlCol="0">
+            <a:spAutoFit/>
+          </a:bodyPr>
+          <a:lstStyle/>
+          <a:p>
+            <a:pPr algn="r"/>
+            <a:r>
+              <a:rPr lang="en-US" sz="1200" dirty="0">
+                <a:latin typeface="Arial" panose="020B0604020202020204" pitchFamily="34" charset="0"/>
+                <a:cs typeface="Arial" panose="020B0604020202020204" pitchFamily="34" charset="0"/>
+              </a:rPr>
+              <a:t>high seed</a:t>
+            </a:r>
+          </a:p>
+        </p:txBody>
+      </p:sp>
+      <p:cxnSp>
+        <p:nvCxnSpPr>
+          <p:cNvPr id="180" name="Straight Connector 179"/>
+          <p:cNvCxnSpPr>
+            <a:cxnSpLocks/>
+          </p:cNvCxnSpPr>
+          <p:nvPr/>
+        </p:nvCxnSpPr>
+        <p:spPr>
+          <a:xfrm>
+            <a:off x="4572000" y="2286000"/>
+            <a:ext cx="0" cy="518154"/>
+          </a:xfrm>
+          <a:prstGeom prst="line">
+            <a:avLst/>
+          </a:prstGeom>
+          <a:ln w="19050">
+            <a:solidFill>
+              <a:schemeClr val="tx1"/>
+            </a:solidFill>
+          </a:ln>
+        </p:spPr>
+        <p:style>
+          <a:lnRef idx="1">
+            <a:schemeClr val="accent1"/>
+          </a:lnRef>
+          <a:fillRef idx="0">
+            <a:schemeClr val="accent1"/>
+          </a:fillRef>
+          <a:effectRef idx="0">
+            <a:schemeClr val="accent1"/>
+          </a:effectRef>
+          <a:fontRef idx="minor">
+            <a:schemeClr val="tx1"/>
+          </a:fontRef>
+        </p:style>
+      </p:cxnSp>
+      <p:cxnSp>
+        <p:nvCxnSpPr>
+          <p:cNvPr id="186" name="Straight Connector 185"/>
+          <p:cNvCxnSpPr/>
+          <p:nvPr/>
+        </p:nvCxnSpPr>
+        <p:spPr>
+          <a:xfrm>
+            <a:off x="4582630" y="2416884"/>
+            <a:ext cx="868680" cy="0"/>
+          </a:xfrm>
+          <a:prstGeom prst="line">
+            <a:avLst/>
+          </a:prstGeom>
+          <a:ln w="19050">
+            <a:solidFill>
+              <a:schemeClr val="tx1"/>
+            </a:solidFill>
+          </a:ln>
+        </p:spPr>
+        <p:style>
+          <a:lnRef idx="1">
+            <a:schemeClr val="accent1"/>
+          </a:lnRef>
+          <a:fillRef idx="0">
+            <a:schemeClr val="accent1"/>
+          </a:fillRef>
+          <a:effectRef idx="0">
+            <a:schemeClr val="accent1"/>
+          </a:effectRef>
+          <a:fontRef idx="minor">
+            <a:schemeClr val="tx1"/>
+          </a:fontRef>
+        </p:style>
+      </p:cxnSp>
+      <p:cxnSp>
+        <p:nvCxnSpPr>
+          <p:cNvPr id="187" name="Straight Connector 186"/>
+          <p:cNvCxnSpPr/>
+          <p:nvPr/>
+        </p:nvCxnSpPr>
+        <p:spPr>
+          <a:xfrm>
+            <a:off x="4582874" y="2743200"/>
+            <a:ext cx="868680" cy="0"/>
+          </a:xfrm>
+          <a:prstGeom prst="line">
+            <a:avLst/>
+          </a:prstGeom>
+          <a:ln w="19050">
+            <a:solidFill>
+              <a:schemeClr val="tx1"/>
+            </a:solidFill>
+            <a:prstDash val="dash"/>
+          </a:ln>
+        </p:spPr>
+        <p:style>
+          <a:lnRef idx="1">
+            <a:schemeClr val="accent1"/>
+          </a:lnRef>
+          <a:fillRef idx="0">
+            <a:schemeClr val="accent1"/>
+          </a:fillRef>
+          <a:effectRef idx="0">
+            <a:schemeClr val="accent1"/>
+          </a:effectRef>
+          <a:fontRef idx="minor">
+            <a:schemeClr val="tx1"/>
+          </a:fontRef>
+        </p:style>
+      </p:cxnSp>
+      <p:sp>
+        <p:nvSpPr>
+          <p:cNvPr id="188" name="TextBox 187"/>
+          <p:cNvSpPr txBox="1"/>
+          <p:nvPr/>
+        </p:nvSpPr>
+        <p:spPr>
+          <a:xfrm>
+            <a:off x="4559987" y="2170795"/>
+            <a:ext cx="868680" cy="292388"/>
+          </a:xfrm>
+          <a:prstGeom prst="rect">
+            <a:avLst/>
+          </a:prstGeom>
+          <a:noFill/>
+        </p:spPr>
+        <p:txBody>
+          <a:bodyPr wrap="square" rtlCol="0">
+            <a:spAutoFit/>
+          </a:bodyPr>
+          <a:lstStyle/>
+          <a:p>
+            <a:pPr algn="ctr"/>
+            <a:r>
+              <a:rPr lang="en-US" sz="1300" dirty="0">
+                <a:latin typeface="Arial" panose="020B0604020202020204" pitchFamily="34" charset="0"/>
+                <a:cs typeface="Arial" panose="020B0604020202020204" pitchFamily="34" charset="0"/>
+              </a:rPr>
+              <a:t>1</a:t>
+            </a:r>
+            <a:r>
+              <a:rPr lang="en-US" sz="1300" baseline="30000" dirty="0">
+                <a:latin typeface="Arial" panose="020B0604020202020204" pitchFamily="34" charset="0"/>
+                <a:cs typeface="Arial" panose="020B0604020202020204" pitchFamily="34" charset="0"/>
+              </a:rPr>
+              <a:t>st</a:t>
+            </a:r>
+            <a:r>
+              <a:rPr lang="en-US" sz="1300" dirty="0">
+                <a:latin typeface="Arial" panose="020B0604020202020204" pitchFamily="34" charset="0"/>
+                <a:cs typeface="Arial" panose="020B0604020202020204" pitchFamily="34" charset="0"/>
+              </a:rPr>
+              <a:t> Place</a:t>
+            </a:r>
+          </a:p>
+        </p:txBody>
+      </p:sp>
+      <p:sp>
+        <p:nvSpPr>
+          <p:cNvPr id="189" name="TextBox 188"/>
+          <p:cNvSpPr txBox="1"/>
+          <p:nvPr/>
+        </p:nvSpPr>
+        <p:spPr>
+          <a:xfrm>
+            <a:off x="4521887" y="2504060"/>
+            <a:ext cx="944880" cy="292388"/>
+          </a:xfrm>
+          <a:prstGeom prst="rect">
+            <a:avLst/>
+          </a:prstGeom>
+          <a:noFill/>
+        </p:spPr>
+        <p:txBody>
+          <a:bodyPr wrap="square" rtlCol="0">
+            <a:spAutoFit/>
+          </a:bodyPr>
+          <a:lstStyle/>
+          <a:p>
+            <a:pPr algn="ctr"/>
+            <a:r>
+              <a:rPr lang="en-US" sz="1300" dirty="0">
+                <a:latin typeface="Arial" panose="020B0604020202020204" pitchFamily="34" charset="0"/>
+                <a:cs typeface="Arial" panose="020B0604020202020204" pitchFamily="34" charset="0"/>
+              </a:rPr>
+              <a:t>2</a:t>
+            </a:r>
+            <a:r>
+              <a:rPr lang="en-US" sz="1300" baseline="30000" dirty="0">
+                <a:latin typeface="Arial" panose="020B0604020202020204" pitchFamily="34" charset="0"/>
+                <a:cs typeface="Arial" panose="020B0604020202020204" pitchFamily="34" charset="0"/>
+              </a:rPr>
+              <a:t>nd</a:t>
+            </a:r>
+            <a:r>
+              <a:rPr lang="en-US" sz="1300" dirty="0">
+                <a:latin typeface="Arial" panose="020B0604020202020204" pitchFamily="34" charset="0"/>
+                <a:cs typeface="Arial" panose="020B0604020202020204" pitchFamily="34" charset="0"/>
+              </a:rPr>
+              <a:t> Place</a:t>
+            </a:r>
+          </a:p>
+        </p:txBody>
+      </p:sp>
+      <p:sp>
+        <p:nvSpPr>
+          <p:cNvPr id="205" name="Rectangle 204"/>
+          <p:cNvSpPr/>
+          <p:nvPr/>
+        </p:nvSpPr>
+        <p:spPr>
+          <a:xfrm>
+            <a:off x="0" y="5867400"/>
+            <a:ext cx="3352800" cy="3276600"/>
+          </a:xfrm>
+          <a:prstGeom prst="rect">
+            <a:avLst/>
+          </a:prstGeom>
+          <a:solidFill>
+            <a:schemeClr val="bg1">
+              <a:lumMod val="85000"/>
+            </a:schemeClr>
+          </a:solidFill>
+          <a:ln>
+            <a:solidFill>
+              <a:srgbClr val="FF0000"/>
+            </a:solidFill>
+          </a:ln>
+        </p:spPr>
+        <p:style>
+          <a:lnRef idx="2">
+            <a:schemeClr val="accent1">
+              <a:shade val="50000"/>
+            </a:schemeClr>
+          </a:lnRef>
+          <a:fillRef idx="1">
+            <a:schemeClr val="accent1"/>
+          </a:fillRef>
+          <a:effectRef idx="0">
+            <a:schemeClr val="accent1"/>
+          </a:effectRef>
+          <a:fontRef idx="minor">
+            <a:schemeClr val="lt1"/>
+          </a:fontRef>
+        </p:style>
+        <p:txBody>
+          <a:bodyPr rtlCol="0" anchor="ctr"/>
+          <a:lstStyle/>
+          <a:p>
+            <a:pPr algn="ctr"/>
+            <a:endParaRPr lang="en-US"/>
+          </a:p>
+        </p:txBody>
+      </p:sp>
+      <p:sp>
+        <p:nvSpPr>
+          <p:cNvPr id="215" name="TextBox 214"/>
+          <p:cNvSpPr txBox="1"/>
+          <p:nvPr/>
+        </p:nvSpPr>
+        <p:spPr>
+          <a:xfrm>
+            <a:off x="47625" y="5867400"/>
+            <a:ext cx="3276600" cy="2539157"/>
+          </a:xfrm>
+          <a:prstGeom prst="rect">
+            <a:avLst/>
+          </a:prstGeom>
+          <a:noFill/>
+        </p:spPr>
+        <p:txBody>
+          <a:bodyPr wrap="square" rtlCol="0">
+            <a:spAutoFit/>
+          </a:bodyPr>
+          <a:lstStyle/>
+          <a:p>
+            <a:r>
+              <a:rPr lang="en-US" sz="1600" b="1" i="1" dirty="0"/>
+              <a:t>Loser’s Bracket</a:t>
+            </a:r>
+            <a:endParaRPr lang="en-US" sz="1600" i="1" dirty="0"/>
+          </a:p>
+          <a:p>
+            <a:r>
+              <a:rPr lang="en-US" sz="1300" i="1" dirty="0"/>
+              <a:t>There are no head to head match ups in the loser’s bracket (LB) for weeks 14, 15, &amp; 16. Teams in the LB will be ranked by their cumulative points from weeks 14, 15, &amp; 16, regardless of when they entered the LB</a:t>
+            </a:r>
+            <a:br>
+              <a:rPr lang="en-US" sz="1300" i="1" dirty="0"/>
+            </a:br>
+            <a:endParaRPr lang="en-US" sz="1300" i="1" dirty="0"/>
+          </a:p>
+          <a:p>
+            <a:r>
+              <a:rPr lang="en-US" sz="1400" b="1" i="1" dirty="0"/>
+              <a:t>The Randy Bowl</a:t>
+            </a:r>
+            <a:br>
+              <a:rPr lang="en-US" sz="1300" i="1" dirty="0"/>
+            </a:br>
+            <a:r>
+              <a:rPr lang="en-US" sz="1300" i="1" dirty="0"/>
+              <a:t>The 2 teams with the lowest total points in weeks 14, 15, and 16 compete in week 17 in The Randy Bowl. The loser of The Randy Bowl will contract The Randy.</a:t>
+            </a:r>
+          </a:p>
+        </p:txBody>
+      </p:sp>
+      <p:grpSp>
+        <p:nvGrpSpPr>
+          <p:cNvPr id="223" name="Group 222"/>
+          <p:cNvGrpSpPr/>
+          <p:nvPr/>
+        </p:nvGrpSpPr>
+        <p:grpSpPr>
+          <a:xfrm>
+            <a:off x="3325330" y="6324600"/>
+            <a:ext cx="685800" cy="2662251"/>
+            <a:chOff x="3325330" y="6324600"/>
+            <a:chExt cx="685800" cy="2662251"/>
+          </a:xfrm>
+        </p:grpSpPr>
+        <p:cxnSp>
+          <p:nvCxnSpPr>
+            <p:cNvPr id="217" name="Straight Arrow Connector 216"/>
+            <p:cNvCxnSpPr>
+              <a:cxnSpLocks/>
+            </p:cNvCxnSpPr>
+            <p:nvPr/>
+          </p:nvCxnSpPr>
+          <p:spPr>
+            <a:xfrm flipH="1">
+              <a:off x="3653168" y="8229560"/>
+              <a:ext cx="5709" cy="533440"/>
+            </a:xfrm>
+            <a:prstGeom prst="straightConnector1">
+              <a:avLst/>
+            </a:prstGeom>
+            <a:ln w="19050">
+              <a:solidFill>
+                <a:srgbClr val="FF0000"/>
+              </a:solidFill>
+              <a:tailEnd type="arrow"/>
+            </a:ln>
+          </p:spPr>
+          <p:style>
+            <a:lnRef idx="1">
+              <a:schemeClr val="accent1"/>
+            </a:lnRef>
+            <a:fillRef idx="0">
+              <a:schemeClr val="accent1"/>
+            </a:fillRef>
+            <a:effectRef idx="0">
+              <a:schemeClr val="accent1"/>
+            </a:effectRef>
+            <a:fontRef idx="minor">
+              <a:schemeClr val="tx1"/>
+            </a:fontRef>
+          </p:style>
+        </p:cxnSp>
+        <p:cxnSp>
+          <p:nvCxnSpPr>
+            <p:cNvPr id="218" name="Straight Arrow Connector 217"/>
+            <p:cNvCxnSpPr>
+              <a:cxnSpLocks/>
+            </p:cNvCxnSpPr>
+            <p:nvPr/>
+          </p:nvCxnSpPr>
+          <p:spPr>
+            <a:xfrm flipV="1">
+              <a:off x="3656973" y="6629400"/>
+              <a:ext cx="0" cy="502918"/>
+            </a:xfrm>
+            <a:prstGeom prst="straightConnector1">
+              <a:avLst/>
+            </a:prstGeom>
+            <a:ln w="19050">
+              <a:solidFill>
+                <a:srgbClr val="FF0000"/>
+              </a:solidFill>
+              <a:tailEnd type="arrow"/>
+            </a:ln>
+          </p:spPr>
+          <p:style>
+            <a:lnRef idx="1">
+              <a:schemeClr val="accent1"/>
+            </a:lnRef>
+            <a:fillRef idx="0">
+              <a:schemeClr val="accent1"/>
+            </a:fillRef>
+            <a:effectRef idx="0">
+              <a:schemeClr val="accent1"/>
+            </a:effectRef>
+            <a:fontRef idx="minor">
+              <a:schemeClr val="tx1"/>
+            </a:fontRef>
+          </p:style>
+        </p:cxnSp>
+        <p:sp>
+          <p:nvSpPr>
+            <p:cNvPr id="220" name="TextBox 219"/>
+            <p:cNvSpPr txBox="1"/>
+            <p:nvPr/>
+          </p:nvSpPr>
+          <p:spPr>
+            <a:xfrm>
+              <a:off x="3325330" y="6324600"/>
+              <a:ext cx="685800" cy="276999"/>
+            </a:xfrm>
+            <a:prstGeom prst="rect">
+              <a:avLst/>
+            </a:prstGeom>
+            <a:noFill/>
+          </p:spPr>
+          <p:txBody>
+            <a:bodyPr wrap="square" rtlCol="0">
+              <a:spAutoFit/>
+            </a:bodyPr>
+            <a:lstStyle/>
+            <a:p>
+              <a:r>
+                <a:rPr lang="en-US" sz="1200" i="1" dirty="0">
+                  <a:solidFill>
+                    <a:srgbClr val="FF0000"/>
+                  </a:solidFill>
+                  <a:latin typeface="Arial" panose="020B0604020202020204" pitchFamily="34" charset="0"/>
+                  <a:cs typeface="Arial" panose="020B0604020202020204" pitchFamily="34" charset="0"/>
+                </a:rPr>
+                <a:t>highest</a:t>
+              </a:r>
+            </a:p>
+          </p:txBody>
+        </p:sp>
+        <p:sp>
+          <p:nvSpPr>
+            <p:cNvPr id="221" name="TextBox 220"/>
+            <p:cNvSpPr txBox="1"/>
+            <p:nvPr/>
+          </p:nvSpPr>
+          <p:spPr>
+            <a:xfrm>
+              <a:off x="3325330" y="8709852"/>
+              <a:ext cx="685800" cy="276999"/>
+            </a:xfrm>
+            <a:prstGeom prst="rect">
+              <a:avLst/>
+            </a:prstGeom>
+            <a:noFill/>
+          </p:spPr>
+          <p:txBody>
+            <a:bodyPr wrap="square" rtlCol="0">
+              <a:spAutoFit/>
+            </a:bodyPr>
+            <a:lstStyle/>
+            <a:p>
+              <a:r>
+                <a:rPr lang="en-US" sz="1200" i="1" dirty="0">
+                  <a:solidFill>
+                    <a:srgbClr val="FF0000"/>
+                  </a:solidFill>
+                  <a:latin typeface="Arial" panose="020B0604020202020204" pitchFamily="34" charset="0"/>
+                  <a:cs typeface="Arial" panose="020B0604020202020204" pitchFamily="34" charset="0"/>
+                </a:rPr>
+                <a:t>lowest</a:t>
+              </a:r>
+            </a:p>
+          </p:txBody>
+        </p:sp>
+        <p:sp>
+          <p:nvSpPr>
+            <p:cNvPr id="222" name="TextBox 221"/>
+            <p:cNvSpPr txBox="1"/>
+            <p:nvPr/>
+          </p:nvSpPr>
+          <p:spPr>
+            <a:xfrm rot="16200000">
+              <a:off x="2775365" y="7428770"/>
+              <a:ext cx="1755605" cy="461665"/>
+            </a:xfrm>
+            <a:prstGeom prst="rect">
+              <a:avLst/>
+            </a:prstGeom>
+            <a:noFill/>
+          </p:spPr>
+          <p:txBody>
+            <a:bodyPr wrap="square" rtlCol="0">
+              <a:spAutoFit/>
+            </a:bodyPr>
+            <a:lstStyle/>
+            <a:p>
+              <a:pPr algn="ctr"/>
+              <a:r>
+                <a:rPr lang="en-US" sz="1200" i="1" dirty="0">
+                  <a:solidFill>
+                    <a:srgbClr val="FF0000"/>
+                  </a:solidFill>
+                  <a:latin typeface="Arial" panose="020B0604020202020204" pitchFamily="34" charset="0"/>
+                  <a:cs typeface="Arial" panose="020B0604020202020204" pitchFamily="34" charset="0"/>
+                </a:rPr>
+                <a:t>total points</a:t>
+              </a:r>
+              <a:br>
+                <a:rPr lang="en-US" sz="1200" i="1" dirty="0">
+                  <a:solidFill>
+                    <a:srgbClr val="FF0000"/>
+                  </a:solidFill>
+                  <a:latin typeface="Arial" panose="020B0604020202020204" pitchFamily="34" charset="0"/>
+                  <a:cs typeface="Arial" panose="020B0604020202020204" pitchFamily="34" charset="0"/>
+                </a:rPr>
+              </a:br>
+              <a:r>
+                <a:rPr lang="en-US" sz="1200" i="1" dirty="0">
+                  <a:solidFill>
+                    <a:srgbClr val="FF0000"/>
+                  </a:solidFill>
+                  <a:latin typeface="Arial" panose="020B0604020202020204" pitchFamily="34" charset="0"/>
+                  <a:cs typeface="Arial" panose="020B0604020202020204" pitchFamily="34" charset="0"/>
+                </a:rPr>
+                <a:t>Weeks 14-16</a:t>
+              </a:r>
+            </a:p>
+          </p:txBody>
+        </p:sp>
+      </p:grpSp>
+      <p:cxnSp>
+        <p:nvCxnSpPr>
+          <p:cNvPr id="226" name="Straight Connector 225"/>
+          <p:cNvCxnSpPr>
+            <a:cxnSpLocks/>
+          </p:cNvCxnSpPr>
+          <p:nvPr/>
+        </p:nvCxnSpPr>
+        <p:spPr>
+          <a:xfrm>
+            <a:off x="3473524" y="5280504"/>
+            <a:ext cx="1211037" cy="0"/>
+          </a:xfrm>
+          <a:prstGeom prst="line">
+            <a:avLst/>
+          </a:prstGeom>
+          <a:ln w="12700">
+            <a:solidFill>
+              <a:schemeClr val="tx1"/>
+            </a:solidFill>
+            <a:prstDash val="solid"/>
+          </a:ln>
+        </p:spPr>
+        <p:style>
+          <a:lnRef idx="1">
+            <a:schemeClr val="accent1"/>
+          </a:lnRef>
+          <a:fillRef idx="0">
+            <a:schemeClr val="accent1"/>
+          </a:fillRef>
+          <a:effectRef idx="0">
+            <a:schemeClr val="accent1"/>
+          </a:effectRef>
+          <a:fontRef idx="minor">
+            <a:schemeClr val="tx1"/>
+          </a:fontRef>
+        </p:style>
+      </p:cxnSp>
+      <p:cxnSp>
+        <p:nvCxnSpPr>
+          <p:cNvPr id="238" name="Straight Connector 237"/>
+          <p:cNvCxnSpPr/>
+          <p:nvPr/>
+        </p:nvCxnSpPr>
+        <p:spPr>
+          <a:xfrm>
+            <a:off x="4690240" y="4885103"/>
+            <a:ext cx="868680" cy="0"/>
+          </a:xfrm>
+          <a:prstGeom prst="line">
+            <a:avLst/>
+          </a:prstGeom>
+          <a:ln w="19050">
+            <a:solidFill>
+              <a:schemeClr val="tx1"/>
+            </a:solidFill>
+          </a:ln>
+        </p:spPr>
+        <p:style>
+          <a:lnRef idx="1">
+            <a:schemeClr val="accent1"/>
+          </a:lnRef>
+          <a:fillRef idx="0">
+            <a:schemeClr val="accent1"/>
+          </a:fillRef>
+          <a:effectRef idx="0">
+            <a:schemeClr val="accent1"/>
+          </a:effectRef>
+          <a:fontRef idx="minor">
+            <a:schemeClr val="tx1"/>
+          </a:fontRef>
+        </p:style>
+      </p:cxnSp>
+      <p:sp>
+        <p:nvSpPr>
+          <p:cNvPr id="239" name="TextBox 238"/>
+          <p:cNvSpPr txBox="1"/>
+          <p:nvPr/>
+        </p:nvSpPr>
+        <p:spPr>
+          <a:xfrm>
+            <a:off x="4656334" y="4619134"/>
+            <a:ext cx="946652" cy="292388"/>
+          </a:xfrm>
+          <a:prstGeom prst="rect">
+            <a:avLst/>
+          </a:prstGeom>
+          <a:noFill/>
+        </p:spPr>
+        <p:txBody>
+          <a:bodyPr wrap="square" rtlCol="0">
+            <a:spAutoFit/>
+          </a:bodyPr>
+          <a:lstStyle/>
+          <a:p>
+            <a:pPr algn="ctr"/>
+            <a:r>
+              <a:rPr lang="en-US" sz="1300" dirty="0">
+                <a:latin typeface="Arial" panose="020B0604020202020204" pitchFamily="34" charset="0"/>
+                <a:cs typeface="Arial" panose="020B0604020202020204" pitchFamily="34" charset="0"/>
+              </a:rPr>
+              <a:t>3</a:t>
+            </a:r>
+            <a:r>
+              <a:rPr lang="en-US" sz="1300" baseline="30000" dirty="0">
+                <a:latin typeface="Arial" panose="020B0604020202020204" pitchFamily="34" charset="0"/>
+                <a:cs typeface="Arial" panose="020B0604020202020204" pitchFamily="34" charset="0"/>
+              </a:rPr>
+              <a:t>rd</a:t>
+            </a:r>
+            <a:r>
+              <a:rPr lang="en-US" sz="1300" dirty="0">
+                <a:latin typeface="Arial" panose="020B0604020202020204" pitchFamily="34" charset="0"/>
+                <a:cs typeface="Arial" panose="020B0604020202020204" pitchFamily="34" charset="0"/>
+              </a:rPr>
+              <a:t> Place</a:t>
+            </a:r>
+          </a:p>
+        </p:txBody>
+      </p:sp>
+      <p:cxnSp>
+        <p:nvCxnSpPr>
+          <p:cNvPr id="242" name="Straight Connector 241"/>
+          <p:cNvCxnSpPr/>
+          <p:nvPr/>
+        </p:nvCxnSpPr>
+        <p:spPr>
+          <a:xfrm>
+            <a:off x="3981932" y="8277302"/>
+            <a:ext cx="655320" cy="0"/>
+          </a:xfrm>
+          <a:prstGeom prst="line">
+            <a:avLst/>
+          </a:prstGeom>
+          <a:ln w="19050">
+            <a:solidFill>
+              <a:schemeClr val="tx1"/>
+            </a:solidFill>
+          </a:ln>
+        </p:spPr>
+        <p:style>
+          <a:lnRef idx="1">
+            <a:schemeClr val="accent1"/>
+          </a:lnRef>
+          <a:fillRef idx="0">
+            <a:schemeClr val="accent1"/>
+          </a:fillRef>
+          <a:effectRef idx="0">
+            <a:schemeClr val="accent1"/>
+          </a:effectRef>
+          <a:fontRef idx="minor">
+            <a:schemeClr val="tx1"/>
+          </a:fontRef>
+        </p:style>
+      </p:cxnSp>
+      <p:cxnSp>
+        <p:nvCxnSpPr>
+          <p:cNvPr id="243" name="Straight Connector 242"/>
+          <p:cNvCxnSpPr/>
+          <p:nvPr/>
+        </p:nvCxnSpPr>
+        <p:spPr>
+          <a:xfrm>
+            <a:off x="3994158" y="8597692"/>
+            <a:ext cx="643094" cy="0"/>
+          </a:xfrm>
+          <a:prstGeom prst="line">
+            <a:avLst/>
+          </a:prstGeom>
+          <a:ln w="19050">
+            <a:solidFill>
+              <a:schemeClr val="tx1"/>
+            </a:solidFill>
+          </a:ln>
+        </p:spPr>
+        <p:style>
+          <a:lnRef idx="1">
+            <a:schemeClr val="accent1"/>
+          </a:lnRef>
+          <a:fillRef idx="0">
+            <a:schemeClr val="accent1"/>
+          </a:fillRef>
+          <a:effectRef idx="0">
+            <a:schemeClr val="accent1"/>
+          </a:effectRef>
+          <a:fontRef idx="minor">
+            <a:schemeClr val="tx1"/>
+          </a:fontRef>
+        </p:style>
+      </p:cxnSp>
+      <p:cxnSp>
+        <p:nvCxnSpPr>
+          <p:cNvPr id="244" name="Straight Connector 243"/>
+          <p:cNvCxnSpPr/>
+          <p:nvPr/>
+        </p:nvCxnSpPr>
+        <p:spPr>
+          <a:xfrm flipH="1">
+            <a:off x="4637253" y="8270952"/>
+            <a:ext cx="6944" cy="327951"/>
+          </a:xfrm>
+          <a:prstGeom prst="line">
+            <a:avLst/>
+          </a:prstGeom>
+          <a:ln w="19050">
+            <a:solidFill>
+              <a:schemeClr val="tx1"/>
+            </a:solidFill>
+          </a:ln>
+        </p:spPr>
+        <p:style>
+          <a:lnRef idx="1">
+            <a:schemeClr val="accent1"/>
+          </a:lnRef>
+          <a:fillRef idx="0">
+            <a:schemeClr val="accent1"/>
+          </a:fillRef>
+          <a:effectRef idx="0">
+            <a:schemeClr val="accent1"/>
+          </a:effectRef>
+          <a:fontRef idx="minor">
+            <a:schemeClr val="tx1"/>
+          </a:fontRef>
+        </p:style>
+      </p:cxnSp>
+      <p:cxnSp>
+        <p:nvCxnSpPr>
+          <p:cNvPr id="245" name="Straight Connector 244"/>
+          <p:cNvCxnSpPr/>
+          <p:nvPr/>
+        </p:nvCxnSpPr>
+        <p:spPr>
+          <a:xfrm flipV="1">
+            <a:off x="4658393" y="8452384"/>
+            <a:ext cx="861735" cy="5816"/>
+          </a:xfrm>
+          <a:prstGeom prst="line">
+            <a:avLst/>
+          </a:prstGeom>
+          <a:ln w="19050">
+            <a:solidFill>
+              <a:schemeClr val="tx1"/>
+            </a:solidFill>
+            <a:prstDash val="dash"/>
+          </a:ln>
+        </p:spPr>
+        <p:style>
+          <a:lnRef idx="1">
+            <a:schemeClr val="accent1"/>
+          </a:lnRef>
+          <a:fillRef idx="0">
+            <a:schemeClr val="accent1"/>
+          </a:fillRef>
+          <a:effectRef idx="0">
+            <a:schemeClr val="accent1"/>
+          </a:effectRef>
+          <a:fontRef idx="minor">
+            <a:schemeClr val="tx1"/>
+          </a:fontRef>
+        </p:style>
+      </p:cxnSp>
+      <p:sp>
+        <p:nvSpPr>
+          <p:cNvPr id="246" name="TextBox 245"/>
+          <p:cNvSpPr txBox="1"/>
+          <p:nvPr/>
+        </p:nvSpPr>
+        <p:spPr>
+          <a:xfrm>
+            <a:off x="4637252" y="7978290"/>
+            <a:ext cx="944880" cy="492443"/>
+          </a:xfrm>
+          <a:prstGeom prst="rect">
+            <a:avLst/>
+          </a:prstGeom>
+          <a:noFill/>
+        </p:spPr>
+        <p:txBody>
+          <a:bodyPr wrap="square" rtlCol="0">
+            <a:spAutoFit/>
+          </a:bodyPr>
+          <a:lstStyle/>
+          <a:p>
+            <a:pPr algn="ctr"/>
+            <a:r>
+              <a:rPr lang="en-US" sz="1300" dirty="0">
+                <a:latin typeface="Arial" panose="020B0604020202020204" pitchFamily="34" charset="0"/>
+                <a:cs typeface="Arial" panose="020B0604020202020204" pitchFamily="34" charset="0"/>
+              </a:rPr>
+              <a:t>Randy “Winner”</a:t>
+            </a:r>
+          </a:p>
+        </p:txBody>
+      </p:sp>
+      <p:sp>
+        <p:nvSpPr>
+          <p:cNvPr id="248" name="Flowchart: Process 247"/>
+          <p:cNvSpPr/>
+          <p:nvPr/>
+        </p:nvSpPr>
+        <p:spPr>
+          <a:xfrm>
+            <a:off x="5600700" y="8261445"/>
+            <a:ext cx="1257300" cy="882553"/>
+          </a:xfrm>
+          <a:prstGeom prst="flowChartProcess">
+            <a:avLst/>
+          </a:prstGeom>
+          <a:solidFill>
+            <a:schemeClr val="bg1">
+              <a:lumMod val="85000"/>
+            </a:schemeClr>
+          </a:solidFill>
+          <a:ln>
+            <a:solidFill>
+              <a:schemeClr val="tx1"/>
+            </a:solidFill>
+          </a:ln>
+        </p:spPr>
+        <p:style>
+          <a:lnRef idx="2">
+            <a:schemeClr val="accent1">
+              <a:shade val="50000"/>
+            </a:schemeClr>
+          </a:lnRef>
+          <a:fillRef idx="1">
+            <a:schemeClr val="accent1"/>
+          </a:fillRef>
+          <a:effectRef idx="0">
+            <a:schemeClr val="accent1"/>
+          </a:effectRef>
+          <a:fontRef idx="minor">
+            <a:schemeClr val="lt1"/>
+          </a:fontRef>
+        </p:style>
+        <p:txBody>
+          <a:bodyPr rtlCol="0" anchor="ctr"/>
+          <a:lstStyle/>
+          <a:p>
+            <a:pPr algn="ctr"/>
+            <a:endParaRPr lang="en-US"/>
+          </a:p>
+        </p:txBody>
+      </p:sp>
+      <p:sp>
+        <p:nvSpPr>
+          <p:cNvPr id="249" name="TextBox 248"/>
+          <p:cNvSpPr txBox="1"/>
+          <p:nvPr/>
+        </p:nvSpPr>
+        <p:spPr>
+          <a:xfrm>
+            <a:off x="5560739" y="7959923"/>
+            <a:ext cx="1299121" cy="307777"/>
+          </a:xfrm>
+          <a:prstGeom prst="rect">
+            <a:avLst/>
+          </a:prstGeom>
+          <a:noFill/>
+        </p:spPr>
+        <p:txBody>
+          <a:bodyPr wrap="square" rtlCol="0">
+            <a:spAutoFit/>
+          </a:bodyPr>
+          <a:lstStyle/>
+          <a:p>
+            <a:pPr algn="ctr"/>
+            <a:r>
+              <a:rPr lang="en-US" sz="1400" dirty="0">
+                <a:latin typeface="Arial" panose="020B0604020202020204" pitchFamily="34" charset="0"/>
+                <a:cs typeface="Arial" panose="020B0604020202020204" pitchFamily="34" charset="0"/>
+              </a:rPr>
+              <a:t>Match-up Key</a:t>
+            </a:r>
+          </a:p>
+        </p:txBody>
+      </p:sp>
+      <p:cxnSp>
+        <p:nvCxnSpPr>
+          <p:cNvPr id="250" name="Straight Connector 249"/>
+          <p:cNvCxnSpPr/>
+          <p:nvPr/>
+        </p:nvCxnSpPr>
+        <p:spPr>
+          <a:xfrm>
+            <a:off x="6218251" y="8530213"/>
+            <a:ext cx="457200" cy="0"/>
+          </a:xfrm>
+          <a:prstGeom prst="line">
+            <a:avLst/>
+          </a:prstGeom>
+          <a:ln w="19050">
+            <a:solidFill>
+              <a:schemeClr val="tx1"/>
+            </a:solidFill>
+          </a:ln>
+        </p:spPr>
+        <p:style>
+          <a:lnRef idx="1">
+            <a:schemeClr val="accent1"/>
+          </a:lnRef>
+          <a:fillRef idx="0">
+            <a:schemeClr val="accent1"/>
+          </a:fillRef>
+          <a:effectRef idx="0">
+            <a:schemeClr val="accent1"/>
+          </a:effectRef>
+          <a:fontRef idx="minor">
+            <a:schemeClr val="tx1"/>
+          </a:fontRef>
+        </p:style>
+      </p:cxnSp>
+      <p:cxnSp>
+        <p:nvCxnSpPr>
+          <p:cNvPr id="251" name="Straight Connector 250"/>
+          <p:cNvCxnSpPr/>
+          <p:nvPr/>
+        </p:nvCxnSpPr>
+        <p:spPr>
+          <a:xfrm>
+            <a:off x="6218250" y="8801937"/>
+            <a:ext cx="457200" cy="0"/>
+          </a:xfrm>
+          <a:prstGeom prst="line">
+            <a:avLst/>
+          </a:prstGeom>
+          <a:ln w="19050">
+            <a:solidFill>
+              <a:schemeClr val="tx1"/>
+            </a:solidFill>
+            <a:prstDash val="dash"/>
+          </a:ln>
+        </p:spPr>
+        <p:style>
+          <a:lnRef idx="1">
+            <a:schemeClr val="accent1"/>
+          </a:lnRef>
+          <a:fillRef idx="0">
+            <a:schemeClr val="accent1"/>
+          </a:fillRef>
+          <a:effectRef idx="0">
+            <a:schemeClr val="accent1"/>
+          </a:effectRef>
+          <a:fontRef idx="minor">
+            <a:schemeClr val="tx1"/>
+          </a:fontRef>
+        </p:style>
+      </p:cxnSp>
+      <p:sp>
+        <p:nvSpPr>
+          <p:cNvPr id="252" name="TextBox 251"/>
+          <p:cNvSpPr txBox="1"/>
+          <p:nvPr/>
+        </p:nvSpPr>
+        <p:spPr>
+          <a:xfrm>
+            <a:off x="5608651" y="8399408"/>
+            <a:ext cx="685800" cy="261610"/>
+          </a:xfrm>
+          <a:prstGeom prst="rect">
+            <a:avLst/>
+          </a:prstGeom>
+          <a:noFill/>
+        </p:spPr>
+        <p:txBody>
+          <a:bodyPr wrap="square" rtlCol="0">
+            <a:spAutoFit/>
+          </a:bodyPr>
+          <a:lstStyle/>
+          <a:p>
+            <a:r>
+              <a:rPr lang="en-US" sz="1100" i="1" dirty="0">
+                <a:latin typeface="Arial" panose="020B0604020202020204" pitchFamily="34" charset="0"/>
+                <a:cs typeface="Arial" panose="020B0604020202020204" pitchFamily="34" charset="0"/>
+              </a:rPr>
+              <a:t>winner</a:t>
+            </a:r>
+          </a:p>
+        </p:txBody>
+      </p:sp>
+      <p:sp>
+        <p:nvSpPr>
+          <p:cNvPr id="254" name="TextBox 253"/>
+          <p:cNvSpPr txBox="1"/>
+          <p:nvPr/>
+        </p:nvSpPr>
+        <p:spPr>
+          <a:xfrm>
+            <a:off x="5643769" y="8671132"/>
+            <a:ext cx="685800" cy="261610"/>
+          </a:xfrm>
+          <a:prstGeom prst="rect">
+            <a:avLst/>
+          </a:prstGeom>
+          <a:noFill/>
+        </p:spPr>
+        <p:txBody>
+          <a:bodyPr wrap="square" rtlCol="0">
+            <a:spAutoFit/>
+          </a:bodyPr>
+          <a:lstStyle/>
+          <a:p>
+            <a:r>
+              <a:rPr lang="en-US" sz="1100" i="1" dirty="0">
+                <a:latin typeface="Arial" panose="020B0604020202020204" pitchFamily="34" charset="0"/>
+                <a:cs typeface="Arial" panose="020B0604020202020204" pitchFamily="34" charset="0"/>
+              </a:rPr>
+              <a:t>loser</a:t>
+            </a:r>
+          </a:p>
+        </p:txBody>
+      </p:sp>
+      <p:sp>
+        <p:nvSpPr>
+          <p:cNvPr id="206" name="TextBox 205"/>
+          <p:cNvSpPr txBox="1"/>
+          <p:nvPr/>
+        </p:nvSpPr>
+        <p:spPr>
+          <a:xfrm>
+            <a:off x="4019825" y="7049355"/>
+            <a:ext cx="571500" cy="307777"/>
+          </a:xfrm>
+          <a:prstGeom prst="rect">
+            <a:avLst/>
+          </a:prstGeom>
+          <a:noFill/>
+        </p:spPr>
+        <p:txBody>
+          <a:bodyPr wrap="square" rtlCol="0">
+            <a:spAutoFit/>
+          </a:bodyPr>
+          <a:lstStyle/>
+          <a:p>
+            <a:pPr algn="ctr"/>
+            <a:r>
+              <a:rPr lang="en-US" sz="1400" dirty="0">
+                <a:latin typeface="Arial" panose="020B0604020202020204" pitchFamily="34" charset="0"/>
+                <a:cs typeface="Arial" panose="020B0604020202020204" pitchFamily="34" charset="0"/>
+              </a:rPr>
+              <a:t>3</a:t>
+            </a:r>
+          </a:p>
+        </p:txBody>
+      </p:sp>
+      <p:sp>
+        <p:nvSpPr>
+          <p:cNvPr id="209" name="TextBox 208"/>
+          <p:cNvSpPr txBox="1"/>
+          <p:nvPr/>
+        </p:nvSpPr>
+        <p:spPr>
+          <a:xfrm>
+            <a:off x="4019825" y="6402365"/>
+            <a:ext cx="571500" cy="307777"/>
+          </a:xfrm>
+          <a:prstGeom prst="rect">
+            <a:avLst/>
+          </a:prstGeom>
+          <a:noFill/>
+        </p:spPr>
+        <p:txBody>
+          <a:bodyPr wrap="square" rtlCol="0">
+            <a:spAutoFit/>
+          </a:bodyPr>
+          <a:lstStyle/>
+          <a:p>
+            <a:pPr algn="ctr"/>
+            <a:r>
+              <a:rPr lang="en-US" sz="1400" dirty="0">
+                <a:latin typeface="Arial" panose="020B0604020202020204" pitchFamily="34" charset="0"/>
+                <a:cs typeface="Arial" panose="020B0604020202020204" pitchFamily="34" charset="0"/>
+              </a:rPr>
+              <a:t>1</a:t>
+            </a:r>
+          </a:p>
+        </p:txBody>
+      </p:sp>
+      <p:sp>
+        <p:nvSpPr>
+          <p:cNvPr id="210" name="TextBox 209"/>
+          <p:cNvSpPr txBox="1"/>
+          <p:nvPr/>
+        </p:nvSpPr>
+        <p:spPr>
+          <a:xfrm>
+            <a:off x="4019825" y="6725860"/>
+            <a:ext cx="571500" cy="307777"/>
+          </a:xfrm>
+          <a:prstGeom prst="rect">
+            <a:avLst/>
+          </a:prstGeom>
+          <a:noFill/>
+        </p:spPr>
+        <p:txBody>
+          <a:bodyPr wrap="square" rtlCol="0">
+            <a:spAutoFit/>
+          </a:bodyPr>
+          <a:lstStyle/>
+          <a:p>
+            <a:pPr algn="ctr"/>
+            <a:r>
+              <a:rPr lang="en-US" sz="1400" dirty="0">
+                <a:latin typeface="Arial" panose="020B0604020202020204" pitchFamily="34" charset="0"/>
+                <a:cs typeface="Arial" panose="020B0604020202020204" pitchFamily="34" charset="0"/>
+              </a:rPr>
+              <a:t>2</a:t>
+            </a:r>
+          </a:p>
+        </p:txBody>
+      </p:sp>
+      <p:sp>
+        <p:nvSpPr>
+          <p:cNvPr id="211" name="TextBox 210"/>
+          <p:cNvSpPr txBox="1"/>
+          <p:nvPr/>
+        </p:nvSpPr>
+        <p:spPr>
+          <a:xfrm>
+            <a:off x="3368555" y="4812890"/>
+            <a:ext cx="1293784" cy="338554"/>
+          </a:xfrm>
+          <a:prstGeom prst="rect">
+            <a:avLst/>
+          </a:prstGeom>
+          <a:noFill/>
+        </p:spPr>
+        <p:txBody>
+          <a:bodyPr wrap="square" rtlCol="0">
+            <a:spAutoFit/>
+          </a:bodyPr>
+          <a:lstStyle/>
+          <a:p>
+            <a:pPr algn="ctr"/>
+            <a:r>
+              <a:rPr lang="en-US" sz="800" i="1" dirty="0">
+                <a:latin typeface="Arial" panose="020B0604020202020204" pitchFamily="34" charset="0"/>
+                <a:cs typeface="Arial" panose="020B0604020202020204" pitchFamily="34" charset="0"/>
+              </a:rPr>
+              <a:t>Week 15 playoff losers compete for 3</a:t>
+            </a:r>
+            <a:r>
+              <a:rPr lang="en-US" sz="800" i="1" baseline="30000" dirty="0">
+                <a:latin typeface="Arial" panose="020B0604020202020204" pitchFamily="34" charset="0"/>
+                <a:cs typeface="Arial" panose="020B0604020202020204" pitchFamily="34" charset="0"/>
+              </a:rPr>
+              <a:t>rd</a:t>
+            </a:r>
+            <a:r>
+              <a:rPr lang="en-US" sz="800" i="1" dirty="0">
+                <a:latin typeface="Arial" panose="020B0604020202020204" pitchFamily="34" charset="0"/>
+                <a:cs typeface="Arial" panose="020B0604020202020204" pitchFamily="34" charset="0"/>
+              </a:rPr>
+              <a:t> Place</a:t>
+            </a:r>
+          </a:p>
+        </p:txBody>
+      </p:sp>
+      <p:sp>
+        <p:nvSpPr>
+          <p:cNvPr id="212" name="TextBox 211"/>
+          <p:cNvSpPr txBox="1"/>
+          <p:nvPr/>
+        </p:nvSpPr>
+        <p:spPr>
+          <a:xfrm>
+            <a:off x="4019825" y="7372850"/>
+            <a:ext cx="571500" cy="307777"/>
+          </a:xfrm>
+          <a:prstGeom prst="rect">
+            <a:avLst/>
+          </a:prstGeom>
+          <a:noFill/>
+        </p:spPr>
+        <p:txBody>
+          <a:bodyPr wrap="square" rtlCol="0">
+            <a:spAutoFit/>
+          </a:bodyPr>
+          <a:lstStyle/>
+          <a:p>
+            <a:pPr algn="ctr"/>
+            <a:r>
+              <a:rPr lang="en-US" sz="1400" dirty="0">
+                <a:latin typeface="Arial" panose="020B0604020202020204" pitchFamily="34" charset="0"/>
+                <a:cs typeface="Arial" panose="020B0604020202020204" pitchFamily="34" charset="0"/>
+              </a:rPr>
+              <a:t>4</a:t>
+            </a:r>
+          </a:p>
+        </p:txBody>
+      </p:sp>
+      <p:sp>
+        <p:nvSpPr>
+          <p:cNvPr id="213" name="TextBox 212"/>
+          <p:cNvSpPr txBox="1"/>
+          <p:nvPr/>
+        </p:nvSpPr>
+        <p:spPr>
+          <a:xfrm>
+            <a:off x="4019825" y="7696345"/>
+            <a:ext cx="571500" cy="307777"/>
+          </a:xfrm>
+          <a:prstGeom prst="rect">
+            <a:avLst/>
+          </a:prstGeom>
+          <a:noFill/>
+        </p:spPr>
+        <p:txBody>
+          <a:bodyPr wrap="square" rtlCol="0">
+            <a:spAutoFit/>
+          </a:bodyPr>
+          <a:lstStyle/>
+          <a:p>
+            <a:pPr algn="ctr"/>
+            <a:r>
+              <a:rPr lang="en-US" sz="1400" dirty="0">
+                <a:latin typeface="Arial" panose="020B0604020202020204" pitchFamily="34" charset="0"/>
+                <a:cs typeface="Arial" panose="020B0604020202020204" pitchFamily="34" charset="0"/>
+              </a:rPr>
+              <a:t>5</a:t>
+            </a:r>
+          </a:p>
+        </p:txBody>
+      </p:sp>
+      <p:sp>
+        <p:nvSpPr>
+          <p:cNvPr id="89" name="TextBox 88"/>
+          <p:cNvSpPr txBox="1"/>
+          <p:nvPr/>
+        </p:nvSpPr>
+        <p:spPr>
+          <a:xfrm>
+            <a:off x="4019825" y="8019840"/>
+            <a:ext cx="571500" cy="307777"/>
+          </a:xfrm>
+          <a:prstGeom prst="rect">
+            <a:avLst/>
+          </a:prstGeom>
+          <a:noFill/>
+        </p:spPr>
+        <p:txBody>
+          <a:bodyPr wrap="square" rtlCol="0">
+            <a:spAutoFit/>
+          </a:bodyPr>
+          <a:lstStyle/>
+          <a:p>
+            <a:pPr algn="ctr"/>
+            <a:r>
+              <a:rPr lang="en-US" sz="1400" dirty="0">
+                <a:latin typeface="Arial" panose="020B0604020202020204" pitchFamily="34" charset="0"/>
+                <a:cs typeface="Arial" panose="020B0604020202020204" pitchFamily="34" charset="0"/>
+              </a:rPr>
+              <a:t>6</a:t>
+            </a:r>
+          </a:p>
+        </p:txBody>
+      </p:sp>
+      <p:sp>
+        <p:nvSpPr>
+          <p:cNvPr id="90" name="TextBox 89"/>
+          <p:cNvSpPr txBox="1"/>
+          <p:nvPr/>
+        </p:nvSpPr>
+        <p:spPr>
+          <a:xfrm>
+            <a:off x="4019825" y="8343333"/>
+            <a:ext cx="571500" cy="307777"/>
+          </a:xfrm>
+          <a:prstGeom prst="rect">
+            <a:avLst/>
+          </a:prstGeom>
+          <a:noFill/>
+        </p:spPr>
+        <p:txBody>
+          <a:bodyPr wrap="square" rtlCol="0">
+            <a:spAutoFit/>
+          </a:bodyPr>
+          <a:lstStyle/>
+          <a:p>
+            <a:pPr algn="ctr"/>
+            <a:r>
+              <a:rPr lang="en-US" sz="1400" dirty="0">
+                <a:latin typeface="Arial" panose="020B0604020202020204" pitchFamily="34" charset="0"/>
+                <a:cs typeface="Arial" panose="020B0604020202020204" pitchFamily="34" charset="0"/>
+              </a:rPr>
+              <a:t>7</a:t>
+            </a:r>
+          </a:p>
+        </p:txBody>
+      </p:sp>
+      <p:cxnSp>
+        <p:nvCxnSpPr>
+          <p:cNvPr id="112" name="Straight Connector 111"/>
+          <p:cNvCxnSpPr/>
+          <p:nvPr/>
+        </p:nvCxnSpPr>
+        <p:spPr>
+          <a:xfrm>
+            <a:off x="4685354" y="5125778"/>
+            <a:ext cx="868680" cy="0"/>
+          </a:xfrm>
+          <a:prstGeom prst="line">
+            <a:avLst/>
+          </a:prstGeom>
+          <a:ln w="19050">
+            <a:solidFill>
+              <a:schemeClr val="tx1"/>
+            </a:solidFill>
+            <a:prstDash val="dash"/>
+          </a:ln>
+        </p:spPr>
+        <p:style>
+          <a:lnRef idx="1">
+            <a:schemeClr val="accent1"/>
+          </a:lnRef>
+          <a:fillRef idx="0">
+            <a:schemeClr val="accent1"/>
+          </a:fillRef>
+          <a:effectRef idx="0">
+            <a:schemeClr val="accent1"/>
+          </a:effectRef>
+          <a:fontRef idx="minor">
+            <a:schemeClr val="tx1"/>
+          </a:fontRef>
+        </p:style>
+      </p:cxnSp>
+      <p:sp>
+        <p:nvSpPr>
+          <p:cNvPr id="113" name="TextBox 112"/>
+          <p:cNvSpPr txBox="1"/>
+          <p:nvPr/>
+        </p:nvSpPr>
+        <p:spPr>
+          <a:xfrm>
+            <a:off x="4658319" y="4875491"/>
+            <a:ext cx="946652" cy="292388"/>
+          </a:xfrm>
+          <a:prstGeom prst="rect">
+            <a:avLst/>
+          </a:prstGeom>
+          <a:noFill/>
+        </p:spPr>
+        <p:txBody>
+          <a:bodyPr wrap="square" rtlCol="0">
+            <a:spAutoFit/>
+          </a:bodyPr>
+          <a:lstStyle/>
+          <a:p>
+            <a:pPr algn="ctr"/>
+            <a:r>
+              <a:rPr lang="en-US" sz="1300" dirty="0">
+                <a:latin typeface="Arial" panose="020B0604020202020204" pitchFamily="34" charset="0"/>
+                <a:cs typeface="Arial" panose="020B0604020202020204" pitchFamily="34" charset="0"/>
+              </a:rPr>
+              <a:t>4</a:t>
+            </a:r>
+            <a:r>
+              <a:rPr lang="en-US" sz="1300" baseline="30000" dirty="0">
+                <a:latin typeface="Arial" panose="020B0604020202020204" pitchFamily="34" charset="0"/>
+                <a:cs typeface="Arial" panose="020B0604020202020204" pitchFamily="34" charset="0"/>
+              </a:rPr>
+              <a:t>th</a:t>
+            </a:r>
+            <a:r>
+              <a:rPr lang="en-US" sz="1300" dirty="0">
+                <a:latin typeface="Arial" panose="020B0604020202020204" pitchFamily="34" charset="0"/>
+                <a:cs typeface="Arial" panose="020B0604020202020204" pitchFamily="34" charset="0"/>
+              </a:rPr>
+              <a:t> Place</a:t>
+            </a:r>
+          </a:p>
+        </p:txBody>
+      </p:sp>
+      <p:cxnSp>
+        <p:nvCxnSpPr>
+          <p:cNvPr id="129" name="Elbow Connector 160">
+            <a:extLst>
+              <a:ext uri="{FF2B5EF4-FFF2-40B4-BE49-F238E27FC236}">
+                <a16:creationId xmlns:a16="http://schemas.microsoft.com/office/drawing/2014/main" id="{8447428B-704B-4A2E-AF3B-CDD5278F11E6}"/>
+              </a:ext>
+            </a:extLst>
+          </p:cNvPr>
+          <p:cNvCxnSpPr>
+            <a:cxnSpLocks/>
+          </p:cNvCxnSpPr>
+          <p:nvPr/>
+        </p:nvCxnSpPr>
+        <p:spPr>
+          <a:xfrm rot="10800000" flipV="1">
+            <a:off x="2957611" y="2292592"/>
+            <a:ext cx="1614389" cy="770722"/>
+          </a:xfrm>
+          <a:prstGeom prst="bentConnector3">
+            <a:avLst>
+              <a:gd name="adj1" fmla="val 68988"/>
+            </a:avLst>
+          </a:prstGeom>
+          <a:ln w="19050">
+            <a:solidFill>
+              <a:schemeClr val="tx1"/>
+            </a:solidFill>
+          </a:ln>
+        </p:spPr>
+        <p:style>
+          <a:lnRef idx="1">
+            <a:schemeClr val="accent1"/>
+          </a:lnRef>
+          <a:fillRef idx="0">
+            <a:schemeClr val="accent1"/>
+          </a:fillRef>
+          <a:effectRef idx="0">
+            <a:schemeClr val="accent1"/>
+          </a:effectRef>
+          <a:fontRef idx="minor">
+            <a:schemeClr val="tx1"/>
+          </a:fontRef>
+        </p:style>
+      </p:cxnSp>
+      <p:cxnSp>
+        <p:nvCxnSpPr>
+          <p:cNvPr id="131" name="Elbow Connector 160">
+            <a:extLst>
+              <a:ext uri="{FF2B5EF4-FFF2-40B4-BE49-F238E27FC236}">
+                <a16:creationId xmlns:a16="http://schemas.microsoft.com/office/drawing/2014/main" id="{0A241975-306B-4546-BB51-6498F5C73BC2}"/>
+              </a:ext>
+            </a:extLst>
+          </p:cNvPr>
+          <p:cNvCxnSpPr>
+            <a:cxnSpLocks/>
+          </p:cNvCxnSpPr>
+          <p:nvPr/>
+        </p:nvCxnSpPr>
+        <p:spPr>
+          <a:xfrm rot="10800000" flipV="1">
+            <a:off x="2952751" y="2799622"/>
+            <a:ext cx="1619251" cy="1350055"/>
+          </a:xfrm>
+          <a:prstGeom prst="bentConnector3">
+            <a:avLst>
+              <a:gd name="adj1" fmla="val 50000"/>
+            </a:avLst>
+          </a:prstGeom>
+          <a:ln w="19050">
+            <a:solidFill>
+              <a:schemeClr val="tx1"/>
+            </a:solidFill>
+          </a:ln>
+        </p:spPr>
+        <p:style>
+          <a:lnRef idx="1">
+            <a:schemeClr val="accent1"/>
+          </a:lnRef>
+          <a:fillRef idx="0">
+            <a:schemeClr val="accent1"/>
+          </a:fillRef>
+          <a:effectRef idx="0">
+            <a:schemeClr val="accent1"/>
+          </a:effectRef>
+          <a:fontRef idx="minor">
+            <a:schemeClr val="tx1"/>
+          </a:fontRef>
+        </p:style>
+      </p:cxnSp>
+      <p:cxnSp>
+        <p:nvCxnSpPr>
+          <p:cNvPr id="168" name="Straight Connector 167">
+            <a:extLst>
+              <a:ext uri="{FF2B5EF4-FFF2-40B4-BE49-F238E27FC236}">
+                <a16:creationId xmlns:a16="http://schemas.microsoft.com/office/drawing/2014/main" id="{70F5F07E-6325-4085-960C-17E3C15857D7}"/>
+              </a:ext>
+            </a:extLst>
+          </p:cNvPr>
+          <p:cNvCxnSpPr>
+            <a:cxnSpLocks/>
+          </p:cNvCxnSpPr>
+          <p:nvPr/>
+        </p:nvCxnSpPr>
+        <p:spPr>
+          <a:xfrm flipV="1">
+            <a:off x="4684561" y="4668280"/>
+            <a:ext cx="0" cy="612224"/>
+          </a:xfrm>
+          <a:prstGeom prst="line">
+            <a:avLst/>
+          </a:prstGeom>
+          <a:ln w="19050">
+            <a:solidFill>
+              <a:schemeClr val="tx1"/>
+            </a:solidFill>
+          </a:ln>
+        </p:spPr>
+        <p:style>
+          <a:lnRef idx="1">
+            <a:schemeClr val="accent1"/>
+          </a:lnRef>
+          <a:fillRef idx="0">
+            <a:schemeClr val="accent1"/>
+          </a:fillRef>
+          <a:effectRef idx="0">
+            <a:schemeClr val="accent1"/>
+          </a:effectRef>
+          <a:fontRef idx="minor">
+            <a:schemeClr val="tx1"/>
+          </a:fontRef>
+        </p:style>
+      </p:cxnSp>
+      <p:cxnSp>
+        <p:nvCxnSpPr>
+          <p:cNvPr id="190" name="Elbow Connector 172">
+            <a:extLst>
+              <a:ext uri="{FF2B5EF4-FFF2-40B4-BE49-F238E27FC236}">
+                <a16:creationId xmlns:a16="http://schemas.microsoft.com/office/drawing/2014/main" id="{BF5BCCE7-6868-4CD7-A208-D6EBA6D06B9B}"/>
+              </a:ext>
+            </a:extLst>
+          </p:cNvPr>
+          <p:cNvCxnSpPr>
+            <a:cxnSpLocks/>
+          </p:cNvCxnSpPr>
+          <p:nvPr/>
+        </p:nvCxnSpPr>
+        <p:spPr>
+          <a:xfrm rot="16200000" flipH="1">
+            <a:off x="2499371" y="3682556"/>
+            <a:ext cx="1460039" cy="488268"/>
+          </a:xfrm>
+          <a:prstGeom prst="bentConnector3">
+            <a:avLst>
+              <a:gd name="adj1" fmla="val 925"/>
+            </a:avLst>
+          </a:prstGeom>
+          <a:ln w="12700">
+            <a:solidFill>
+              <a:schemeClr val="tx1"/>
+            </a:solidFill>
+            <a:prstDash val="dash"/>
+          </a:ln>
+        </p:spPr>
+        <p:style>
+          <a:lnRef idx="1">
+            <a:schemeClr val="accent1"/>
+          </a:lnRef>
+          <a:fillRef idx="0">
+            <a:schemeClr val="accent1"/>
+          </a:fillRef>
+          <a:effectRef idx="0">
+            <a:schemeClr val="accent1"/>
+          </a:effectRef>
+          <a:fontRef idx="minor">
+            <a:schemeClr val="tx1"/>
+          </a:fontRef>
+        </p:style>
+      </p:cxnSp>
+      <p:cxnSp>
+        <p:nvCxnSpPr>
+          <p:cNvPr id="163" name="Straight Connector 162">
+            <a:extLst>
+              <a:ext uri="{FF2B5EF4-FFF2-40B4-BE49-F238E27FC236}">
+                <a16:creationId xmlns:a16="http://schemas.microsoft.com/office/drawing/2014/main" id="{1C001E1A-E2A6-48A0-980A-4EA5FF80DA3D}"/>
+              </a:ext>
+            </a:extLst>
+          </p:cNvPr>
+          <p:cNvCxnSpPr>
+            <a:cxnSpLocks/>
+          </p:cNvCxnSpPr>
+          <p:nvPr/>
+        </p:nvCxnSpPr>
+        <p:spPr>
+          <a:xfrm>
+            <a:off x="3473524" y="4668280"/>
+            <a:ext cx="1211037" cy="0"/>
+          </a:xfrm>
+          <a:prstGeom prst="line">
+            <a:avLst/>
+          </a:prstGeom>
+          <a:ln w="12700">
+            <a:solidFill>
+              <a:schemeClr val="tx1"/>
+            </a:solidFill>
+            <a:prstDash val="solid"/>
+          </a:ln>
+        </p:spPr>
+        <p:style>
+          <a:lnRef idx="1">
+            <a:schemeClr val="accent1"/>
+          </a:lnRef>
+          <a:fillRef idx="0">
+            <a:schemeClr val="accent1"/>
+          </a:fillRef>
+          <a:effectRef idx="0">
+            <a:schemeClr val="accent1"/>
+          </a:effectRef>
+          <a:fontRef idx="minor">
+            <a:schemeClr val="tx1"/>
+          </a:fontRef>
+        </p:style>
+      </p:cxnSp>
+      <p:cxnSp>
+        <p:nvCxnSpPr>
+          <p:cNvPr id="214" name="Straight Connector 213">
+            <a:extLst>
+              <a:ext uri="{FF2B5EF4-FFF2-40B4-BE49-F238E27FC236}">
+                <a16:creationId xmlns:a16="http://schemas.microsoft.com/office/drawing/2014/main" id="{5CA9E683-C4AD-4735-AF10-FAF75E569958}"/>
+              </a:ext>
+            </a:extLst>
+          </p:cNvPr>
+          <p:cNvCxnSpPr>
+            <a:cxnSpLocks/>
+          </p:cNvCxnSpPr>
+          <p:nvPr/>
+        </p:nvCxnSpPr>
+        <p:spPr>
+          <a:xfrm flipV="1">
+            <a:off x="2952750" y="4388783"/>
+            <a:ext cx="503597" cy="1"/>
+          </a:xfrm>
+          <a:prstGeom prst="line">
+            <a:avLst/>
+          </a:prstGeom>
+          <a:ln w="12700">
+            <a:solidFill>
+              <a:schemeClr val="tx1"/>
+            </a:solidFill>
+            <a:prstDash val="dash"/>
+          </a:ln>
+        </p:spPr>
+        <p:style>
+          <a:lnRef idx="1">
+            <a:schemeClr val="accent1"/>
+          </a:lnRef>
+          <a:fillRef idx="0">
+            <a:schemeClr val="accent1"/>
+          </a:fillRef>
+          <a:effectRef idx="0">
+            <a:schemeClr val="accent1"/>
+          </a:effectRef>
+          <a:fontRef idx="minor">
+            <a:schemeClr val="tx1"/>
+          </a:fontRef>
+        </p:style>
+      </p:cxnSp>
+      <p:sp>
+        <p:nvSpPr>
+          <p:cNvPr id="216" name="TextBox 215">
+            <a:extLst>
+              <a:ext uri="{FF2B5EF4-FFF2-40B4-BE49-F238E27FC236}">
+                <a16:creationId xmlns:a16="http://schemas.microsoft.com/office/drawing/2014/main" id="{D991DF06-53AE-4C64-B807-7EA1E80435D9}"/>
+              </a:ext>
+            </a:extLst>
+          </p:cNvPr>
+          <p:cNvSpPr txBox="1"/>
+          <p:nvPr/>
+        </p:nvSpPr>
+        <p:spPr>
+          <a:xfrm>
+            <a:off x="3380271" y="5378968"/>
+            <a:ext cx="1452991" cy="461665"/>
+          </a:xfrm>
+          <a:prstGeom prst="rect">
+            <a:avLst/>
+          </a:prstGeom>
+          <a:noFill/>
+        </p:spPr>
+        <p:txBody>
+          <a:bodyPr wrap="square" rtlCol="0">
+            <a:spAutoFit/>
+          </a:bodyPr>
+          <a:lstStyle/>
+          <a:p>
+            <a:pPr algn="ctr"/>
+            <a:r>
+              <a:rPr lang="en-US" sz="800" i="1" dirty="0">
+                <a:latin typeface="Arial" panose="020B0604020202020204" pitchFamily="34" charset="0"/>
+                <a:cs typeface="Arial" panose="020B0604020202020204" pitchFamily="34" charset="0"/>
+              </a:rPr>
+              <a:t>Highest week 14-16 cumulative scoring team from loser’s bracket</a:t>
+            </a:r>
+          </a:p>
+        </p:txBody>
+      </p:sp>
+      <p:cxnSp>
+        <p:nvCxnSpPr>
+          <p:cNvPr id="261" name="Straight Connector 260">
+            <a:extLst>
+              <a:ext uri="{FF2B5EF4-FFF2-40B4-BE49-F238E27FC236}">
+                <a16:creationId xmlns:a16="http://schemas.microsoft.com/office/drawing/2014/main" id="{A72F039D-9831-4C57-8CA8-1E2A1FC0D8E3}"/>
+              </a:ext>
+            </a:extLst>
+          </p:cNvPr>
+          <p:cNvCxnSpPr>
+            <a:cxnSpLocks/>
+          </p:cNvCxnSpPr>
+          <p:nvPr/>
+        </p:nvCxnSpPr>
+        <p:spPr>
+          <a:xfrm>
+            <a:off x="3545414" y="6172200"/>
+            <a:ext cx="1761471" cy="0"/>
+          </a:xfrm>
+          <a:prstGeom prst="line">
+            <a:avLst/>
+          </a:prstGeom>
+          <a:ln w="12700" cap="sq" cmpd="sng">
+            <a:solidFill>
+              <a:schemeClr val="bg1">
+                <a:lumMod val="50000"/>
+              </a:schemeClr>
+            </a:solidFill>
+          </a:ln>
+        </p:spPr>
+        <p:style>
+          <a:lnRef idx="1">
+            <a:schemeClr val="accent1"/>
+          </a:lnRef>
+          <a:fillRef idx="0">
+            <a:schemeClr val="accent1"/>
+          </a:fillRef>
+          <a:effectRef idx="0">
+            <a:schemeClr val="accent1"/>
+          </a:effectRef>
+          <a:fontRef idx="minor">
+            <a:schemeClr val="tx1"/>
+          </a:fontRef>
+        </p:style>
+      </p:cxnSp>
+      <p:sp>
+        <p:nvSpPr>
           <p:cNvPr id="266" name="TextBox 265">
             <a:extLst>
               <a:ext uri="{FF2B5EF4-FFF2-40B4-BE49-F238E27FC236}">
@@ -13264,7 +16726,7 @@
     </p:spTree>
     <p:extLst>
       <p:ext uri="{BB962C8B-B14F-4D97-AF65-F5344CB8AC3E}">
-        <p14:creationId xmlns:p14="http://schemas.microsoft.com/office/powerpoint/2010/main" val="725420982"/>
+        <p14:creationId xmlns:p14="http://schemas.microsoft.com/office/powerpoint/2010/main" val="1348658651"/>
       </p:ext>
     </p:extLst>
   </p:cSld>
